--- a/resources/06. ASP.NET-Caching-Data/ASP.NET Caching Data.pptx
+++ b/resources/06. ASP.NET-Caching-Data/ASP.NET Caching Data.pptx
@@ -5,10 +5,10 @@
     <p:sldMasterId id="2147483672" r:id="rId1"/>
   </p:sldMasterIdLst>
   <p:notesMasterIdLst>
-    <p:notesMasterId r:id="rId31"/>
+    <p:notesMasterId r:id="rId28"/>
   </p:notesMasterIdLst>
   <p:handoutMasterIdLst>
-    <p:handoutMasterId r:id="rId32"/>
+    <p:handoutMasterId r:id="rId29"/>
   </p:handoutMasterIdLst>
   <p:sldIdLst>
     <p:sldId id="570" r:id="rId2"/>
@@ -24,27 +24,24 @@
     <p:sldId id="820" r:id="rId12"/>
     <p:sldId id="822" r:id="rId13"/>
     <p:sldId id="829" r:id="rId14"/>
-    <p:sldId id="832" r:id="rId15"/>
-    <p:sldId id="830" r:id="rId16"/>
-    <p:sldId id="831" r:id="rId17"/>
-    <p:sldId id="843" r:id="rId18"/>
-    <p:sldId id="845" r:id="rId19"/>
-    <p:sldId id="844" r:id="rId20"/>
-    <p:sldId id="840" r:id="rId21"/>
-    <p:sldId id="834" r:id="rId22"/>
-    <p:sldId id="835" r:id="rId23"/>
-    <p:sldId id="836" r:id="rId24"/>
-    <p:sldId id="837" r:id="rId25"/>
-    <p:sldId id="839" r:id="rId26"/>
-    <p:sldId id="841" r:id="rId27"/>
-    <p:sldId id="842" r:id="rId28"/>
-    <p:sldId id="460" r:id="rId29"/>
-    <p:sldId id="333" r:id="rId30"/>
+    <p:sldId id="843" r:id="rId15"/>
+    <p:sldId id="845" r:id="rId16"/>
+    <p:sldId id="844" r:id="rId17"/>
+    <p:sldId id="840" r:id="rId18"/>
+    <p:sldId id="834" r:id="rId19"/>
+    <p:sldId id="835" r:id="rId20"/>
+    <p:sldId id="836" r:id="rId21"/>
+    <p:sldId id="837" r:id="rId22"/>
+    <p:sldId id="839" r:id="rId23"/>
+    <p:sldId id="841" r:id="rId24"/>
+    <p:sldId id="842" r:id="rId25"/>
+    <p:sldId id="460" r:id="rId26"/>
+    <p:sldId id="333" r:id="rId27"/>
   </p:sldIdLst>
   <p:sldSz cx="9144000" cy="6858000" type="screen4x3"/>
   <p:notesSz cx="6881813" cy="9296400"/>
   <p:custDataLst>
-    <p:tags r:id="rId33"/>
+    <p:tags r:id="rId30"/>
   </p:custDataLst>
   <p:defaultTextStyle>
     <a:defPPr>
@@ -197,9 +194,6 @@
             <p14:sldId id="820"/>
             <p14:sldId id="822"/>
             <p14:sldId id="829"/>
-            <p14:sldId id="832"/>
-            <p14:sldId id="830"/>
-            <p14:sldId id="831"/>
             <p14:sldId id="843"/>
             <p14:sldId id="845"/>
             <p14:sldId id="844"/>
@@ -255,6 +249,10 @@
     </p:ext>
   </p:extLst>
 </p:presentation>
+</file>
+
+<file path=ppt/revisionInfo.xml><?xml version="1.0" encoding="utf-8"?>
+<p1510:revInfo xmlns:a="http://schemas.openxmlformats.org/drawingml/2006/main" xmlns:r="http://schemas.openxmlformats.org/officeDocument/2006/relationships" xmlns:p1510="http://schemas.microsoft.com/office/powerpoint/2015/10/main"/>
 </file>
 
 <file path=ppt/handoutMasters/handoutMaster1.xml><?xml version="1.0" encoding="utf-8"?>
@@ -372,7 +370,7 @@
             <a:fld id="{3BF7C7B5-275F-4D1F-9AB4-9255447DBC73}" type="datetimeFigureOut">
               <a:rPr lang="en-US"/>
               <a:pPr/>
-              <a:t>2/1/2016</a:t>
+              <a:t>10/3/2017</a:t>
             </a:fld>
             <a:endParaRPr lang="en-US" dirty="0"/>
           </a:p>
@@ -603,7 +601,7 @@
             <a:fld id="{9B46F231-FB2B-4655-A644-E2477325E686}" type="datetimeFigureOut">
               <a:rPr lang="en-US"/>
               <a:pPr/>
-              <a:t>2/1/2016</a:t>
+              <a:t>10/3/2017</a:t>
             </a:fld>
             <a:endParaRPr lang="en-US" dirty="0"/>
           </a:p>
@@ -679,38 +677,37 @@
           <a:p>
             <a:pPr lvl="0"/>
             <a:r>
-              <a:rPr lang="en-US" noProof="0" smtClean="0"/>
+              <a:rPr lang="en-US" noProof="0"/>
               <a:t>Click to edit Master text styles</a:t>
             </a:r>
           </a:p>
           <a:p>
             <a:pPr lvl="1"/>
             <a:r>
-              <a:rPr lang="en-US" noProof="0" smtClean="0"/>
+              <a:rPr lang="en-US" noProof="0"/>
               <a:t>Second level</a:t>
             </a:r>
           </a:p>
           <a:p>
             <a:pPr lvl="2"/>
             <a:r>
-              <a:rPr lang="en-US" noProof="0" smtClean="0"/>
+              <a:rPr lang="en-US" noProof="0"/>
               <a:t>Third level</a:t>
             </a:r>
           </a:p>
           <a:p>
             <a:pPr lvl="3"/>
             <a:r>
-              <a:rPr lang="en-US" noProof="0" smtClean="0"/>
+              <a:rPr lang="en-US" noProof="0"/>
               <a:t>Fourth level</a:t>
             </a:r>
           </a:p>
           <a:p>
             <a:pPr lvl="4"/>
             <a:r>
-              <a:rPr lang="en-US" noProof="0" smtClean="0"/>
+              <a:rPr lang="en-US" noProof="0"/>
               <a:t>Fifth level</a:t>
             </a:r>
-            <a:endParaRPr lang="en-US" noProof="0"/>
           </a:p>
         </p:txBody>
       </p:sp>
@@ -1116,91 +1113,6 @@
 </p:notes>
 </file>
 
-<file path=ppt/notesSlides/notesSlide3.xml><?xml version="1.0" encoding="utf-8"?>
-<p:notes xmlns:a="http://schemas.openxmlformats.org/drawingml/2006/main" xmlns:r="http://schemas.openxmlformats.org/officeDocument/2006/relationships" xmlns:p="http://schemas.openxmlformats.org/presentationml/2006/main">
-  <p:cSld>
-    <p:spTree>
-      <p:nvGrpSpPr>
-        <p:cNvPr id="1" name=""/>
-        <p:cNvGrpSpPr/>
-        <p:nvPr/>
-      </p:nvGrpSpPr>
-      <p:grpSpPr>
-        <a:xfrm>
-          <a:off x="0" y="0"/>
-          <a:ext cx="0" cy="0"/>
-          <a:chOff x="0" y="0"/>
-          <a:chExt cx="0" cy="0"/>
-        </a:xfrm>
-      </p:grpSpPr>
-      <p:sp>
-        <p:nvSpPr>
-          <p:cNvPr id="2" name="Slide Image Placeholder 1"/>
-          <p:cNvSpPr>
-            <a:spLocks noGrp="1" noRot="1" noChangeAspect="1"/>
-          </p:cNvSpPr>
-          <p:nvPr>
-            <p:ph type="sldImg"/>
-          </p:nvPr>
-        </p:nvSpPr>
-        <p:spPr/>
-      </p:sp>
-      <p:sp>
-        <p:nvSpPr>
-          <p:cNvPr id="3" name="Notes Placeholder 2"/>
-          <p:cNvSpPr>
-            <a:spLocks noGrp="1"/>
-          </p:cNvSpPr>
-          <p:nvPr>
-            <p:ph type="body" idx="1"/>
-          </p:nvPr>
-        </p:nvSpPr>
-        <p:spPr/>
-        <p:txBody>
-          <a:bodyPr/>
-          <a:lstStyle/>
-          <a:p>
-            <a:endParaRPr lang="en-US"/>
-          </a:p>
-        </p:txBody>
-      </p:sp>
-      <p:sp>
-        <p:nvSpPr>
-          <p:cNvPr id="4" name="Slide Number Placeholder 3"/>
-          <p:cNvSpPr>
-            <a:spLocks noGrp="1"/>
-          </p:cNvSpPr>
-          <p:nvPr>
-            <p:ph type="sldNum" sz="quarter" idx="10"/>
-          </p:nvPr>
-        </p:nvSpPr>
-        <p:spPr/>
-        <p:txBody>
-          <a:bodyPr/>
-          <a:lstStyle/>
-          <a:p>
-            <a:fld id="{6FB4F6EA-423E-42DF-9292-215E7D886C4E}" type="slidenum">
-              <a:rPr lang="en-US" smtClean="0"/>
-              <a:pPr/>
-              <a:t>14</a:t>
-            </a:fld>
-            <a:endParaRPr lang="en-US" dirty="0"/>
-          </a:p>
-        </p:txBody>
-      </p:sp>
-    </p:spTree>
-    <p:extLst>
-      <p:ext uri="{BB962C8B-B14F-4D97-AF65-F5344CB8AC3E}">
-        <p14:creationId xmlns:p14="http://schemas.microsoft.com/office/powerpoint/2010/main" val="2447615989"/>
-      </p:ext>
-    </p:extLst>
-  </p:cSld>
-  <p:clrMapOvr>
-    <a:masterClrMapping/>
-  </p:clrMapOvr>
-</p:notes>
-</file>
-
 <file path=ppt/slideLayouts/slideLayout1.xml><?xml version="1.0" encoding="utf-8"?>
 <p:sldLayout xmlns:a="http://schemas.openxmlformats.org/drawingml/2006/main" xmlns:r="http://schemas.openxmlformats.org/officeDocument/2006/relationships" xmlns:p="http://schemas.openxmlformats.org/presentationml/2006/main" preserve="1" userDrawn="1">
   <p:cSld name="Presentation Title Slide">
@@ -1263,10 +1175,9 @@
           </a:lstStyle>
           <a:p>
             <a:r>
-              <a:rPr lang="en-US" dirty="0" smtClean="0"/>
+              <a:rPr lang="en-US" dirty="0"/>
               <a:t>Presentation Title</a:t>
             </a:r>
-            <a:endParaRPr lang="en-US" dirty="0"/>
           </a:p>
         </p:txBody>
       </p:sp>
@@ -1327,10 +1238,9 @@
           </a:lstStyle>
           <a:p>
             <a:r>
-              <a:rPr lang="en-US" dirty="0" smtClean="0"/>
+              <a:rPr lang="en-US" dirty="0"/>
               <a:t>Presentation Subtitle</a:t>
             </a:r>
-            <a:endParaRPr lang="en-US" dirty="0"/>
           </a:p>
         </p:txBody>
       </p:sp>
@@ -1433,10 +1343,9 @@
           <a:p>
             <a:pPr lvl="0"/>
             <a:r>
-              <a:rPr lang="en-US" dirty="0" smtClean="0"/>
+              <a:rPr lang="en-US" dirty="0"/>
               <a:t>Author Name</a:t>
             </a:r>
-            <a:endParaRPr lang="en-US" dirty="0"/>
           </a:p>
         </p:txBody>
       </p:sp>
@@ -1512,7 +1421,7 @@
               <a:buNone/>
             </a:pPr>
             <a:r>
-              <a:rPr lang="en-US" sz="1800" b="1" dirty="0" smtClean="0">
+              <a:rPr lang="en-US" sz="1800" b="1" dirty="0">
                 <a:solidFill>
                   <a:srgbClr val="0EFE58"/>
                 </a:solidFill>
@@ -1526,18 +1435,6 @@
               </a:rPr>
               <a:t>Company Name</a:t>
             </a:r>
-            <a:endParaRPr lang="en-US" sz="1800" b="1" dirty="0">
-              <a:solidFill>
-                <a:srgbClr val="0EFE58"/>
-              </a:solidFill>
-              <a:effectLst>
-                <a:outerShdw blurRad="38100" dist="38100" dir="2700000" algn="tl">
-                  <a:srgbClr val="000000">
-                    <a:alpha val="43137"/>
-                  </a:srgbClr>
-                </a:outerShdw>
-              </a:effectLst>
-            </a:endParaRPr>
           </a:p>
         </p:txBody>
       </p:sp>
@@ -1594,7 +1491,7 @@
           <a:p>
             <a:pPr algn="l"/>
             <a:r>
-              <a:rPr lang="en-US" sz="1600" b="1" dirty="0" smtClean="0">
+              <a:rPr lang="en-US" sz="1600" b="1" dirty="0">
                 <a:solidFill>
                   <a:schemeClr val="tx1">
                     <a:lumMod val="50000"/>
@@ -1610,20 +1507,6 @@
               </a:rPr>
               <a:t>Company Web Site</a:t>
             </a:r>
-            <a:endParaRPr lang="en-US" sz="1600" b="1" dirty="0">
-              <a:solidFill>
-                <a:schemeClr val="tx1">
-                  <a:lumMod val="50000"/>
-                </a:schemeClr>
-              </a:solidFill>
-              <a:effectLst>
-                <a:outerShdw blurRad="38100" dist="38100" dir="2700000" algn="tl">
-                  <a:srgbClr val="000000">
-                    <a:alpha val="43137"/>
-                  </a:srgbClr>
-                </a:outerShdw>
-              </a:effectLst>
-            </a:endParaRPr>
           </a:p>
         </p:txBody>
       </p:sp>
@@ -1682,10 +1565,9 @@
           <a:p>
             <a:pPr lvl="0"/>
             <a:r>
-              <a:rPr lang="en-US" dirty="0" smtClean="0"/>
+              <a:rPr lang="en-US" dirty="0"/>
               <a:t>Position</a:t>
             </a:r>
-            <a:endParaRPr lang="en-US" dirty="0"/>
           </a:p>
         </p:txBody>
       </p:sp>
@@ -1744,7 +1626,7 @@
           <a:p>
             <a:pPr lvl="0"/>
             <a:r>
-              <a:rPr lang="en-US" smtClean="0"/>
+              <a:rPr lang="en-US"/>
               <a:t>Web Site</a:t>
             </a:r>
             <a:endParaRPr lang="en-US" dirty="0"/>
@@ -1780,10 +1662,9 @@
           </a:lstStyle>
           <a:p>
             <a:r>
-              <a:rPr lang="en-US" dirty="0" smtClean="0"/>
+              <a:rPr lang="en-US" dirty="0"/>
               <a:t>Insert a Picture Here</a:t>
             </a:r>
-            <a:endParaRPr lang="en-US" dirty="0"/>
           </a:p>
         </p:txBody>
       </p:sp>
@@ -1792,13 +1673,6 @@
   <p:clrMapOvr>
     <a:masterClrMapping/>
   </p:clrMapOvr>
-  <p:timing>
-    <p:tnLst>
-      <p:par>
-        <p:cTn id="1" dur="indefinite" restart="never" nodeType="tmRoot"/>
-      </p:par>
-    </p:tnLst>
-  </p:timing>
 </p:sldLayout>
 </file>
 
@@ -1876,10 +1750,9 @@
           </a:lstStyle>
           <a:p>
             <a:r>
-              <a:rPr lang="en-US" dirty="0" smtClean="0"/>
+              <a:rPr lang="en-US" dirty="0"/>
               <a:t>Slide Title</a:t>
             </a:r>
-            <a:endParaRPr lang="en-US" dirty="0"/>
           </a:p>
         </p:txBody>
       </p:sp>
@@ -2016,38 +1889,37 @@
           <a:p>
             <a:pPr lvl="0"/>
             <a:r>
-              <a:rPr lang="en-US" dirty="0" smtClean="0"/>
+              <a:rPr lang="en-US" dirty="0"/>
               <a:t>First Level</a:t>
             </a:r>
           </a:p>
           <a:p>
             <a:pPr lvl="1"/>
             <a:r>
-              <a:rPr lang="en-US" dirty="0" smtClean="0"/>
+              <a:rPr lang="en-US" dirty="0"/>
               <a:t>Second level</a:t>
             </a:r>
           </a:p>
           <a:p>
             <a:pPr lvl="2"/>
             <a:r>
-              <a:rPr lang="en-US" dirty="0" smtClean="0"/>
+              <a:rPr lang="en-US" dirty="0"/>
               <a:t>Third level</a:t>
             </a:r>
           </a:p>
           <a:p>
             <a:pPr lvl="3"/>
             <a:r>
-              <a:rPr lang="en-US" dirty="0" smtClean="0"/>
+              <a:rPr lang="en-US" dirty="0"/>
               <a:t>Fourth level</a:t>
             </a:r>
           </a:p>
           <a:p>
             <a:pPr lvl="4"/>
             <a:r>
-              <a:rPr lang="en-US" dirty="0" smtClean="0"/>
+              <a:rPr lang="en-US" dirty="0"/>
               <a:t>Fifth level</a:t>
             </a:r>
-            <a:endParaRPr lang="en-US" dirty="0"/>
           </a:p>
         </p:txBody>
       </p:sp>
@@ -2097,13 +1969,6 @@
   <p:clrMapOvr>
     <a:masterClrMapping/>
   </p:clrMapOvr>
-  <p:timing>
-    <p:tnLst>
-      <p:par>
-        <p:cTn id="1" dur="indefinite" restart="never" nodeType="tmRoot"/>
-      </p:par>
-    </p:tnLst>
-  </p:timing>
 </p:sldLayout>
 </file>
 
@@ -2166,10 +2031,9 @@
           </a:lstStyle>
           <a:p>
             <a:r>
-              <a:rPr lang="en-US" dirty="0" smtClean="0"/>
+              <a:rPr lang="en-US" dirty="0"/>
               <a:t>Slide Title</a:t>
             </a:r>
-            <a:endParaRPr lang="en-US" dirty="0"/>
           </a:p>
         </p:txBody>
       </p:sp>
@@ -2336,7 +2200,7 @@
               <a:defRPr/>
             </a:pPr>
             <a:r>
-              <a:rPr kumimoji="0" lang="en-US" sz="3200" b="1" i="0" u="none" strike="noStrike" kern="1200" cap="none" spc="0" normalizeH="0" baseline="0" noProof="0" dirty="0" smtClean="0">
+              <a:rPr kumimoji="0" lang="en-US" sz="3200" b="1" i="0" u="none" strike="noStrike" kern="1200" cap="none" spc="0" normalizeH="0" baseline="0" noProof="0" dirty="0">
                 <a:ln>
                   <a:noFill/>
                 </a:ln>
@@ -2420,65 +2284,65 @@
           <a:p>
             <a:pPr lvl="0"/>
             <a:r>
-              <a:rPr lang="en-US" noProof="1" smtClean="0"/>
+              <a:rPr lang="en-US" noProof="1"/>
               <a:t>Enter source code here</a:t>
             </a:r>
           </a:p>
           <a:p>
             <a:pPr lvl="0"/>
-            <a:endParaRPr lang="en-US" noProof="1" smtClean="0"/>
+            <a:endParaRPr lang="en-US" noProof="1"/>
           </a:p>
           <a:p>
             <a:pPr lvl="0"/>
-            <a:endParaRPr lang="en-US" noProof="1" smtClean="0"/>
+            <a:endParaRPr lang="en-US" noProof="1"/>
           </a:p>
           <a:p>
             <a:pPr lvl="0"/>
-            <a:endParaRPr lang="en-US" noProof="1" smtClean="0"/>
+            <a:endParaRPr lang="en-US" noProof="1"/>
           </a:p>
           <a:p>
             <a:pPr lvl="0"/>
-            <a:endParaRPr lang="en-US" noProof="1" smtClean="0"/>
+            <a:endParaRPr lang="en-US" noProof="1"/>
           </a:p>
           <a:p>
             <a:pPr lvl="0"/>
-            <a:endParaRPr lang="en-US" noProof="1" smtClean="0"/>
+            <a:endParaRPr lang="en-US" noProof="1"/>
           </a:p>
           <a:p>
             <a:pPr lvl="0"/>
-            <a:endParaRPr lang="en-US" noProof="1" smtClean="0"/>
+            <a:endParaRPr lang="en-US" noProof="1"/>
           </a:p>
           <a:p>
             <a:pPr lvl="0"/>
-            <a:endParaRPr lang="en-US" noProof="1" smtClean="0"/>
+            <a:endParaRPr lang="en-US" noProof="1"/>
           </a:p>
           <a:p>
             <a:pPr lvl="0"/>
-            <a:endParaRPr lang="en-US" noProof="1" smtClean="0"/>
+            <a:endParaRPr lang="en-US" noProof="1"/>
           </a:p>
           <a:p>
             <a:pPr lvl="0"/>
-            <a:endParaRPr lang="en-US" noProof="1" smtClean="0"/>
+            <a:endParaRPr lang="en-US" noProof="1"/>
           </a:p>
           <a:p>
             <a:pPr lvl="0"/>
-            <a:endParaRPr lang="en-US" noProof="1" smtClean="0"/>
+            <a:endParaRPr lang="en-US" noProof="1"/>
           </a:p>
           <a:p>
             <a:pPr lvl="0"/>
-            <a:endParaRPr lang="en-US" noProof="1" smtClean="0"/>
+            <a:endParaRPr lang="en-US" noProof="1"/>
           </a:p>
           <a:p>
             <a:pPr lvl="0"/>
-            <a:endParaRPr lang="en-US" noProof="1" smtClean="0"/>
+            <a:endParaRPr lang="en-US" noProof="1"/>
           </a:p>
           <a:p>
             <a:pPr lvl="0"/>
-            <a:endParaRPr lang="en-US" noProof="1" smtClean="0"/>
+            <a:endParaRPr lang="en-US" noProof="1"/>
           </a:p>
           <a:p>
             <a:pPr lvl="0"/>
-            <a:endParaRPr lang="en-US" noProof="1" smtClean="0"/>
+            <a:endParaRPr lang="en-US" noProof="1"/>
           </a:p>
         </p:txBody>
       </p:sp>
@@ -2595,10 +2459,9 @@
           </a:lstStyle>
           <a:p>
             <a:r>
-              <a:rPr lang="en-US" dirty="0" smtClean="0"/>
+              <a:rPr lang="en-US" dirty="0"/>
               <a:t>Section Title</a:t>
             </a:r>
-            <a:endParaRPr lang="en-US" dirty="0"/>
           </a:p>
         </p:txBody>
       </p:sp>
@@ -2683,10 +2546,9 @@
           </a:lstStyle>
           <a:p>
             <a:r>
-              <a:rPr lang="en-US" dirty="0" smtClean="0"/>
+              <a:rPr lang="en-US" dirty="0"/>
               <a:t>Section Subtitle</a:t>
             </a:r>
-            <a:endParaRPr lang="en-US" dirty="0"/>
           </a:p>
         </p:txBody>
       </p:sp>
@@ -2695,13 +2557,6 @@
   <p:clrMapOvr>
     <a:masterClrMapping/>
   </p:clrMapOvr>
-  <p:timing>
-    <p:tnLst>
-      <p:par>
-        <p:cTn id="1" dur="indefinite" restart="never" nodeType="tmRoot"/>
-      </p:par>
-    </p:tnLst>
-  </p:timing>
 </p:sldLayout>
 </file>
 
@@ -2770,7 +2625,7 @@
             <a:p>
               <a:pPr lvl="0"/>
               <a:r>
-                <a:rPr lang="bg-BG" sz="200" noProof="1" smtClean="0">
+                <a:rPr lang="bg-BG" sz="200" noProof="1">
                   <a:ln w="0">
                     <a:noFill/>
                   </a:ln>
@@ -2781,15 +2636,6 @@
                 </a:rPr>
                 <a:t>форум програмиране, форум уеб дизайн</a:t>
               </a:r>
-              <a:endParaRPr lang="bg-BG" sz="200" noProof="1">
-                <a:ln w="0">
-                  <a:noFill/>
-                </a:ln>
-                <a:solidFill>
-                  <a:schemeClr val="bg1"/>
-                </a:solidFill>
-                <a:effectLst/>
-              </a:endParaRPr>
             </a:p>
           </p:txBody>
         </p:sp>
@@ -2823,7 +2669,7 @@
                 </a:lnSpc>
               </a:pPr>
               <a:r>
-                <a:rPr lang="bg-BG" sz="200" kern="1200" noProof="1" smtClean="0">
+                <a:rPr lang="bg-BG" sz="200" kern="1200" noProof="1">
                   <a:ln w="0">
                     <a:noFill/>
                   </a:ln>
@@ -2837,18 +2683,6 @@
                 </a:rPr>
                 <a:t>курсове и уроци по програмиране, уеб дизайн – безплатно</a:t>
               </a:r>
-              <a:endParaRPr lang="bg-BG" sz="200" kern="1200" noProof="1">
-                <a:ln w="0">
-                  <a:noFill/>
-                </a:ln>
-                <a:solidFill>
-                  <a:schemeClr val="bg1"/>
-                </a:solidFill>
-                <a:effectLst/>
-                <a:latin typeface="Corbel" pitchFamily="34" charset="0"/>
-                <a:ea typeface="+mn-ea"/>
-                <a:cs typeface="+mn-cs"/>
-              </a:endParaRPr>
             </a:p>
           </p:txBody>
         </p:sp>
@@ -2877,7 +2711,7 @@
             <a:lstStyle/>
             <a:p>
               <a:r>
-                <a:rPr lang="bg-BG" sz="200" kern="1200" noProof="1" smtClean="0">
+                <a:rPr lang="bg-BG" sz="200" kern="1200" noProof="1">
                   <a:ln w="0">
                     <a:noFill/>
                   </a:ln>
@@ -2891,18 +2725,6 @@
                 </a:rPr>
                 <a:t>програмиране за деца – безплатни курсове и уроци</a:t>
               </a:r>
-              <a:endParaRPr lang="bg-BG" sz="200" kern="1200" noProof="1">
-                <a:ln w="0">
-                  <a:noFill/>
-                </a:ln>
-                <a:solidFill>
-                  <a:schemeClr val="bg1"/>
-                </a:solidFill>
-                <a:effectLst/>
-                <a:latin typeface="Corbel" pitchFamily="34" charset="0"/>
-                <a:ea typeface="+mn-ea"/>
-                <a:cs typeface="+mn-cs"/>
-              </a:endParaRPr>
             </a:p>
           </p:txBody>
         </p:sp>
@@ -2939,7 +2761,7 @@
             <a:p>
               <a:pPr lvl="0" algn="l"/>
               <a:r>
-                <a:rPr lang="bg-BG" sz="200" noProof="1" smtClean="0">
+                <a:rPr lang="bg-BG" sz="200" noProof="1">
                   <a:ln w="0">
                     <a:noFill/>
                   </a:ln>
@@ -2950,15 +2772,6 @@
                 </a:rPr>
                 <a:t>безплатен SEO курс - оптимизация за търсачки</a:t>
               </a:r>
-              <a:endParaRPr lang="bg-BG" sz="200" noProof="1">
-                <a:ln w="0">
-                  <a:noFill/>
-                </a:ln>
-                <a:solidFill>
-                  <a:schemeClr val="bg1"/>
-                </a:solidFill>
-                <a:effectLst/>
-              </a:endParaRPr>
             </a:p>
           </p:txBody>
         </p:sp>
@@ -2995,7 +2808,7 @@
             <a:p>
               <a:pPr lvl="0"/>
               <a:r>
-                <a:rPr lang="bg-BG" sz="200" noProof="1" smtClean="0">
+                <a:rPr lang="bg-BG" sz="200" noProof="1">
                   <a:ln w="0">
                     <a:noFill/>
                   </a:ln>
@@ -3006,15 +2819,6 @@
                 </a:rPr>
                 <a:t>уроци по уеб дизайн, HTML, CSS, JavaScript, Photoshop</a:t>
               </a:r>
-              <a:endParaRPr lang="bg-BG" sz="200" noProof="1">
-                <a:ln w="0">
-                  <a:noFill/>
-                </a:ln>
-                <a:solidFill>
-                  <a:schemeClr val="bg1"/>
-                </a:solidFill>
-                <a:effectLst/>
-              </a:endParaRPr>
             </a:p>
           </p:txBody>
         </p:sp>
@@ -3044,7 +2848,7 @@
             <a:p>
               <a:pPr algn="l"/>
               <a:r>
-                <a:rPr lang="bg-BG" sz="200" kern="1200" noProof="1" smtClean="0">
+                <a:rPr lang="bg-BG" sz="200" kern="1200" noProof="1">
                   <a:ln w="0">
                     <a:noFill/>
                   </a:ln>
@@ -3058,18 +2862,6 @@
                 </a:rPr>
                 <a:t>уроци по програмиране и уеб дизайн за ученици</a:t>
               </a:r>
-              <a:endParaRPr lang="bg-BG" sz="200" kern="1200" noProof="1">
-                <a:ln w="0">
-                  <a:noFill/>
-                </a:ln>
-                <a:solidFill>
-                  <a:schemeClr val="bg1"/>
-                </a:solidFill>
-                <a:effectLst/>
-                <a:latin typeface="Corbel" pitchFamily="34" charset="0"/>
-                <a:ea typeface="+mn-ea"/>
-                <a:cs typeface="+mn-cs"/>
-              </a:endParaRPr>
             </a:p>
           </p:txBody>
         </p:sp>
@@ -3106,7 +2898,7 @@
             <a:p>
               <a:pPr lvl="0"/>
               <a:r>
-                <a:rPr lang="bg-BG" sz="200" noProof="1" smtClean="0">
+                <a:rPr lang="bg-BG" sz="200" noProof="1">
                   <a:ln w="0">
                     <a:noFill/>
                   </a:ln>
@@ -3117,15 +2909,6 @@
                 </a:rPr>
                 <a:t>ASP.NET MVC курс – HTML, SQL, C#, .NET, ASP.NET MVC</a:t>
               </a:r>
-              <a:endParaRPr lang="bg-BG" sz="200" noProof="1">
-                <a:ln w="0">
-                  <a:noFill/>
-                </a:ln>
-                <a:solidFill>
-                  <a:schemeClr val="bg1"/>
-                </a:solidFill>
-                <a:effectLst/>
-              </a:endParaRPr>
             </a:p>
           </p:txBody>
         </p:sp>
@@ -3154,7 +2937,7 @@
             <a:lstStyle/>
             <a:p>
               <a:r>
-                <a:rPr lang="bg-BG" sz="200" kern="1200" noProof="1" smtClean="0">
+                <a:rPr lang="bg-BG" sz="200" kern="1200" noProof="1">
                   <a:ln w="0">
                     <a:noFill/>
                   </a:ln>
@@ -3168,18 +2951,6 @@
                 </a:rPr>
                 <a:t>безплатен курс "Разработка на софтуер в cloud среда"</a:t>
               </a:r>
-              <a:endParaRPr lang="bg-BG" sz="200" kern="1200" noProof="1">
-                <a:ln w="0">
-                  <a:noFill/>
-                </a:ln>
-                <a:solidFill>
-                  <a:schemeClr val="bg1"/>
-                </a:solidFill>
-                <a:effectLst/>
-                <a:latin typeface="Corbel" pitchFamily="34" charset="0"/>
-                <a:ea typeface="+mn-ea"/>
-                <a:cs typeface="+mn-cs"/>
-              </a:endParaRPr>
             </a:p>
           </p:txBody>
         </p:sp>
@@ -3216,7 +2987,7 @@
             <a:p>
               <a:pPr lvl="0"/>
               <a:r>
-                <a:rPr lang="bg-BG" sz="200" noProof="1" smtClean="0">
+                <a:rPr lang="bg-BG" sz="200" noProof="1">
                   <a:ln w="0">
                     <a:noFill/>
                   </a:ln>
@@ -3227,15 +2998,6 @@
                 </a:rPr>
                 <a:t>BG Coder - онлайн състезателна система - online judge</a:t>
               </a:r>
-              <a:endParaRPr lang="bg-BG" sz="200" noProof="1">
-                <a:ln w="0">
-                  <a:noFill/>
-                </a:ln>
-                <a:solidFill>
-                  <a:schemeClr val="bg1"/>
-                </a:solidFill>
-                <a:effectLst/>
-              </a:endParaRPr>
             </a:p>
           </p:txBody>
         </p:sp>
@@ -3272,7 +3034,7 @@
             <a:p>
               <a:pPr lvl="0"/>
               <a:r>
-                <a:rPr lang="bg-BG" sz="200" noProof="1" smtClean="0">
+                <a:rPr lang="bg-BG" sz="200" noProof="1">
                   <a:ln w="0">
                     <a:noFill/>
                   </a:ln>
@@ -3283,15 +3045,6 @@
                 </a:rPr>
                 <a:t>курсове и уроци по програмиране, книги – безплатно от Наков</a:t>
               </a:r>
-              <a:endParaRPr lang="bg-BG" sz="200" noProof="1">
-                <a:ln w="0">
-                  <a:noFill/>
-                </a:ln>
-                <a:solidFill>
-                  <a:schemeClr val="bg1"/>
-                </a:solidFill>
-                <a:effectLst/>
-              </a:endParaRPr>
             </a:p>
           </p:txBody>
         </p:sp>
@@ -3320,7 +3073,7 @@
             <a:lstStyle/>
             <a:p>
               <a:r>
-                <a:rPr lang="bg-BG" sz="200" kern="1200" noProof="1" smtClean="0">
+                <a:rPr lang="bg-BG" sz="200" kern="1200" noProof="1">
                   <a:ln w="0">
                     <a:noFill/>
                   </a:ln>
@@ -3334,18 +3087,6 @@
                 </a:rPr>
                 <a:t>безплатен курс "Качествен програмен код"</a:t>
               </a:r>
-              <a:endParaRPr lang="bg-BG" sz="200" kern="1200" noProof="1">
-                <a:ln w="0">
-                  <a:noFill/>
-                </a:ln>
-                <a:solidFill>
-                  <a:schemeClr val="bg1"/>
-                </a:solidFill>
-                <a:effectLst/>
-                <a:latin typeface="Corbel" pitchFamily="34" charset="0"/>
-                <a:ea typeface="+mn-ea"/>
-                <a:cs typeface="+mn-cs"/>
-              </a:endParaRPr>
             </a:p>
           </p:txBody>
         </p:sp>
@@ -3382,7 +3123,7 @@
             <a:p>
               <a:pPr lvl="0"/>
               <a:r>
-                <a:rPr lang="bg-BG" sz="200" noProof="1" smtClean="0">
+                <a:rPr lang="bg-BG" sz="200" noProof="1">
                   <a:ln w="0">
                     <a:noFill/>
                   </a:ln>
@@ -3393,15 +3134,6 @@
                 </a:rPr>
                 <a:t>алго академия – състезателно програмиране, състезания</a:t>
               </a:r>
-              <a:endParaRPr lang="bg-BG" sz="200" noProof="1">
-                <a:ln w="0">
-                  <a:noFill/>
-                </a:ln>
-                <a:solidFill>
-                  <a:schemeClr val="bg1"/>
-                </a:solidFill>
-                <a:effectLst/>
-              </a:endParaRPr>
             </a:p>
           </p:txBody>
         </p:sp>
@@ -3438,7 +3170,7 @@
             <a:p>
               <a:pPr lvl="0"/>
               <a:r>
-                <a:rPr lang="bg-BG" sz="200" noProof="1" smtClean="0">
+                <a:rPr lang="bg-BG" sz="200" noProof="1">
                   <a:ln w="0">
                     <a:noFill/>
                   </a:ln>
@@ -3449,15 +3181,6 @@
                 </a:rPr>
                 <a:t>ASP.NET курс - уеб програмиране, бази данни, C#, .NET, ASP.NET</a:t>
               </a:r>
-              <a:endParaRPr lang="bg-BG" sz="200" noProof="1">
-                <a:ln w="0">
-                  <a:noFill/>
-                </a:ln>
-                <a:solidFill>
-                  <a:schemeClr val="bg1"/>
-                </a:solidFill>
-                <a:effectLst/>
-              </a:endParaRPr>
             </a:p>
           </p:txBody>
         </p:sp>
@@ -3494,7 +3217,7 @@
             <a:p>
               <a:pPr lvl="0" algn="l"/>
               <a:r>
-                <a:rPr lang="bg-BG" sz="200" noProof="1" smtClean="0">
+                <a:rPr lang="bg-BG" sz="200" noProof="1">
                   <a:ln w="0">
                     <a:noFill/>
                   </a:ln>
@@ -3506,7 +3229,7 @@
                 <a:t>курсове и уроци по </a:t>
               </a:r>
               <a:r>
-                <a:rPr lang="bg-BG" sz="200" kern="1200" noProof="1" smtClean="0">
+                <a:rPr lang="bg-BG" sz="200" kern="1200" noProof="1">
                   <a:ln w="0">
                     <a:noFill/>
                   </a:ln>
@@ -3520,18 +3243,6 @@
                 </a:rPr>
                 <a:t>програмиране – Телерик академия</a:t>
               </a:r>
-              <a:endParaRPr lang="bg-BG" sz="200" kern="1200" noProof="1">
-                <a:ln w="0">
-                  <a:noFill/>
-                </a:ln>
-                <a:solidFill>
-                  <a:schemeClr val="bg1"/>
-                </a:solidFill>
-                <a:effectLst/>
-                <a:latin typeface="Corbel" pitchFamily="34" charset="0"/>
-                <a:ea typeface="+mn-ea"/>
-                <a:cs typeface="+mn-cs"/>
-              </a:endParaRPr>
             </a:p>
           </p:txBody>
         </p:sp>
@@ -3568,7 +3279,7 @@
             <a:p>
               <a:pPr lvl="0"/>
               <a:r>
-                <a:rPr lang="bg-BG" sz="200" noProof="1" smtClean="0">
+                <a:rPr lang="bg-BG" sz="200" noProof="1">
                   <a:ln w="0">
                     <a:noFill/>
                   </a:ln>
@@ -3579,15 +3290,6 @@
                 </a:rPr>
                 <a:t>курс мобилни приложения с iPhone, Android, WP7, PhoneGap</a:t>
               </a:r>
-              <a:endParaRPr lang="bg-BG" sz="200" noProof="1">
-                <a:ln w="0">
-                  <a:noFill/>
-                </a:ln>
-                <a:solidFill>
-                  <a:schemeClr val="bg1"/>
-                </a:solidFill>
-                <a:effectLst/>
-              </a:endParaRPr>
             </a:p>
           </p:txBody>
         </p:sp>
@@ -3616,7 +3318,7 @@
             <a:lstStyle/>
             <a:p>
               <a:r>
-                <a:rPr lang="bg-BG" sz="200" kern="1200" noProof="1" smtClean="0">
+                <a:rPr lang="bg-BG" sz="200" kern="1200" noProof="1">
                   <a:ln w="0">
                     <a:noFill/>
                   </a:ln>
@@ -3630,18 +3332,6 @@
                 </a:rPr>
                 <a:t>free C# book, безплатна книга C#, книга Java, книга C#</a:t>
               </a:r>
-              <a:endParaRPr lang="bg-BG" sz="200" kern="1200" noProof="1">
-                <a:ln w="0">
-                  <a:noFill/>
-                </a:ln>
-                <a:solidFill>
-                  <a:schemeClr val="bg1"/>
-                </a:solidFill>
-                <a:effectLst/>
-                <a:latin typeface="Corbel" pitchFamily="34" charset="0"/>
-                <a:ea typeface="+mn-ea"/>
-                <a:cs typeface="+mn-cs"/>
-              </a:endParaRPr>
             </a:p>
           </p:txBody>
         </p:sp>
@@ -3685,7 +3375,7 @@
             <a:p>
               <a:pPr lvl="0"/>
               <a:r>
-                <a:rPr lang="bg-BG" sz="200" noProof="1" smtClean="0">
+                <a:rPr lang="bg-BG" sz="200" noProof="1">
                   <a:ln w="0">
                     <a:noFill/>
                   </a:ln>
@@ -3695,14 +3385,6 @@
                 </a:rPr>
                 <a:t>Дончо Минков - сайт за програмиране</a:t>
               </a:r>
-              <a:endParaRPr lang="bg-BG" sz="200" noProof="1">
-                <a:ln w="0">
-                  <a:noFill/>
-                </a:ln>
-                <a:solidFill>
-                  <a:schemeClr val="bg1"/>
-                </a:solidFill>
-              </a:endParaRPr>
             </a:p>
           </p:txBody>
         </p:sp>
@@ -3732,7 +3414,7 @@
             <a:p>
               <a:pPr algn="l"/>
               <a:r>
-                <a:rPr lang="bg-BG" sz="200" kern="1200" noProof="1" smtClean="0">
+                <a:rPr lang="bg-BG" sz="200" kern="1200" noProof="1">
                   <a:ln w="0">
                     <a:noFill/>
                   </a:ln>
@@ -3746,18 +3428,6 @@
                 </a:rPr>
                 <a:t>Николай Костов - блог за програмиране</a:t>
               </a:r>
-              <a:endParaRPr lang="bg-BG" sz="200" kern="1200" noProof="1">
-                <a:ln w="0">
-                  <a:noFill/>
-                </a:ln>
-                <a:solidFill>
-                  <a:schemeClr val="bg1"/>
-                </a:solidFill>
-                <a:effectLst/>
-                <a:latin typeface="Corbel" pitchFamily="34" charset="0"/>
-                <a:ea typeface="+mn-ea"/>
-                <a:cs typeface="+mn-cs"/>
-              </a:endParaRPr>
             </a:p>
           </p:txBody>
         </p:sp>
@@ -3801,7 +3471,7 @@
             <a:p>
               <a:pPr lvl="0"/>
               <a:r>
-                <a:rPr lang="bg-BG" sz="200" noProof="1" smtClean="0">
+                <a:rPr lang="bg-BG" sz="200" noProof="1">
                   <a:ln w="0">
                     <a:noFill/>
                   </a:ln>
@@ -3811,14 +3481,6 @@
                 </a:rPr>
                 <a:t>C# курс, програмиране, безплатно</a:t>
               </a:r>
-              <a:endParaRPr lang="bg-BG" sz="200" noProof="1">
-                <a:ln w="0">
-                  <a:noFill/>
-                </a:ln>
-                <a:solidFill>
-                  <a:schemeClr val="bg1"/>
-                </a:solidFill>
-              </a:endParaRPr>
             </a:p>
           </p:txBody>
         </p:sp>
@@ -3880,10 +3542,9 @@
           </a:lstStyle>
           <a:p>
             <a:r>
-              <a:rPr lang="en-US" dirty="0" smtClean="0"/>
+              <a:rPr lang="en-US" dirty="0"/>
               <a:t>Presentation Title</a:t>
             </a:r>
-            <a:endParaRPr lang="en-US" dirty="0"/>
           </a:p>
         </p:txBody>
       </p:sp>
@@ -3919,7 +3580,7 @@
           <a:lstStyle/>
           <a:p>
             <a:r>
-              <a:rPr lang="en-US" sz="9600" b="1" dirty="0" smtClean="0">
+              <a:rPr lang="en-US" sz="9600" b="1" dirty="0">
                 <a:solidFill>
                   <a:schemeClr val="tx1">
                     <a:lumMod val="75000"/>
@@ -3931,16 +3592,6 @@
               </a:rPr>
               <a:t>?</a:t>
             </a:r>
-            <a:endParaRPr lang="en-US" sz="9600" b="1" dirty="0">
-              <a:solidFill>
-                <a:schemeClr val="tx1">
-                  <a:lumMod val="75000"/>
-                </a:schemeClr>
-              </a:solidFill>
-              <a:effectLst>
-                <a:reflection blurRad="6350" stA="55000" endA="300" endPos="45500" dir="5400000" sy="-100000" algn="bl" rotWithShape="0"/>
-              </a:effectLst>
-            </a:endParaRPr>
           </a:p>
         </p:txBody>
       </p:sp>
@@ -3976,7 +3627,7 @@
           <a:lstStyle/>
           <a:p>
             <a:r>
-              <a:rPr lang="en-US" sz="8800" dirty="0" smtClean="0">
+              <a:rPr lang="en-US" sz="8800" dirty="0">
                 <a:solidFill>
                   <a:schemeClr val="accent5">
                     <a:lumMod val="60000"/>
@@ -3989,17 +3640,6 @@
               </a:rPr>
               <a:t>?</a:t>
             </a:r>
-            <a:endParaRPr lang="en-US" sz="8800" dirty="0">
-              <a:solidFill>
-                <a:schemeClr val="accent5">
-                  <a:lumMod val="60000"/>
-                  <a:lumOff val="40000"/>
-                </a:schemeClr>
-              </a:solidFill>
-              <a:effectLst>
-                <a:reflection blurRad="6350" stA="55000" endA="300" endPos="45500" dir="5400000" sy="-100000" algn="bl" rotWithShape="0"/>
-              </a:effectLst>
-            </a:endParaRPr>
           </a:p>
         </p:txBody>
       </p:sp>
@@ -4035,7 +3675,7 @@
           <a:lstStyle/>
           <a:p>
             <a:r>
-              <a:rPr lang="en-US" sz="11500" b="1" dirty="0" smtClean="0">
+              <a:rPr lang="en-US" sz="11500" b="1" dirty="0">
                 <a:solidFill>
                   <a:srgbClr val="FF831D"/>
                 </a:solidFill>
@@ -4045,14 +3685,6 @@
               </a:rPr>
               <a:t>?</a:t>
             </a:r>
-            <a:endParaRPr lang="en-US" sz="11500" b="1" dirty="0">
-              <a:solidFill>
-                <a:srgbClr val="FF831D"/>
-              </a:solidFill>
-              <a:effectLst>
-                <a:reflection blurRad="6350" stA="55000" endA="300" endPos="45500" dir="5400000" sy="-100000" algn="bl" rotWithShape="0"/>
-              </a:effectLst>
-            </a:endParaRPr>
           </a:p>
         </p:txBody>
       </p:sp>
@@ -4095,7 +3727,7 @@
           <a:lstStyle/>
           <a:p>
             <a:r>
-              <a:rPr lang="en-US" sz="12800" b="1" dirty="0" smtClean="0">
+              <a:rPr lang="en-US" sz="12800" b="1" dirty="0">
                 <a:ln w="11430"/>
                 <a:gradFill>
                   <a:gsLst>
@@ -4143,52 +3775,6 @@
               </a:rPr>
               <a:t>?</a:t>
             </a:r>
-            <a:endParaRPr lang="en-US" sz="12800" b="1" dirty="0">
-              <a:ln w="11430"/>
-              <a:gradFill>
-                <a:gsLst>
-                  <a:gs pos="0">
-                    <a:schemeClr val="accent6">
-                      <a:tint val="90000"/>
-                      <a:satMod val="120000"/>
-                    </a:schemeClr>
-                  </a:gs>
-                  <a:gs pos="25000">
-                    <a:schemeClr val="accent6">
-                      <a:tint val="93000"/>
-                      <a:satMod val="120000"/>
-                    </a:schemeClr>
-                  </a:gs>
-                  <a:gs pos="50000">
-                    <a:schemeClr val="accent6">
-                      <a:shade val="89000"/>
-                      <a:satMod val="110000"/>
-                    </a:schemeClr>
-                  </a:gs>
-                  <a:gs pos="75000">
-                    <a:schemeClr val="accent6">
-                      <a:tint val="93000"/>
-                      <a:satMod val="120000"/>
-                    </a:schemeClr>
-                  </a:gs>
-                  <a:gs pos="100000">
-                    <a:schemeClr val="accent6">
-                      <a:tint val="90000"/>
-                      <a:satMod val="120000"/>
-                    </a:schemeClr>
-                  </a:gs>
-                </a:gsLst>
-                <a:lin ang="5400000"/>
-              </a:gradFill>
-              <a:effectLst>
-                <a:innerShdw blurRad="63500" dist="50800" dir="8100000">
-                  <a:prstClr val="black">
-                    <a:alpha val="50000"/>
-                  </a:prstClr>
-                </a:innerShdw>
-                <a:reflection blurRad="6350" stA="55000" endA="300" endPos="45500" dir="5400000" sy="-100000" algn="bl" rotWithShape="0"/>
-              </a:effectLst>
-            </a:endParaRPr>
           </a:p>
         </p:txBody>
       </p:sp>
@@ -4224,7 +3810,7 @@
           <a:lstStyle/>
           <a:p>
             <a:r>
-              <a:rPr lang="en-US" sz="5600" dirty="0" smtClean="0">
+              <a:rPr lang="en-US" sz="5600" dirty="0">
                 <a:solidFill>
                   <a:schemeClr val="tx2">
                     <a:lumMod val="75000"/>
@@ -4236,16 +3822,6 @@
               </a:rPr>
               <a:t>?</a:t>
             </a:r>
-            <a:endParaRPr lang="en-US" sz="5600" dirty="0">
-              <a:solidFill>
-                <a:schemeClr val="tx2">
-                  <a:lumMod val="75000"/>
-                </a:schemeClr>
-              </a:solidFill>
-              <a:effectLst>
-                <a:reflection blurRad="6350" stA="55000" endA="300" endPos="45500" dir="5400000" sy="-100000" algn="bl" rotWithShape="0"/>
-              </a:effectLst>
-            </a:endParaRPr>
           </a:p>
         </p:txBody>
       </p:sp>
@@ -4281,7 +3857,7 @@
           <a:lstStyle/>
           <a:p>
             <a:r>
-              <a:rPr lang="en-US" sz="9600" dirty="0" smtClean="0">
+              <a:rPr lang="en-US" sz="9600" dirty="0">
                 <a:solidFill>
                   <a:srgbClr val="FF4A37"/>
                 </a:solidFill>
@@ -4291,14 +3867,6 @@
               </a:rPr>
               <a:t>?</a:t>
             </a:r>
-            <a:endParaRPr lang="en-US" sz="9600" dirty="0">
-              <a:solidFill>
-                <a:srgbClr val="FF4A37"/>
-              </a:solidFill>
-              <a:effectLst>
-                <a:reflection blurRad="6350" stA="60000" endA="900" endPos="60000" dist="29997" dir="5400000" sy="-100000" algn="bl" rotWithShape="0"/>
-              </a:effectLst>
-            </a:endParaRPr>
           </a:p>
         </p:txBody>
       </p:sp>
@@ -4334,7 +3902,7 @@
           <a:lstStyle/>
           <a:p>
             <a:r>
-              <a:rPr lang="en-US" sz="3600" dirty="0" smtClean="0">
+              <a:rPr lang="en-US" sz="3600" dirty="0">
                 <a:solidFill>
                   <a:schemeClr val="tx2">
                     <a:lumMod val="40000"/>
@@ -4347,17 +3915,6 @@
               </a:rPr>
               <a:t>?</a:t>
             </a:r>
-            <a:endParaRPr lang="en-US" sz="3600" dirty="0">
-              <a:solidFill>
-                <a:schemeClr val="tx2">
-                  <a:lumMod val="40000"/>
-                  <a:lumOff val="60000"/>
-                </a:schemeClr>
-              </a:solidFill>
-              <a:effectLst>
-                <a:reflection blurRad="6350" stA="55000" endA="300" endPos="45500" dir="5400000" sy="-100000" algn="bl" rotWithShape="0"/>
-              </a:effectLst>
-            </a:endParaRPr>
           </a:p>
         </p:txBody>
       </p:sp>
@@ -4393,7 +3950,7 @@
           <a:lstStyle/>
           <a:p>
             <a:r>
-              <a:rPr lang="en-US" sz="6600" dirty="0" smtClean="0">
+              <a:rPr lang="en-US" sz="6600" dirty="0">
                 <a:solidFill>
                   <a:srgbClr val="9966FF"/>
                 </a:solidFill>
@@ -4403,14 +3960,6 @@
               </a:rPr>
               <a:t>?</a:t>
             </a:r>
-            <a:endParaRPr lang="en-US" sz="6600" dirty="0">
-              <a:solidFill>
-                <a:srgbClr val="9966FF"/>
-              </a:solidFill>
-              <a:effectLst>
-                <a:reflection blurRad="6350" stA="55000" endA="300" endPos="45500" dir="5400000" sy="-100000" algn="bl" rotWithShape="0"/>
-              </a:effectLst>
-            </a:endParaRPr>
           </a:p>
         </p:txBody>
       </p:sp>
@@ -4449,7 +3998,7 @@
           <a:lstStyle/>
           <a:p>
             <a:r>
-              <a:rPr lang="en-US" sz="4400" dirty="0" smtClean="0">
+              <a:rPr lang="en-US" sz="4400" dirty="0">
                 <a:solidFill>
                   <a:srgbClr val="FF6699"/>
                 </a:solidFill>
@@ -4459,14 +4008,6 @@
               </a:rPr>
               <a:t>?</a:t>
             </a:r>
-            <a:endParaRPr lang="en-US" sz="4400" dirty="0">
-              <a:solidFill>
-                <a:srgbClr val="FF6699"/>
-              </a:solidFill>
-              <a:effectLst>
-                <a:reflection blurRad="6350" stA="55000" endA="300" endPos="45500" dir="5400000" sy="-100000" algn="bl" rotWithShape="0"/>
-              </a:effectLst>
-            </a:endParaRPr>
           </a:p>
         </p:txBody>
       </p:sp>
@@ -4502,7 +4043,7 @@
           <a:lstStyle/>
           <a:p>
             <a:r>
-              <a:rPr lang="en-US" sz="3600" dirty="0" smtClean="0">
+              <a:rPr lang="en-US" sz="3600" dirty="0">
                 <a:solidFill>
                   <a:schemeClr val="tx2">
                     <a:lumMod val="40000"/>
@@ -4515,17 +4056,6 @@
               </a:rPr>
               <a:t>?</a:t>
             </a:r>
-            <a:endParaRPr lang="en-US" sz="3600" dirty="0">
-              <a:solidFill>
-                <a:schemeClr val="tx2">
-                  <a:lumMod val="40000"/>
-                  <a:lumOff val="60000"/>
-                </a:schemeClr>
-              </a:solidFill>
-              <a:effectLst>
-                <a:reflection blurRad="6350" stA="55000" endA="300" endPos="45500" dir="5400000" sy="-100000" algn="bl" rotWithShape="0"/>
-              </a:effectLst>
-            </a:endParaRPr>
           </a:p>
         </p:txBody>
       </p:sp>
@@ -4554,7 +4084,7 @@
           <a:lstStyle/>
           <a:p>
             <a:r>
-              <a:rPr lang="en-US" sz="6000" b="1" dirty="0" smtClean="0">
+              <a:rPr lang="en-US" sz="6000" b="1" dirty="0">
                 <a:ln w="1905"/>
                 <a:gradFill>
                   <a:gsLst>
@@ -4590,40 +4120,6 @@
               </a:rPr>
               <a:t>?</a:t>
             </a:r>
-            <a:endParaRPr lang="en-US" sz="6000" b="1" dirty="0">
-              <a:ln w="1905"/>
-              <a:gradFill>
-                <a:gsLst>
-                  <a:gs pos="0">
-                    <a:schemeClr val="accent6">
-                      <a:shade val="20000"/>
-                      <a:satMod val="200000"/>
-                    </a:schemeClr>
-                  </a:gs>
-                  <a:gs pos="78000">
-                    <a:schemeClr val="accent6">
-                      <a:tint val="90000"/>
-                      <a:shade val="89000"/>
-                      <a:satMod val="220000"/>
-                    </a:schemeClr>
-                  </a:gs>
-                  <a:gs pos="100000">
-                    <a:schemeClr val="accent6">
-                      <a:tint val="12000"/>
-                      <a:satMod val="255000"/>
-                    </a:schemeClr>
-                  </a:gs>
-                </a:gsLst>
-                <a:lin ang="5400000"/>
-              </a:gradFill>
-              <a:effectLst>
-                <a:innerShdw blurRad="69850" dist="43180" dir="5400000">
-                  <a:srgbClr val="000000">
-                    <a:alpha val="65000"/>
-                  </a:srgbClr>
-                </a:innerShdw>
-              </a:effectLst>
-            </a:endParaRPr>
           </a:p>
         </p:txBody>
       </p:sp>
@@ -4659,7 +4155,7 @@
           <a:lstStyle/>
           <a:p>
             <a:r>
-              <a:rPr lang="en-US" sz="4000" dirty="0" smtClean="0">
+              <a:rPr lang="en-US" sz="4000" dirty="0">
                 <a:solidFill>
                   <a:schemeClr val="accent4">
                     <a:lumMod val="60000"/>
@@ -4672,17 +4168,6 @@
               </a:rPr>
               <a:t>?</a:t>
             </a:r>
-            <a:endParaRPr lang="en-US" sz="4000" dirty="0">
-              <a:solidFill>
-                <a:schemeClr val="accent4">
-                  <a:lumMod val="60000"/>
-                  <a:lumOff val="40000"/>
-                </a:schemeClr>
-              </a:solidFill>
-              <a:effectLst>
-                <a:reflection blurRad="6350" stA="55000" endA="300" endPos="45500" dir="5400000" sy="-100000" algn="bl" rotWithShape="0"/>
-              </a:effectLst>
-            </a:endParaRPr>
           </a:p>
         </p:txBody>
       </p:sp>
@@ -4723,7 +4208,7 @@
           <a:lstStyle/>
           <a:p>
             <a:r>
-              <a:rPr lang="en-US" sz="4000" b="1" spc="150" dirty="0" smtClean="0">
+              <a:rPr lang="en-US" sz="4000" b="1" spc="150" dirty="0">
                 <a:ln w="11430"/>
                 <a:solidFill>
                   <a:schemeClr val="accent4">
@@ -4741,22 +4226,6 @@
               </a:rPr>
               <a:t>?</a:t>
             </a:r>
-            <a:endParaRPr lang="en-US" sz="4000" b="1" spc="150" dirty="0">
-              <a:ln w="11430"/>
-              <a:solidFill>
-                <a:schemeClr val="accent4">
-                  <a:lumMod val="60000"/>
-                  <a:lumOff val="40000"/>
-                </a:schemeClr>
-              </a:solidFill>
-              <a:effectLst>
-                <a:outerShdw blurRad="25400" algn="tl" rotWithShape="0">
-                  <a:srgbClr val="000000">
-                    <a:alpha val="43000"/>
-                  </a:srgbClr>
-                </a:outerShdw>
-              </a:effectLst>
-            </a:endParaRPr>
           </a:p>
         </p:txBody>
       </p:sp>
@@ -4785,7 +4254,7 @@
           <a:lstStyle/>
           <a:p>
             <a:r>
-              <a:rPr lang="en-US" sz="3600" b="1" dirty="0" smtClean="0">
+              <a:rPr lang="en-US" sz="3600" b="1" dirty="0">
                 <a:ln w="19050">
                   <a:solidFill>
                     <a:schemeClr val="accent4">
@@ -4874,7 +4343,7 @@
           <a:lstStyle/>
           <a:p>
             <a:r>
-              <a:rPr lang="en-US" sz="4400" dirty="0" smtClean="0">
+              <a:rPr lang="en-US" sz="4400" dirty="0">
                 <a:ln>
                   <a:solidFill>
                     <a:schemeClr val="accent2">
@@ -4895,25 +4364,6 @@
               </a:rPr>
               <a:t>?</a:t>
             </a:r>
-            <a:endParaRPr lang="en-US" sz="4400" dirty="0">
-              <a:ln>
-                <a:solidFill>
-                  <a:schemeClr val="accent2">
-                    <a:lumMod val="40000"/>
-                    <a:lumOff val="60000"/>
-                  </a:schemeClr>
-                </a:solidFill>
-              </a:ln>
-              <a:solidFill>
-                <a:schemeClr val="accent6">
-                  <a:lumMod val="60000"/>
-                  <a:lumOff val="40000"/>
-                </a:schemeClr>
-              </a:solidFill>
-              <a:effectLst>
-                <a:reflection blurRad="6350" stA="55000" endA="300" endPos="45500" dir="5400000" sy="-100000" algn="bl" rotWithShape="0"/>
-              </a:effectLst>
-            </a:endParaRPr>
           </a:p>
         </p:txBody>
       </p:sp>
@@ -4949,7 +4399,7 @@
           <a:lstStyle/>
           <a:p>
             <a:r>
-              <a:rPr lang="en-US" sz="2800" dirty="0" smtClean="0">
+              <a:rPr lang="en-US" sz="2800" dirty="0">
                 <a:ln>
                   <a:solidFill>
                     <a:schemeClr val="tx1">
@@ -4969,24 +4419,6 @@
               </a:rPr>
               <a:t>?</a:t>
             </a:r>
-            <a:endParaRPr lang="en-US" sz="2800" dirty="0">
-              <a:ln>
-                <a:solidFill>
-                  <a:schemeClr val="tx1">
-                    <a:lumMod val="75000"/>
-                  </a:schemeClr>
-                </a:solidFill>
-              </a:ln>
-              <a:solidFill>
-                <a:schemeClr val="accent4">
-                  <a:lumMod val="60000"/>
-                  <a:lumOff val="40000"/>
-                </a:schemeClr>
-              </a:solidFill>
-              <a:effectLst>
-                <a:reflection blurRad="6350" stA="55000" endA="300" endPos="45500" dir="5400000" sy="-100000" algn="bl" rotWithShape="0"/>
-              </a:effectLst>
-            </a:endParaRPr>
           </a:p>
         </p:txBody>
       </p:sp>
@@ -5022,7 +4454,7 @@
           <a:lstStyle/>
           <a:p>
             <a:r>
-              <a:rPr lang="en-US" sz="2800" b="1" dirty="0" smtClean="0">
+              <a:rPr lang="en-US" sz="2800" b="1" dirty="0">
                 <a:ln w="31550" cmpd="sng">
                   <a:solidFill>
                     <a:schemeClr val="tx2">
@@ -5105,7 +4537,7 @@
           <a:lstStyle/>
           <a:p>
             <a:r>
-              <a:rPr lang="en-US" sz="3200" dirty="0" smtClean="0">
+              <a:rPr lang="en-US" sz="3200" dirty="0">
                 <a:ln>
                   <a:solidFill>
                     <a:schemeClr val="accent1">
@@ -5126,25 +4558,6 @@
               </a:rPr>
               <a:t>?</a:t>
             </a:r>
-            <a:endParaRPr lang="en-US" sz="3200" dirty="0">
-              <a:ln>
-                <a:solidFill>
-                  <a:schemeClr val="accent1">
-                    <a:lumMod val="40000"/>
-                    <a:lumOff val="60000"/>
-                  </a:schemeClr>
-                </a:solidFill>
-              </a:ln>
-              <a:solidFill>
-                <a:schemeClr val="accent4">
-                  <a:lumMod val="60000"/>
-                  <a:lumOff val="40000"/>
-                </a:schemeClr>
-              </a:solidFill>
-              <a:effectLst>
-                <a:reflection blurRad="6350" stA="55000" endA="300" endPos="45500" dir="5400000" sy="-100000" algn="bl" rotWithShape="0"/>
-              </a:effectLst>
-            </a:endParaRPr>
           </a:p>
         </p:txBody>
       </p:sp>
@@ -5202,7 +4615,7 @@
               <a:buNone/>
             </a:pPr>
             <a:r>
-              <a:rPr lang="en-US" sz="7600" b="1" spc="150" noProof="0" dirty="0" smtClean="0">
+              <a:rPr lang="en-US" sz="7600" b="1" spc="150" noProof="0" dirty="0">
                 <a:ln w="11430"/>
                 <a:solidFill>
                   <a:schemeClr val="tx1">
@@ -5273,10 +4686,9 @@
           <a:p>
             <a:pPr lvl="0"/>
             <a:r>
-              <a:rPr lang="en-US" dirty="0" smtClean="0"/>
+              <a:rPr lang="en-US" dirty="0"/>
               <a:t>Course web site URL</a:t>
             </a:r>
-            <a:endParaRPr lang="en-US" dirty="0"/>
           </a:p>
         </p:txBody>
       </p:sp>
@@ -5317,7 +4729,7 @@
               </a:lnSpc>
             </a:pPr>
             <a:r>
-              <a:rPr lang="en-US" sz="12000" b="1" dirty="0" smtClean="0">
+              <a:rPr lang="en-US" sz="12000" b="1" dirty="0">
                 <a:solidFill>
                   <a:srgbClr val="FFBF8B"/>
                 </a:solidFill>
@@ -5328,15 +4740,6 @@
               </a:rPr>
               <a:t>?</a:t>
             </a:r>
-            <a:endParaRPr lang="en-US" sz="12000" b="1" dirty="0">
-              <a:solidFill>
-                <a:srgbClr val="FFBF8B"/>
-              </a:solidFill>
-              <a:effectLst>
-                <a:reflection blurRad="6350" stA="55000" endA="300" endPos="45500" dir="5400000" sy="-100000" algn="bl" rotWithShape="0"/>
-              </a:effectLst>
-              <a:latin typeface="Cambria" pitchFamily="18" charset="0"/>
-            </a:endParaRPr>
           </a:p>
         </p:txBody>
       </p:sp>
@@ -5345,13 +4748,6 @@
   <p:clrMapOvr>
     <a:masterClrMapping/>
   </p:clrMapOvr>
-  <p:timing>
-    <p:tnLst>
-      <p:par>
-        <p:cTn id="1" dur="indefinite" restart="never" nodeType="tmRoot"/>
-      </p:par>
-    </p:tnLst>
-  </p:timing>
 </p:sldLayout>
 </file>
 
@@ -5617,13 +5013,6 @@
     <p:sldLayoutId id="2147483689" r:id="rId4"/>
     <p:sldLayoutId id="2147483703" r:id="rId5"/>
   </p:sldLayoutIdLst>
-  <p:timing>
-    <p:tnLst>
-      <p:par>
-        <p:cTn id="1" dur="indefinite" restart="never" nodeType="tmRoot"/>
-      </p:par>
-    </p:tnLst>
-  </p:timing>
   <p:hf hdr="0" ftr="0" dt="0"/>
   <p:txStyles>
     <p:titleStyle>
@@ -6142,10 +5531,9 @@
           <a:lstStyle/>
           <a:p>
             <a:r>
-              <a:rPr lang="en-US" dirty="0" smtClean="0"/>
+              <a:rPr lang="en-US" dirty="0"/>
               <a:t>ASP.NET Caching Data</a:t>
             </a:r>
-            <a:endParaRPr lang="en-US" dirty="0"/>
           </a:p>
         </p:txBody>
       </p:sp>
@@ -6878,16 +6266,15 @@
           </a:lstStyle>
           <a:p>
             <a:r>
-              <a:rPr lang="en-US" dirty="0" smtClean="0">
+              <a:rPr lang="en-US" dirty="0">
                 <a:hlinkClick r:id="rId8"/>
               </a:rPr>
               <a:t>http://academy.telerik.com</a:t>
             </a:r>
             <a:r>
-              <a:rPr lang="en-US" dirty="0" smtClean="0"/>
+              <a:rPr lang="en-US" dirty="0"/>
               <a:t> </a:t>
             </a:r>
-            <a:endParaRPr lang="en-US" dirty="0"/>
           </a:p>
         </p:txBody>
       </p:sp>
@@ -7152,10 +6539,9 @@
           </a:lstStyle>
           <a:p>
             <a:r>
-              <a:rPr lang="en-US" dirty="0" smtClean="0"/>
+              <a:rPr lang="en-US" dirty="0"/>
               <a:t>ASP.NET MVC</a:t>
             </a:r>
-            <a:endParaRPr lang="en-US" dirty="0"/>
           </a:p>
         </p:txBody>
       </p:sp>
@@ -7169,13 +6555,6 @@
   <p:clrMapOvr>
     <a:masterClrMapping/>
   </p:clrMapOvr>
-  <p:timing>
-    <p:tnLst>
-      <p:par>
-        <p:cTn id="1" dur="indefinite" restart="never" nodeType="tmRoot"/>
-      </p:par>
-    </p:tnLst>
-  </p:timing>
 </p:sld>
 </file>
 
@@ -7260,46 +6639,34 @@
           <a:p>
             <a:pPr lvl="1"/>
             <a:r>
-              <a:rPr lang="en-US" dirty="0" err="1" smtClean="0"/>
+              <a:rPr lang="en-US" dirty="0" err="1"/>
               <a:t>VaryByHeader</a:t>
             </a:r>
             <a:r>
-              <a:rPr lang="en-US" dirty="0" smtClean="0"/>
-              <a:t> – any </a:t>
-            </a:r>
-            <a:r>
-              <a:rPr lang="en-US" dirty="0"/>
-              <a:t>HTTP header</a:t>
+              <a:rPr lang="en-US" dirty="0"/>
+              <a:t> – any HTTP header</a:t>
             </a:r>
           </a:p>
           <a:p>
             <a:pPr lvl="1"/>
             <a:r>
-              <a:rPr lang="en-US" dirty="0" err="1" smtClean="0"/>
+              <a:rPr lang="en-US" dirty="0" err="1"/>
               <a:t>VaryByCustom</a:t>
             </a:r>
             <a:r>
-              <a:rPr lang="en-US" dirty="0" smtClean="0"/>
-              <a:t> – specify </a:t>
-            </a:r>
-            <a:r>
-              <a:rPr lang="en-US" dirty="0"/>
-              <a:t>'Browser' for unique cache entry for each browser type</a:t>
+              <a:rPr lang="en-US" dirty="0"/>
+              <a:t> – specify 'Browser' for unique cache entry for each browser type</a:t>
             </a:r>
           </a:p>
           <a:p>
             <a:pPr lvl="1"/>
             <a:r>
-              <a:rPr lang="en-US" dirty="0" err="1" smtClean="0"/>
+              <a:rPr lang="en-US" dirty="0" err="1"/>
               <a:t>VaryByCustom</a:t>
             </a:r>
             <a:r>
-              <a:rPr lang="en-US" dirty="0" smtClean="0"/>
-              <a:t> </a:t>
-            </a:r>
-            <a:r>
-              <a:rPr lang="en-US" dirty="0"/>
-              <a:t>with </a:t>
+              <a:rPr lang="en-US" dirty="0"/>
+              <a:t> with </a:t>
             </a:r>
             <a:r>
               <a:rPr lang="en-US" dirty="0" err="1"/>
@@ -7321,12 +6688,8 @@
           <a:p>
             <a:pPr lvl="2"/>
             <a:r>
-              <a:rPr lang="en-US" dirty="0" smtClean="0"/>
-              <a:t>Return </a:t>
-            </a:r>
-            <a:r>
-              <a:rPr lang="en-US" dirty="0"/>
-              <a:t>your own string indicating whether it's a separate cache entry or not</a:t>
+              <a:rPr lang="en-US" dirty="0"/>
+              <a:t>Return your own string indicating whether it's a separate cache entry or not</a:t>
             </a:r>
           </a:p>
         </p:txBody>
@@ -7411,14 +6774,13 @@
           <a:lstStyle/>
           <a:p>
             <a:r>
-              <a:rPr lang="en-US" dirty="0" err="1" smtClean="0"/>
+              <a:rPr lang="en-US" dirty="0" err="1"/>
               <a:t>OutputCache</a:t>
             </a:r>
             <a:r>
-              <a:rPr lang="en-US" dirty="0" smtClean="0"/>
+              <a:rPr lang="en-US" dirty="0"/>
               <a:t> Demo</a:t>
             </a:r>
-            <a:endParaRPr lang="en-US" dirty="0"/>
           </a:p>
         </p:txBody>
       </p:sp>
@@ -7513,10 +6875,9 @@
           <a:lstStyle/>
           <a:p>
             <a:r>
-              <a:rPr lang="en-US" dirty="0" smtClean="0"/>
+              <a:rPr lang="en-US" dirty="0"/>
               <a:t>Cache Profiles</a:t>
             </a:r>
-            <a:endParaRPr lang="en-US" dirty="0"/>
           </a:p>
         </p:txBody>
       </p:sp>
@@ -7549,7 +6910,7 @@
               </a:spcAft>
             </a:pPr>
             <a:r>
-              <a:rPr lang="en-US" dirty="0" smtClean="0"/>
+              <a:rPr lang="en-US" dirty="0"/>
               <a:t>Cache profiles</a:t>
             </a:r>
           </a:p>
@@ -7563,15 +6924,15 @@
               </a:spcAft>
             </a:pPr>
             <a:r>
-              <a:rPr lang="en-US" dirty="0" smtClean="0"/>
+              <a:rPr lang="en-US" dirty="0"/>
               <a:t>Stored in </a:t>
             </a:r>
             <a:r>
-              <a:rPr lang="en-US" dirty="0" err="1" smtClean="0"/>
+              <a:rPr lang="en-US" dirty="0" err="1"/>
               <a:t>web.config</a:t>
             </a:r>
             <a:r>
-              <a:rPr lang="en-US" dirty="0" smtClean="0"/>
+              <a:rPr lang="en-US" dirty="0"/>
               <a:t> file</a:t>
             </a:r>
           </a:p>
@@ -7586,13 +6947,8 @@
             </a:pPr>
             <a:r>
               <a:rPr lang="en-US" dirty="0"/>
-              <a:t>N</a:t>
-            </a:r>
-            <a:r>
-              <a:rPr lang="en-US" dirty="0" smtClean="0"/>
-              <a:t>o need to recompile</a:t>
-            </a:r>
-            <a:endParaRPr lang="en-US" dirty="0"/>
+              <a:t>No need to recompile</a:t>
+            </a:r>
           </a:p>
         </p:txBody>
       </p:sp>
@@ -7946,12 +7302,8 @@
           </a:p>
           <a:p>
             <a:r>
-              <a:rPr lang="en-US" dirty="0" smtClean="0"/>
-              <a:t>        </a:t>
-            </a:r>
-            <a:r>
-              <a:rPr lang="en-US" dirty="0"/>
-              <a:t>&lt;add name="</a:t>
+              <a:rPr lang="en-US" dirty="0"/>
+              <a:t>        &lt;add name="</a:t>
             </a:r>
             <a:r>
               <a:rPr lang="en-US" dirty="0" err="1"/>
@@ -7959,24 +7311,16 @@
             </a:r>
             <a:r>
               <a:rPr lang="en-US" dirty="0"/>
-              <a:t>" duration="</a:t>
-            </a:r>
-            <a:r>
-              <a:rPr lang="en-US" dirty="0" smtClean="0"/>
-              <a:t>10"</a:t>
-            </a:r>
-          </a:p>
-          <a:p>
-            <a:r>
-              <a:rPr lang="en-US" dirty="0"/>
-              <a:t> </a:t>
-            </a:r>
-            <a:r>
-              <a:rPr lang="en-US" dirty="0" smtClean="0"/>
-              <a:t>            </a:t>
-            </a:r>
-            <a:r>
-              <a:rPr lang="en-US" dirty="0" err="1" smtClean="0"/>
+              <a:t>" duration="10"</a:t>
+            </a:r>
+          </a:p>
+          <a:p>
+            <a:r>
+              <a:rPr lang="en-US" dirty="0"/>
+              <a:t>             </a:t>
+            </a:r>
+            <a:r>
+              <a:rPr lang="en-US" dirty="0" err="1"/>
               <a:t>varyByParam</a:t>
             </a:r>
             <a:r>
@@ -7987,15 +7331,7 @@
           <a:p>
             <a:r>
               <a:rPr lang="en-US" dirty="0"/>
-              <a:t>      </a:t>
-            </a:r>
-            <a:r>
-              <a:rPr lang="en-US" dirty="0" smtClean="0"/>
-              <a:t>  </a:t>
-            </a:r>
-            <a:r>
-              <a:rPr lang="en-US" dirty="0"/>
-              <a:t>&lt;add name="</a:t>
+              <a:t>        &lt;add name="</a:t>
             </a:r>
             <a:r>
               <a:rPr lang="en-US" dirty="0" err="1"/>
@@ -8003,38 +7339,26 @@
             </a:r>
             <a:r>
               <a:rPr lang="en-US" dirty="0"/>
-              <a:t>" duration="</a:t>
-            </a:r>
-            <a:r>
-              <a:rPr lang="en-US" dirty="0" smtClean="0"/>
-              <a:t>3600"</a:t>
-            </a:r>
-          </a:p>
-          <a:p>
-            <a:r>
-              <a:rPr lang="en-US" dirty="0"/>
-              <a:t> </a:t>
-            </a:r>
-            <a:r>
-              <a:rPr lang="en-US" dirty="0" smtClean="0"/>
-              <a:t>            </a:t>
-            </a:r>
-            <a:r>
-              <a:rPr lang="en-US" dirty="0" err="1" smtClean="0"/>
+              <a:t>" duration="3600"</a:t>
+            </a:r>
+          </a:p>
+          <a:p>
+            <a:r>
+              <a:rPr lang="en-US" dirty="0"/>
+              <a:t>             </a:t>
+            </a:r>
+            <a:r>
+              <a:rPr lang="en-US" dirty="0" err="1"/>
               <a:t>varyByParam</a:t>
             </a:r>
             <a:r>
               <a:rPr lang="en-US" dirty="0"/>
-              <a:t>="none" location="Server" /&gt;</a:t>
-            </a:r>
-            <a:r>
-              <a:rPr lang="en-US" dirty="0" smtClean="0"/>
-              <a:t>   </a:t>
-            </a:r>
-          </a:p>
-          <a:p>
-            <a:r>
-              <a:rPr lang="en-US" dirty="0" smtClean="0"/>
+              <a:t>="none" location="Server" /&gt;   </a:t>
+            </a:r>
+          </a:p>
+          <a:p>
+            <a:r>
+              <a:rPr lang="en-US" dirty="0"/>
               <a:t>      &lt;/</a:t>
             </a:r>
             <a:r>
@@ -8049,15 +7373,7 @@
           <a:p>
             <a:r>
               <a:rPr lang="en-US" dirty="0"/>
-              <a:t>      </a:t>
-            </a:r>
-            <a:r>
-              <a:rPr lang="en-US" dirty="0" smtClean="0"/>
-              <a:t>&lt;!-- </a:t>
-            </a:r>
-            <a:r>
-              <a:rPr lang="en-US" dirty="0"/>
-              <a:t>... --&gt;</a:t>
+              <a:t>      &lt;!-- ... --&gt;</a:t>
             </a:r>
           </a:p>
           <a:p>
@@ -8148,13 +7464,8 @@
           <a:p>
             <a:r>
               <a:rPr lang="en-US" dirty="0"/>
-              <a:t>Cache </a:t>
-            </a:r>
-            <a:r>
-              <a:rPr lang="en-US" dirty="0" smtClean="0"/>
-              <a:t>Profiles Demo</a:t>
-            </a:r>
-            <a:endParaRPr lang="en-US" dirty="0"/>
+              <a:t>Cache Profiles Demo</a:t>
+            </a:r>
           </a:p>
         </p:txBody>
       </p:sp>
@@ -8240,10 +7551,9 @@
           <a:lstStyle/>
           <a:p>
             <a:r>
-              <a:rPr lang="en-US" dirty="0" smtClean="0"/>
-              <a:t>Post-Cache Substitution</a:t>
-            </a:r>
-            <a:endParaRPr lang="en-US" dirty="0"/>
+              <a:rPr lang="en-US" dirty="0"/>
+              <a:t>Page Fragment Caching</a:t>
+            </a:r>
           </a:p>
         </p:txBody>
       </p:sp>
@@ -8257,238 +7567,42 @@
             <p:ph idx="1"/>
           </p:nvPr>
         </p:nvSpPr>
-        <p:spPr>
-          <a:xfrm>
-            <a:off x="228600" y="838200"/>
-            <a:ext cx="8686800" cy="5791200"/>
-          </a:xfrm>
-        </p:spPr>
+        <p:spPr/>
         <p:txBody>
           <a:bodyPr/>
           <a:lstStyle/>
           <a:p>
-            <a:pPr>
-              <a:lnSpc>
-                <a:spcPct val="100000"/>
-              </a:lnSpc>
-              <a:spcBef>
-                <a:spcPts val="300"/>
-              </a:spcBef>
-              <a:spcAft>
-                <a:spcPts val="300"/>
-              </a:spcAft>
+            <a:r>
+              <a:rPr lang="en-US" dirty="0"/>
+              <a:t>For portions of a page to remain static</a:t>
+            </a:r>
+          </a:p>
+          <a:p>
+            <a:pPr lvl="1"/>
+            <a:r>
+              <a:rPr lang="en-US" dirty="0"/>
+              <a:t>Menus, navigation bars, footers, headers, etc.</a:t>
+            </a:r>
+          </a:p>
+          <a:p>
+            <a:pPr lvl="1"/>
+            <a:r>
+              <a:rPr lang="en-US" dirty="0"/>
+              <a:t>Cache only some part of the page</a:t>
+            </a:r>
+          </a:p>
+          <a:p>
+            <a:pPr marL="0" indent="0">
+              <a:buNone/>
             </a:pPr>
-            <a:r>
-              <a:rPr lang="en-US" dirty="0"/>
-              <a:t>Output cache an entire page </a:t>
-            </a:r>
-            <a:r>
-              <a:rPr lang="en-US" dirty="0" smtClean="0"/>
-              <a:t>except some part</a:t>
-            </a:r>
-            <a:endParaRPr lang="en-US" dirty="0"/>
-          </a:p>
-          <a:p>
-            <a:pPr lvl="1">
-              <a:lnSpc>
-                <a:spcPct val="100000"/>
-              </a:lnSpc>
-              <a:spcBef>
-                <a:spcPts val="300"/>
-              </a:spcBef>
-              <a:spcAft>
-                <a:spcPts val="300"/>
-              </a:spcAft>
-            </a:pPr>
-            <a:r>
-              <a:rPr lang="en-US" dirty="0" smtClean="0"/>
-              <a:t>This "some part" must </a:t>
-            </a:r>
-            <a:r>
-              <a:rPr lang="en-US" dirty="0"/>
-              <a:t>consist of a simple string</a:t>
-            </a:r>
-          </a:p>
-          <a:p>
-            <a:pPr lvl="2">
-              <a:lnSpc>
-                <a:spcPct val="100000"/>
-              </a:lnSpc>
-              <a:spcBef>
-                <a:spcPts val="300"/>
-              </a:spcBef>
-              <a:spcAft>
-                <a:spcPts val="300"/>
-              </a:spcAft>
-            </a:pPr>
-            <a:r>
-              <a:rPr lang="en-US" dirty="0" smtClean="0"/>
-              <a:t>Use </a:t>
-            </a:r>
-            <a:r>
-              <a:rPr lang="en-US" dirty="0" err="1"/>
-              <a:t>Response.WriteSubstitution</a:t>
-            </a:r>
-            <a:r>
-              <a:rPr lang="en-US" dirty="0"/>
-              <a:t> with callback</a:t>
-            </a:r>
-          </a:p>
-          <a:p>
-            <a:pPr lvl="2">
-              <a:lnSpc>
-                <a:spcPct val="100000"/>
-              </a:lnSpc>
-              <a:spcBef>
-                <a:spcPts val="300"/>
-              </a:spcBef>
-              <a:spcAft>
-                <a:spcPts val="300"/>
-              </a:spcAft>
-            </a:pPr>
-            <a:r>
-              <a:rPr lang="en-US" dirty="0" smtClean="0"/>
-              <a:t>Or </a:t>
-            </a:r>
-            <a:r>
-              <a:rPr lang="en-US" dirty="0"/>
-              <a:t>use </a:t>
-            </a:r>
-            <a:r>
-              <a:rPr lang="en-US" dirty="0" smtClean="0"/>
-              <a:t>&lt;</a:t>
-            </a:r>
-            <a:r>
-              <a:rPr lang="en-US" dirty="0" err="1" smtClean="0"/>
-              <a:t>asp:Substitution</a:t>
-            </a:r>
-            <a:r>
-              <a:rPr lang="en-US" dirty="0" smtClean="0"/>
-              <a:t> /&gt; </a:t>
-            </a:r>
-            <a:r>
-              <a:rPr lang="en-US" dirty="0"/>
-              <a:t>control with associated callback </a:t>
-            </a:r>
-            <a:r>
-              <a:rPr lang="en-US" dirty="0" smtClean="0"/>
-              <a:t>method</a:t>
-            </a:r>
-          </a:p>
-          <a:p>
-            <a:pPr lvl="2">
-              <a:lnSpc>
-                <a:spcPct val="100000"/>
-              </a:lnSpc>
-              <a:spcBef>
-                <a:spcPts val="300"/>
-              </a:spcBef>
-              <a:spcAft>
-                <a:spcPts val="300"/>
-              </a:spcAft>
-            </a:pPr>
-            <a:endParaRPr lang="en-US" dirty="0"/>
-          </a:p>
-          <a:p>
-            <a:pPr lvl="2">
-              <a:lnSpc>
-                <a:spcPct val="100000"/>
-              </a:lnSpc>
-              <a:spcBef>
-                <a:spcPts val="300"/>
-              </a:spcBef>
-              <a:spcAft>
-                <a:spcPts val="300"/>
-              </a:spcAft>
-            </a:pPr>
-            <a:endParaRPr lang="en-US" dirty="0" smtClean="0"/>
-          </a:p>
-          <a:p>
-            <a:pPr lvl="2">
-              <a:lnSpc>
-                <a:spcPct val="100000"/>
-              </a:lnSpc>
-              <a:spcBef>
-                <a:spcPts val="300"/>
-              </a:spcBef>
-              <a:spcAft>
-                <a:spcPts val="300"/>
-              </a:spcAft>
-            </a:pPr>
-            <a:endParaRPr lang="en-US" dirty="0"/>
-          </a:p>
-          <a:p>
-            <a:pPr lvl="2">
-              <a:lnSpc>
-                <a:spcPct val="100000"/>
-              </a:lnSpc>
-              <a:spcBef>
-                <a:spcPts val="300"/>
-              </a:spcBef>
-              <a:spcAft>
-                <a:spcPts val="300"/>
-              </a:spcAft>
-            </a:pPr>
-            <a:endParaRPr lang="en-US" dirty="0" smtClean="0"/>
-          </a:p>
-          <a:p>
-            <a:pPr lvl="2">
-              <a:lnSpc>
-                <a:spcPct val="100000"/>
-              </a:lnSpc>
-              <a:spcBef>
-                <a:spcPts val="300"/>
-              </a:spcBef>
-              <a:spcAft>
-                <a:spcPts val="300"/>
-              </a:spcAft>
-            </a:pPr>
-            <a:endParaRPr lang="en-US" dirty="0"/>
-          </a:p>
-          <a:p>
-            <a:pPr>
-              <a:lnSpc>
-                <a:spcPct val="100000"/>
-              </a:lnSpc>
-              <a:spcBef>
-                <a:spcPts val="300"/>
-              </a:spcBef>
-              <a:spcAft>
-                <a:spcPts val="300"/>
-              </a:spcAft>
-            </a:pPr>
-            <a:r>
-              <a:rPr lang="en-US" dirty="0" smtClean="0"/>
-              <a:t>Not supported in ASP.NET MVC</a:t>
-            </a:r>
+            <a:endParaRPr lang="en-US" b="0" dirty="0"/>
+          </a:p>
+          <a:p>
+            <a:pPr lvl="1"/>
             <a:endParaRPr lang="en-US" dirty="0"/>
           </a:p>
         </p:txBody>
       </p:sp>
-      <p:pic>
-        <p:nvPicPr>
-          <p:cNvPr id="6" name="Picture 5"/>
-          <p:cNvPicPr>
-            <a:picLocks noChangeAspect="1"/>
-          </p:cNvPicPr>
-          <p:nvPr/>
-        </p:nvPicPr>
-        <p:blipFill>
-          <a:blip r:embed="rId3"/>
-          <a:stretch>
-            <a:fillRect/>
-          </a:stretch>
-        </p:blipFill>
-        <p:spPr>
-          <a:xfrm>
-            <a:off x="990600" y="3401347"/>
-            <a:ext cx="7242572" cy="2466053"/>
-          </a:xfrm>
-          <a:prstGeom prst="rect">
-            <a:avLst/>
-          </a:prstGeom>
-        </p:spPr>
-      </p:pic>
       <p:sp>
         <p:nvSpPr>
           <p:cNvPr id="2" name="Slide Number Placeholder 1"/>
@@ -8521,7 +7635,7 @@
     </p:spTree>
     <p:extLst>
       <p:ext uri="{BB962C8B-B14F-4D97-AF65-F5344CB8AC3E}">
-        <p14:creationId xmlns:p14="http://schemas.microsoft.com/office/powerpoint/2010/main" val="2077270708"/>
+        <p14:creationId xmlns:p14="http://schemas.microsoft.com/office/powerpoint/2010/main" val="4029341006"/>
       </p:ext>
     </p:extLst>
   </p:cSld>
@@ -8532,746 +7646,6 @@
 </file>
 
 <file path=ppt/slides/slide15.xml><?xml version="1.0" encoding="utf-8"?>
-<p:sld xmlns:a="http://schemas.openxmlformats.org/drawingml/2006/main" xmlns:r="http://schemas.openxmlformats.org/officeDocument/2006/relationships" xmlns:p="http://schemas.openxmlformats.org/presentationml/2006/main">
-  <p:cSld>
-    <p:spTree>
-      <p:nvGrpSpPr>
-        <p:cNvPr id="1" name=""/>
-        <p:cNvGrpSpPr/>
-        <p:nvPr/>
-      </p:nvGrpSpPr>
-      <p:grpSpPr>
-        <a:xfrm>
-          <a:off x="0" y="0"/>
-          <a:ext cx="0" cy="0"/>
-          <a:chOff x="0" y="0"/>
-          <a:chExt cx="0" cy="0"/>
-        </a:xfrm>
-      </p:grpSpPr>
-      <p:sp>
-        <p:nvSpPr>
-          <p:cNvPr id="2" name="Title 1"/>
-          <p:cNvSpPr>
-            <a:spLocks noGrp="1"/>
-          </p:cNvSpPr>
-          <p:nvPr>
-            <p:ph type="title"/>
-          </p:nvPr>
-        </p:nvSpPr>
-        <p:spPr>
-          <a:xfrm>
-            <a:off x="1828800" y="0"/>
-            <a:ext cx="7086600" cy="838200"/>
-          </a:xfrm>
-        </p:spPr>
-        <p:txBody>
-          <a:bodyPr/>
-          <a:lstStyle/>
-          <a:p>
-            <a:r>
-              <a:rPr lang="en-US" dirty="0"/>
-              <a:t>Post-Cache </a:t>
-            </a:r>
-            <a:r>
-              <a:rPr lang="en-US" dirty="0" smtClean="0"/>
-              <a:t>Substitution (2)</a:t>
-            </a:r>
-            <a:endParaRPr lang="en-US" dirty="0"/>
-          </a:p>
-        </p:txBody>
-      </p:sp>
-      <p:sp>
-        <p:nvSpPr>
-          <p:cNvPr id="3" name="Content Placeholder 2"/>
-          <p:cNvSpPr>
-            <a:spLocks noGrp="1"/>
-          </p:cNvSpPr>
-          <p:nvPr>
-            <p:ph idx="1"/>
-          </p:nvPr>
-        </p:nvSpPr>
-        <p:spPr>
-          <a:xfrm>
-            <a:off x="228600" y="609600"/>
-            <a:ext cx="8763000" cy="5791200"/>
-          </a:xfrm>
-        </p:spPr>
-        <p:txBody>
-          <a:bodyPr/>
-          <a:lstStyle/>
-          <a:p>
-            <a:pPr>
-              <a:spcBef>
-                <a:spcPts val="300"/>
-              </a:spcBef>
-              <a:spcAft>
-                <a:spcPts val="300"/>
-              </a:spcAft>
-            </a:pPr>
-            <a:r>
-              <a:rPr lang="en-US" dirty="0"/>
-              <a:t>Can elect to output cache an entire page </a:t>
-            </a:r>
-            <a:r>
-              <a:rPr lang="en-US" i="1" dirty="0" smtClean="0"/>
-              <a:t>except </a:t>
-            </a:r>
-            <a:r>
-              <a:rPr lang="en-US" dirty="0" smtClean="0"/>
-              <a:t>for </a:t>
-            </a:r>
-            <a:r>
-              <a:rPr lang="en-US" dirty="0"/>
-              <a:t>specifically generated dynamic </a:t>
-            </a:r>
-            <a:r>
-              <a:rPr lang="en-US" dirty="0" smtClean="0"/>
-              <a:t>elements</a:t>
-            </a:r>
-            <a:endParaRPr lang="en-US" b="0" dirty="0"/>
-          </a:p>
-        </p:txBody>
-      </p:sp>
-      <p:sp>
-        <p:nvSpPr>
-          <p:cNvPr id="4" name="Slide Number Placeholder 3"/>
-          <p:cNvSpPr>
-            <a:spLocks noGrp="1"/>
-          </p:cNvSpPr>
-          <p:nvPr>
-            <p:ph type="sldNum" sz="quarter" idx="10"/>
-          </p:nvPr>
-        </p:nvSpPr>
-        <p:spPr/>
-        <p:txBody>
-          <a:bodyPr/>
-          <a:lstStyle/>
-          <a:p>
-            <a:pPr>
-              <a:defRPr/>
-            </a:pPr>
-            <a:fld id="{58452FF4-89E3-4D1B-9927-2DBDC00E58D7}" type="slidenum">
-              <a:rPr lang="en-US" smtClean="0"/>
-              <a:pPr>
-                <a:defRPr/>
-              </a:pPr>
-              <a:t>15</a:t>
-            </a:fld>
-            <a:endParaRPr lang="en-US" dirty="0"/>
-          </a:p>
-        </p:txBody>
-      </p:sp>
-      <p:sp>
-        <p:nvSpPr>
-          <p:cNvPr id="7" name="Text Placeholder 6"/>
-          <p:cNvSpPr txBox="1">
-            <a:spLocks/>
-          </p:cNvSpPr>
-          <p:nvPr/>
-        </p:nvSpPr>
-        <p:spPr>
-          <a:xfrm>
-            <a:off x="323850" y="1768019"/>
-            <a:ext cx="8572500" cy="4708981"/>
-          </a:xfrm>
-          <a:prstGeom prst="rect">
-            <a:avLst/>
-          </a:prstGeom>
-          <a:solidFill>
-            <a:schemeClr val="accent5">
-              <a:lumMod val="40000"/>
-              <a:lumOff val="60000"/>
-              <a:alpha val="15000"/>
-            </a:schemeClr>
-          </a:solidFill>
-          <a:ln w="12700">
-            <a:solidFill>
-              <a:schemeClr val="accent5">
-                <a:lumMod val="60000"/>
-                <a:lumOff val="40000"/>
-              </a:schemeClr>
-            </a:solidFill>
-          </a:ln>
-        </p:spPr>
-        <p:txBody>
-          <a:bodyPr wrap="square">
-            <a:spAutoFit/>
-          </a:bodyPr>
-          <a:lstStyle>
-            <a:lvl1pPr marL="0" indent="0" algn="l" rtl="0" eaLnBrk="0" fontAlgn="base" hangingPunct="0">
-              <a:spcBef>
-                <a:spcPts val="0"/>
-              </a:spcBef>
-              <a:spcAft>
-                <a:spcPct val="0"/>
-              </a:spcAft>
-              <a:buClr>
-                <a:schemeClr val="accent5">
-                  <a:lumMod val="40000"/>
-                  <a:lumOff val="60000"/>
-                </a:schemeClr>
-              </a:buClr>
-              <a:buSzPct val="70000"/>
-              <a:buFont typeface="Wingdings 2" pitchFamily="18" charset="2"/>
-              <a:buNone/>
-              <a:defRPr lang="en-US" sz="2000" b="1" kern="1200" smtClean="0">
-                <a:solidFill>
-                  <a:srgbClr val="8CF4F2"/>
-                </a:solidFill>
-                <a:effectLst>
-                  <a:outerShdw blurRad="38100" dist="38100" dir="2700000" algn="tl">
-                    <a:srgbClr val="000000">
-                      <a:alpha val="43137"/>
-                    </a:srgbClr>
-                  </a:outerShdw>
-                </a:effectLst>
-                <a:latin typeface="Consolas" pitchFamily="49" charset="0"/>
-                <a:ea typeface="+mn-ea"/>
-                <a:cs typeface="Consolas" pitchFamily="49" charset="0"/>
-              </a:defRPr>
-            </a:lvl1pPr>
-            <a:lvl2pPr marL="630238" indent="-273050" algn="l" rtl="0" eaLnBrk="0" fontAlgn="base" hangingPunct="0">
-              <a:spcBef>
-                <a:spcPct val="20000"/>
-              </a:spcBef>
-              <a:spcAft>
-                <a:spcPct val="0"/>
-              </a:spcAft>
-              <a:buClr>
-                <a:schemeClr val="accent2">
-                  <a:lumMod val="60000"/>
-                  <a:lumOff val="40000"/>
-                </a:schemeClr>
-              </a:buClr>
-              <a:buFont typeface="Wingdings 2" pitchFamily="18" charset="2"/>
-              <a:buChar char=""/>
-              <a:defRPr sz="3000" b="1" kern="1200">
-                <a:solidFill>
-                  <a:schemeClr val="tx1">
-                    <a:lumMod val="20000"/>
-                    <a:lumOff val="80000"/>
-                  </a:schemeClr>
-                </a:solidFill>
-                <a:effectLst>
-                  <a:outerShdw blurRad="38100" dist="38100" dir="2700000" algn="tl">
-                    <a:srgbClr val="000000">
-                      <a:alpha val="43137"/>
-                    </a:srgbClr>
-                  </a:outerShdw>
-                </a:effectLst>
-                <a:latin typeface="+mn-lt"/>
-                <a:ea typeface="+mn-ea"/>
-                <a:cs typeface="+mn-cs"/>
-              </a:defRPr>
-            </a:lvl2pPr>
-            <a:lvl3pPr marL="922338" indent="-273050" algn="l" rtl="0" eaLnBrk="0" fontAlgn="base" hangingPunct="0">
-              <a:spcBef>
-                <a:spcPct val="20000"/>
-              </a:spcBef>
-              <a:spcAft>
-                <a:spcPct val="0"/>
-              </a:spcAft>
-              <a:buClr>
-                <a:schemeClr val="tx1">
-                  <a:lumMod val="50000"/>
-                </a:schemeClr>
-              </a:buClr>
-              <a:buFont typeface="Wingdings 2" pitchFamily="18" charset="2"/>
-              <a:buChar char=""/>
-              <a:defRPr sz="2800" b="1" kern="1200">
-                <a:solidFill>
-                  <a:schemeClr val="tx1">
-                    <a:lumMod val="20000"/>
-                    <a:lumOff val="80000"/>
-                  </a:schemeClr>
-                </a:solidFill>
-                <a:effectLst>
-                  <a:outerShdw blurRad="38100" dist="38100" dir="2700000" algn="tl">
-                    <a:srgbClr val="000000">
-                      <a:alpha val="43137"/>
-                    </a:srgbClr>
-                  </a:outerShdw>
-                </a:effectLst>
-                <a:latin typeface="+mn-lt"/>
-                <a:ea typeface="+mn-ea"/>
-                <a:cs typeface="+mn-cs"/>
-              </a:defRPr>
-            </a:lvl3pPr>
-            <a:lvl4pPr marL="1187450" indent="-228600" algn="l" rtl="0" eaLnBrk="0" fontAlgn="base" hangingPunct="0">
-              <a:spcBef>
-                <a:spcPct val="20000"/>
-              </a:spcBef>
-              <a:spcAft>
-                <a:spcPct val="0"/>
-              </a:spcAft>
-              <a:buClr>
-                <a:srgbClr val="F8BD52"/>
-              </a:buClr>
-              <a:buFont typeface="Wingdings 2" pitchFamily="18" charset="2"/>
-              <a:buChar char=""/>
-              <a:defRPr sz="2600" b="1" kern="1200">
-                <a:solidFill>
-                  <a:schemeClr val="tx1">
-                    <a:lumMod val="20000"/>
-                    <a:lumOff val="80000"/>
-                  </a:schemeClr>
-                </a:solidFill>
-                <a:effectLst>
-                  <a:outerShdw blurRad="38100" dist="38100" dir="2700000" algn="tl">
-                    <a:srgbClr val="000000">
-                      <a:alpha val="43137"/>
-                    </a:srgbClr>
-                  </a:outerShdw>
-                </a:effectLst>
-                <a:latin typeface="+mn-lt"/>
-                <a:ea typeface="+mn-ea"/>
-                <a:cs typeface="+mn-cs"/>
-              </a:defRPr>
-            </a:lvl4pPr>
-            <a:lvl5pPr marL="1425575" indent="-228600" algn="l" rtl="0" eaLnBrk="0" fontAlgn="base" hangingPunct="0">
-              <a:spcBef>
-                <a:spcPct val="20000"/>
-              </a:spcBef>
-              <a:spcAft>
-                <a:spcPct val="0"/>
-              </a:spcAft>
-              <a:buClr>
-                <a:srgbClr val="46A6BD"/>
-              </a:buClr>
-              <a:buFont typeface="Wingdings 2" pitchFamily="18" charset="2"/>
-              <a:buChar char=""/>
-              <a:defRPr sz="2400" b="1" kern="1200">
-                <a:solidFill>
-                  <a:schemeClr val="tx1">
-                    <a:lumMod val="20000"/>
-                    <a:lumOff val="80000"/>
-                  </a:schemeClr>
-                </a:solidFill>
-                <a:effectLst>
-                  <a:outerShdw blurRad="38100" dist="38100" dir="2700000" algn="tl">
-                    <a:srgbClr val="000000">
-                      <a:alpha val="43137"/>
-                    </a:srgbClr>
-                  </a:outerShdw>
-                </a:effectLst>
-                <a:latin typeface="+mn-lt"/>
-                <a:ea typeface="+mn-ea"/>
-                <a:cs typeface="+mn-cs"/>
-              </a:defRPr>
-            </a:lvl5pPr>
-            <a:lvl6pPr marL="1673352" indent="-228600" algn="l" rtl="0" eaLnBrk="1" latinLnBrk="0" hangingPunct="1">
-              <a:spcBef>
-                <a:spcPct val="20000"/>
-              </a:spcBef>
-              <a:buClr>
-                <a:schemeClr val="accent6"/>
-              </a:buClr>
-              <a:buFont typeface="Wingdings 2"/>
-              <a:buChar char=""/>
-              <a:defRPr sz="1800" kern="1200">
-                <a:solidFill>
-                  <a:schemeClr val="tx1"/>
-                </a:solidFill>
-                <a:latin typeface="+mn-lt"/>
-                <a:ea typeface="+mn-ea"/>
-                <a:cs typeface="+mn-cs"/>
-              </a:defRPr>
-            </a:lvl6pPr>
-            <a:lvl7pPr marL="1911096" indent="-228600" algn="l" rtl="0" eaLnBrk="1" latinLnBrk="0" hangingPunct="1">
-              <a:spcBef>
-                <a:spcPct val="20000"/>
-              </a:spcBef>
-              <a:buClr>
-                <a:schemeClr val="tx2"/>
-              </a:buClr>
-              <a:buFont typeface="Wingdings 2"/>
-              <a:buChar char=""/>
-              <a:defRPr sz="1600" kern="1200">
-                <a:solidFill>
-                  <a:schemeClr val="tx1"/>
-                </a:solidFill>
-                <a:latin typeface="+mn-lt"/>
-                <a:ea typeface="+mn-ea"/>
-                <a:cs typeface="+mn-cs"/>
-              </a:defRPr>
-            </a:lvl7pPr>
-            <a:lvl8pPr marL="2121408" indent="-182880" algn="l" rtl="0" eaLnBrk="1" latinLnBrk="0" hangingPunct="1">
-              <a:spcBef>
-                <a:spcPct val="20000"/>
-              </a:spcBef>
-              <a:buClr>
-                <a:schemeClr val="tx2"/>
-              </a:buClr>
-              <a:buFont typeface="Wingdings 2"/>
-              <a:buChar char=""/>
-              <a:defRPr sz="1400" kern="1200">
-                <a:solidFill>
-                  <a:schemeClr val="tx1"/>
-                </a:solidFill>
-                <a:latin typeface="+mn-lt"/>
-                <a:ea typeface="+mn-ea"/>
-                <a:cs typeface="+mn-cs"/>
-              </a:defRPr>
-            </a:lvl8pPr>
-            <a:lvl9pPr marL="2322576" indent="-182880" algn="l" rtl="0" eaLnBrk="1" latinLnBrk="0" hangingPunct="1">
-              <a:spcBef>
-                <a:spcPct val="20000"/>
-              </a:spcBef>
-              <a:buClr>
-                <a:schemeClr val="tx2"/>
-              </a:buClr>
-              <a:buFont typeface="Wingdings 2"/>
-              <a:buChar char=""/>
-              <a:defRPr sz="1400" kern="1200">
-                <a:solidFill>
-                  <a:schemeClr val="tx1"/>
-                </a:solidFill>
-                <a:latin typeface="+mn-lt"/>
-                <a:ea typeface="+mn-ea"/>
-                <a:cs typeface="+mn-cs"/>
-              </a:defRPr>
-            </a:lvl9pPr>
-          </a:lstStyle>
-          <a:p>
-            <a:r>
-              <a:rPr lang="en-US" dirty="0"/>
-              <a:t>&lt;%@ Page Language="c#" Debug="true" %&gt;</a:t>
-            </a:r>
-          </a:p>
-          <a:p>
-            <a:r>
-              <a:rPr lang="en-US" dirty="0"/>
-              <a:t>&lt;%@ </a:t>
-            </a:r>
-            <a:r>
-              <a:rPr lang="en-US" dirty="0" err="1"/>
-              <a:t>OutputCache</a:t>
-            </a:r>
-            <a:r>
-              <a:rPr lang="en-US" dirty="0"/>
-              <a:t> Duration="60" </a:t>
-            </a:r>
-            <a:r>
-              <a:rPr lang="en-US" dirty="0" err="1"/>
-              <a:t>VaryByParam</a:t>
-            </a:r>
-            <a:r>
-              <a:rPr lang="en-US" dirty="0"/>
-              <a:t>="none" %&gt;</a:t>
-            </a:r>
-          </a:p>
-          <a:p>
-            <a:r>
-              <a:rPr lang="en-US" dirty="0"/>
-              <a:t>&lt;script </a:t>
-            </a:r>
-            <a:r>
-              <a:rPr lang="en-US" dirty="0" err="1"/>
-              <a:t>runat</a:t>
-            </a:r>
-            <a:r>
-              <a:rPr lang="en-US" dirty="0"/>
-              <a:t>="server"&gt;</a:t>
-            </a:r>
-          </a:p>
-          <a:p>
-            <a:r>
-              <a:rPr lang="en-US" dirty="0"/>
-              <a:t>   protected static string </a:t>
-            </a:r>
-            <a:r>
-              <a:rPr lang="en-US" dirty="0" err="1"/>
-              <a:t>GetCurrentTime</a:t>
-            </a:r>
-            <a:r>
-              <a:rPr lang="en-US" dirty="0"/>
-              <a:t>(</a:t>
-            </a:r>
-            <a:r>
-              <a:rPr lang="en-US" dirty="0" err="1"/>
-              <a:t>HttpContext</a:t>
-            </a:r>
-            <a:r>
-              <a:rPr lang="en-US" dirty="0"/>
-              <a:t> </a:t>
-            </a:r>
-            <a:r>
-              <a:rPr lang="en-US" dirty="0" err="1"/>
-              <a:t>ctx</a:t>
-            </a:r>
-            <a:r>
-              <a:rPr lang="en-US" dirty="0"/>
-              <a:t>) {</a:t>
-            </a:r>
-          </a:p>
-          <a:p>
-            <a:r>
-              <a:rPr lang="en-US" dirty="0"/>
-              <a:t>      return </a:t>
-            </a:r>
-            <a:r>
-              <a:rPr lang="en-US" dirty="0" err="1"/>
-              <a:t>DateTime.Now.ToString</a:t>
-            </a:r>
-            <a:r>
-              <a:rPr lang="en-US" dirty="0"/>
-              <a:t>();</a:t>
-            </a:r>
-          </a:p>
-          <a:p>
-            <a:r>
-              <a:rPr lang="en-US" dirty="0"/>
-              <a:t>   }</a:t>
-            </a:r>
-          </a:p>
-          <a:p>
-            <a:r>
-              <a:rPr lang="en-US" dirty="0"/>
-              <a:t>&lt;/script&gt;</a:t>
-            </a:r>
-          </a:p>
-          <a:p>
-            <a:r>
-              <a:rPr lang="en-US" dirty="0"/>
-              <a:t>&lt;html</a:t>
-            </a:r>
-            <a:r>
-              <a:rPr lang="en-US" dirty="0" smtClean="0"/>
-              <a:t>&gt;</a:t>
-            </a:r>
-          </a:p>
-          <a:p>
-            <a:r>
-              <a:rPr lang="en-US" dirty="0" smtClean="0"/>
-              <a:t>&lt;</a:t>
-            </a:r>
-            <a:r>
-              <a:rPr lang="en-US" dirty="0"/>
-              <a:t>body&gt;</a:t>
-            </a:r>
-          </a:p>
-          <a:p>
-            <a:r>
-              <a:rPr lang="en-US" dirty="0"/>
-              <a:t>   &lt;form </a:t>
-            </a:r>
-            <a:r>
-              <a:rPr lang="en-US" dirty="0" err="1"/>
-              <a:t>runat</a:t>
-            </a:r>
-            <a:r>
-              <a:rPr lang="en-US" dirty="0"/>
-              <a:t>='server'&gt;</a:t>
-            </a:r>
-          </a:p>
-          <a:p>
-            <a:r>
-              <a:rPr lang="en-US" dirty="0"/>
-              <a:t>      &lt;%= </a:t>
-            </a:r>
-            <a:r>
-              <a:rPr lang="en-US" dirty="0" err="1"/>
-              <a:t>DateTime.Now</a:t>
-            </a:r>
-            <a:r>
-              <a:rPr lang="en-US" dirty="0"/>
-              <a:t> %&gt;&lt;</a:t>
-            </a:r>
-            <a:r>
-              <a:rPr lang="en-US" dirty="0" err="1"/>
-              <a:t>br</a:t>
-            </a:r>
-            <a:r>
-              <a:rPr lang="en-US" dirty="0"/>
-              <a:t> /&gt;</a:t>
-            </a:r>
-          </a:p>
-          <a:p>
-            <a:r>
-              <a:rPr lang="en-US" dirty="0"/>
-              <a:t>      &lt;% </a:t>
-            </a:r>
-            <a:r>
-              <a:rPr lang="en-US" dirty="0" err="1"/>
-              <a:t>Response.WriteSubstitution</a:t>
-            </a:r>
-            <a:r>
-              <a:rPr lang="en-US" dirty="0"/>
-              <a:t>(</a:t>
-            </a:r>
-            <a:r>
-              <a:rPr lang="en-US" dirty="0" err="1"/>
-              <a:t>GetCurrentTime</a:t>
-            </a:r>
-            <a:r>
-              <a:rPr lang="en-US" dirty="0"/>
-              <a:t>); %&gt;</a:t>
-            </a:r>
-          </a:p>
-          <a:p>
-            <a:r>
-              <a:rPr lang="en-US" dirty="0"/>
-              <a:t>   &lt;/form&gt;</a:t>
-            </a:r>
-          </a:p>
-          <a:p>
-            <a:r>
-              <a:rPr lang="en-US" dirty="0"/>
-              <a:t>&lt;/body</a:t>
-            </a:r>
-            <a:r>
-              <a:rPr lang="en-US" dirty="0" smtClean="0"/>
-              <a:t>&gt;</a:t>
-            </a:r>
-          </a:p>
-          <a:p>
-            <a:r>
-              <a:rPr lang="en-US" dirty="0" smtClean="0"/>
-              <a:t>&lt;/</a:t>
-            </a:r>
-            <a:r>
-              <a:rPr lang="en-US" dirty="0"/>
-              <a:t>html&gt;</a:t>
-            </a:r>
-          </a:p>
-        </p:txBody>
-      </p:sp>
-    </p:spTree>
-    <p:extLst>
-      <p:ext uri="{BB962C8B-B14F-4D97-AF65-F5344CB8AC3E}">
-        <p14:creationId xmlns:p14="http://schemas.microsoft.com/office/powerpoint/2010/main" val="1994282756"/>
-      </p:ext>
-    </p:extLst>
-  </p:cSld>
-  <p:clrMapOvr>
-    <a:masterClrMapping/>
-  </p:clrMapOvr>
-</p:sld>
-</file>
-
-<file path=ppt/slides/slide16.xml><?xml version="1.0" encoding="utf-8"?>
-<p:sld xmlns:a="http://schemas.openxmlformats.org/drawingml/2006/main" xmlns:r="http://schemas.openxmlformats.org/officeDocument/2006/relationships" xmlns:p="http://schemas.openxmlformats.org/presentationml/2006/main">
-  <p:cSld>
-    <p:spTree>
-      <p:nvGrpSpPr>
-        <p:cNvPr id="1" name=""/>
-        <p:cNvGrpSpPr/>
-        <p:nvPr/>
-      </p:nvGrpSpPr>
-      <p:grpSpPr>
-        <a:xfrm>
-          <a:off x="0" y="0"/>
-          <a:ext cx="0" cy="0"/>
-          <a:chOff x="0" y="0"/>
-          <a:chExt cx="0" cy="0"/>
-        </a:xfrm>
-      </p:grpSpPr>
-      <p:sp>
-        <p:nvSpPr>
-          <p:cNvPr id="5" name="Title 4"/>
-          <p:cNvSpPr>
-            <a:spLocks noGrp="1"/>
-          </p:cNvSpPr>
-          <p:nvPr>
-            <p:ph type="ctrTitle"/>
-          </p:nvPr>
-        </p:nvSpPr>
-        <p:spPr>
-          <a:xfrm>
-            <a:off x="609600" y="4800600"/>
-            <a:ext cx="7924800" cy="1219200"/>
-          </a:xfrm>
-        </p:spPr>
-        <p:txBody>
-          <a:bodyPr/>
-          <a:lstStyle/>
-          <a:p>
-            <a:r>
-              <a:rPr lang="en-US" dirty="0" smtClean="0"/>
-              <a:t>Post-Cache Substitution Demo</a:t>
-            </a:r>
-            <a:endParaRPr lang="en-US" dirty="0"/>
-          </a:p>
-        </p:txBody>
-      </p:sp>
-      <p:pic>
-        <p:nvPicPr>
-          <p:cNvPr id="4" name="Picture 2" descr="http://www.ancienttouch.com/1034.jpg"/>
-          <p:cNvPicPr>
-            <a:picLocks noChangeAspect="1" noChangeArrowheads="1"/>
-          </p:cNvPicPr>
-          <p:nvPr/>
-        </p:nvPicPr>
-        <p:blipFill>
-          <a:blip r:embed="rId2">
-            <a:extLst>
-              <a:ext uri="{28A0092B-C50C-407E-A947-70E740481C1C}">
-                <a14:useLocalDpi xmlns:a14="http://schemas.microsoft.com/office/drawing/2010/main" val="0"/>
-              </a:ext>
-            </a:extLst>
-          </a:blip>
-          <a:srcRect/>
-          <a:stretch>
-            <a:fillRect/>
-          </a:stretch>
-        </p:blipFill>
-        <p:spPr bwMode="auto">
-          <a:xfrm>
-            <a:off x="2401509" y="838200"/>
-            <a:ext cx="4340981" cy="3598445"/>
-          </a:xfrm>
-          <a:prstGeom prst="ellipse">
-            <a:avLst/>
-          </a:prstGeom>
-          <a:ln w="63500" cap="rnd">
-            <a:solidFill>
-              <a:srgbClr val="333333"/>
-            </a:solidFill>
-          </a:ln>
-          <a:effectLst>
-            <a:outerShdw blurRad="381000" dist="292100" dir="5400000" sx="-80000" sy="-18000" rotWithShape="0">
-              <a:srgbClr val="000000">
-                <a:alpha val="22000"/>
-              </a:srgbClr>
-            </a:outerShdw>
-          </a:effectLst>
-          <a:scene3d>
-            <a:camera prst="orthographicFront"/>
-            <a:lightRig rig="contrasting" dir="t">
-              <a:rot lat="0" lon="0" rev="3000000"/>
-            </a:lightRig>
-          </a:scene3d>
-          <a:sp3d contourW="7620">
-            <a:bevelT w="95250" h="31750"/>
-            <a:contourClr>
-              <a:srgbClr val="333333"/>
-            </a:contourClr>
-          </a:sp3d>
-          <a:extLst>
-            <a:ext uri="{909E8E84-426E-40DD-AFC4-6F175D3DCCD1}">
-              <a14:hiddenFill xmlns:a14="http://schemas.microsoft.com/office/drawing/2010/main">
-                <a:solidFill>
-                  <a:srgbClr val="FFFFFF"/>
-                </a:solidFill>
-              </a14:hiddenFill>
-            </a:ext>
-          </a:extLst>
-        </p:spPr>
-      </p:pic>
-    </p:spTree>
-    <p:extLst>
-      <p:ext uri="{BB962C8B-B14F-4D97-AF65-F5344CB8AC3E}">
-        <p14:creationId xmlns:p14="http://schemas.microsoft.com/office/powerpoint/2010/main" val="452825474"/>
-      </p:ext>
-    </p:extLst>
-  </p:cSld>
-  <p:clrMapOvr>
-    <a:masterClrMapping/>
-  </p:clrMapOvr>
-</p:sld>
-</file>
-
-<file path=ppt/slides/slide17.xml><?xml version="1.0" encoding="utf-8"?>
 <p:sld xmlns:a="http://schemas.openxmlformats.org/drawingml/2006/main" xmlns:r="http://schemas.openxmlformats.org/officeDocument/2006/relationships" xmlns:p="http://schemas.openxmlformats.org/presentationml/2006/main">
   <p:cSld>
     <p:spTree>
@@ -9304,202 +7678,9 @@
           <a:lstStyle/>
           <a:p>
             <a:r>
-              <a:rPr lang="en-US" dirty="0" smtClean="0"/>
-              <a:t>Page Fragment Caching</a:t>
-            </a:r>
-            <a:endParaRPr lang="en-US" dirty="0"/>
-          </a:p>
-        </p:txBody>
-      </p:sp>
-      <p:sp>
-        <p:nvSpPr>
-          <p:cNvPr id="5" name="Content Placeholder 4"/>
-          <p:cNvSpPr>
-            <a:spLocks noGrp="1"/>
-          </p:cNvSpPr>
-          <p:nvPr>
-            <p:ph idx="1"/>
-          </p:nvPr>
-        </p:nvSpPr>
-        <p:spPr/>
-        <p:txBody>
-          <a:bodyPr/>
-          <a:lstStyle/>
-          <a:p>
-            <a:r>
-              <a:rPr lang="en-US" dirty="0" smtClean="0"/>
-              <a:t>For </a:t>
-            </a:r>
-            <a:r>
-              <a:rPr lang="en-US" dirty="0"/>
-              <a:t>portions of a page to remain static</a:t>
-            </a:r>
-          </a:p>
-          <a:p>
-            <a:pPr lvl="1"/>
-            <a:r>
-              <a:rPr lang="en-US" dirty="0" smtClean="0"/>
-              <a:t>Menus</a:t>
-            </a:r>
-            <a:r>
-              <a:rPr lang="en-US" dirty="0"/>
-              <a:t>, navigation bars, footers, headers, etc</a:t>
-            </a:r>
-            <a:r>
-              <a:rPr lang="en-US" dirty="0" smtClean="0"/>
-              <a:t>.</a:t>
-            </a:r>
-          </a:p>
-          <a:p>
-            <a:pPr lvl="1"/>
-            <a:r>
-              <a:rPr lang="en-US" dirty="0" smtClean="0"/>
-              <a:t>Cache only some part of the page</a:t>
-            </a:r>
-          </a:p>
-          <a:p>
-            <a:r>
-              <a:rPr lang="en-US" dirty="0" err="1" smtClean="0">
-                <a:solidFill>
-                  <a:schemeClr val="accent6">
-                    <a:lumMod val="20000"/>
-                    <a:lumOff val="80000"/>
-                  </a:schemeClr>
-                </a:solidFill>
-              </a:rPr>
-              <a:t>WebForms</a:t>
-            </a:r>
-            <a:r>
-              <a:rPr lang="en-US" dirty="0" smtClean="0"/>
-              <a:t>: To cache a page fragment, encapsulate in .</a:t>
-            </a:r>
-            <a:r>
-              <a:rPr lang="en-US" dirty="0" err="1" smtClean="0"/>
-              <a:t>ascx</a:t>
-            </a:r>
-            <a:r>
-              <a:rPr lang="en-US" dirty="0" smtClean="0"/>
-              <a:t> (user control) and mark with </a:t>
-            </a:r>
-            <a:r>
-              <a:rPr lang="en-US" dirty="0" err="1" smtClean="0"/>
-              <a:t>OutputCache</a:t>
-            </a:r>
-            <a:r>
-              <a:rPr lang="en-US" dirty="0" smtClean="0"/>
-              <a:t> directive</a:t>
-            </a:r>
-          </a:p>
-          <a:p>
-            <a:pPr lvl="1"/>
-            <a:r>
-              <a:rPr lang="en-US" dirty="0"/>
-              <a:t>Shared property indicates whether one instance is cached to share across pages</a:t>
-            </a:r>
-          </a:p>
-          <a:p>
-            <a:pPr lvl="1"/>
-            <a:r>
-              <a:rPr lang="en-US" dirty="0" err="1" smtClean="0"/>
-              <a:t>VaryByControl</a:t>
-            </a:r>
-            <a:r>
-              <a:rPr lang="en-US" dirty="0" smtClean="0"/>
-              <a:t> </a:t>
-            </a:r>
-            <a:r>
-              <a:rPr lang="en-US" dirty="0"/>
-              <a:t>indicates a control value influences unique cache entries</a:t>
-            </a:r>
-          </a:p>
-          <a:p>
-            <a:endParaRPr lang="en-US" b="0" dirty="0" smtClean="0"/>
-          </a:p>
-          <a:p>
-            <a:pPr lvl="1"/>
-            <a:endParaRPr lang="en-US" dirty="0"/>
-          </a:p>
-        </p:txBody>
-      </p:sp>
-      <p:sp>
-        <p:nvSpPr>
-          <p:cNvPr id="2" name="Slide Number Placeholder 1"/>
-          <p:cNvSpPr>
-            <a:spLocks noGrp="1"/>
-          </p:cNvSpPr>
-          <p:nvPr>
-            <p:ph type="sldNum" sz="quarter" idx="10"/>
-          </p:nvPr>
-        </p:nvSpPr>
-        <p:spPr/>
-        <p:txBody>
-          <a:bodyPr/>
-          <a:lstStyle/>
-          <a:p>
-            <a:pPr>
-              <a:defRPr/>
-            </a:pPr>
-            <a:fld id="{58452FF4-89E3-4D1B-9927-2DBDC00E58D7}" type="slidenum">
-              <a:rPr lang="en-US" smtClean="0"/>
-              <a:pPr>
-                <a:defRPr/>
-              </a:pPr>
-              <a:t>17</a:t>
-            </a:fld>
-            <a:endParaRPr lang="en-US" dirty="0"/>
-          </a:p>
-        </p:txBody>
-      </p:sp>
-    </p:spTree>
-    <p:extLst>
-      <p:ext uri="{BB962C8B-B14F-4D97-AF65-F5344CB8AC3E}">
-        <p14:creationId xmlns:p14="http://schemas.microsoft.com/office/powerpoint/2010/main" val="4029341006"/>
-      </p:ext>
-    </p:extLst>
-  </p:cSld>
-  <p:clrMapOvr>
-    <a:masterClrMapping/>
-  </p:clrMapOvr>
-</p:sld>
-</file>
-
-<file path=ppt/slides/slide18.xml><?xml version="1.0" encoding="utf-8"?>
-<p:sld xmlns:a="http://schemas.openxmlformats.org/drawingml/2006/main" xmlns:r="http://schemas.openxmlformats.org/officeDocument/2006/relationships" xmlns:p="http://schemas.openxmlformats.org/presentationml/2006/main">
-  <p:cSld>
-    <p:spTree>
-      <p:nvGrpSpPr>
-        <p:cNvPr id="1" name=""/>
-        <p:cNvGrpSpPr/>
-        <p:nvPr/>
-      </p:nvGrpSpPr>
-      <p:grpSpPr>
-        <a:xfrm>
-          <a:off x="0" y="0"/>
-          <a:ext cx="0" cy="0"/>
-          <a:chOff x="0" y="0"/>
-          <a:chExt cx="0" cy="0"/>
-        </a:xfrm>
-      </p:grpSpPr>
-      <p:sp>
-        <p:nvSpPr>
-          <p:cNvPr id="4" name="Title 3"/>
-          <p:cNvSpPr>
-            <a:spLocks noGrp="1"/>
-          </p:cNvSpPr>
-          <p:nvPr>
-            <p:ph type="title"/>
-          </p:nvPr>
-        </p:nvSpPr>
-        <p:spPr/>
-        <p:txBody>
-          <a:bodyPr/>
-          <a:lstStyle/>
-          <a:p>
-            <a:r>
-              <a:rPr lang="en-US" dirty="0" smtClean="0"/>
+              <a:rPr lang="en-US" dirty="0"/>
               <a:t>Page Fragment Caching MVC</a:t>
             </a:r>
-            <a:endParaRPr lang="en-US" dirty="0"/>
           </a:p>
         </p:txBody>
       </p:sp>
@@ -9524,7 +7705,18 @@
           <a:lstStyle/>
           <a:p>
             <a:r>
-              <a:rPr lang="en-US" dirty="0" smtClean="0">
+              <a:rPr lang="en-US" dirty="0"/>
+              <a:t>To cache a page fragment</a:t>
+            </a:r>
+          </a:p>
+          <a:p>
+            <a:pPr lvl="1"/>
+            <a:r>
+              <a:rPr lang="en-US" dirty="0"/>
+              <a:t>1. Encapsulate in child action with </a:t>
+            </a:r>
+            <a:r>
+              <a:rPr lang="en-US" dirty="0">
                 <a:solidFill>
                   <a:schemeClr val="accent6">
                     <a:lumMod val="20000"/>
@@ -9532,21 +7724,10 @@
                   </a:schemeClr>
                 </a:solidFill>
               </a:rPr>
-              <a:t>MVC</a:t>
-            </a:r>
-            <a:r>
-              <a:rPr lang="en-US" dirty="0" smtClean="0"/>
-              <a:t>: To cache a page fragment</a:t>
-            </a:r>
-          </a:p>
-          <a:p>
-            <a:pPr lvl="1"/>
-            <a:r>
-              <a:rPr lang="en-US" dirty="0" smtClean="0"/>
-              <a:t>1. Encapsulate in child action with </a:t>
-            </a:r>
-            <a:r>
-              <a:rPr lang="en-US" dirty="0">
+              <a:t>[</a:t>
+            </a:r>
+            <a:r>
+              <a:rPr lang="en-US" dirty="0" err="1">
                 <a:solidFill>
                   <a:schemeClr val="accent6">
                     <a:lumMod val="20000"/>
@@ -9554,10 +7735,10 @@
                   </a:schemeClr>
                 </a:solidFill>
               </a:rPr>
-              <a:t>[</a:t>
-            </a:r>
-            <a:r>
-              <a:rPr lang="en-US" dirty="0" err="1">
+              <a:t>OutputCache</a:t>
+            </a:r>
+            <a:r>
+              <a:rPr lang="en-US" dirty="0">
                 <a:solidFill>
                   <a:schemeClr val="accent6">
                     <a:lumMod val="20000"/>
@@ -9565,31 +7746,12 @@
                   </a:schemeClr>
                 </a:solidFill>
               </a:rPr>
-              <a:t>OutputCache</a:t>
-            </a:r>
-            <a:r>
-              <a:rPr lang="en-US" dirty="0" smtClean="0">
-                <a:solidFill>
-                  <a:schemeClr val="accent6">
-                    <a:lumMod val="20000"/>
-                    <a:lumOff val="80000"/>
-                  </a:schemeClr>
-                </a:solidFill>
-              </a:rPr>
               <a:t>] </a:t>
             </a:r>
             <a:r>
               <a:rPr lang="en-US" dirty="0"/>
               <a:t>and return partial view:</a:t>
             </a:r>
-          </a:p>
-          <a:p>
-            <a:pPr lvl="1">
-              <a:spcBef>
-                <a:spcPts val="1200"/>
-              </a:spcBef>
-            </a:pPr>
-            <a:endParaRPr lang="en-US" dirty="0" smtClean="0"/>
           </a:p>
           <a:p>
             <a:pPr lvl="1">
@@ -9605,15 +7767,23 @@
                 <a:spcPts val="1200"/>
               </a:spcBef>
             </a:pPr>
-            <a:endParaRPr lang="en-US" dirty="0" smtClean="0"/>
+            <a:endParaRPr lang="en-US" dirty="0"/>
+          </a:p>
+          <a:p>
+            <a:pPr lvl="1">
+              <a:spcBef>
+                <a:spcPts val="1200"/>
+              </a:spcBef>
+            </a:pPr>
+            <a:endParaRPr lang="en-US" dirty="0"/>
           </a:p>
           <a:p>
             <a:pPr lvl="1"/>
             <a:r>
-              <a:rPr lang="en-US" dirty="0" smtClean="0"/>
+              <a:rPr lang="en-US" dirty="0"/>
               <a:t>2. Call the child action from the view</a:t>
             </a:r>
-            <a:endParaRPr lang="en-US" b="0" dirty="0" smtClean="0"/>
+            <a:endParaRPr lang="en-US" b="0" dirty="0"/>
           </a:p>
           <a:p>
             <a:pPr lvl="1"/>
@@ -9644,7 +7814,7 @@
               <a:pPr>
                 <a:defRPr/>
               </a:pPr>
-              <a:t>18</a:t>
+              <a:t>15</a:t>
             </a:fld>
             <a:endParaRPr lang="en-US" dirty="0"/>
           </a:p>
@@ -10315,7 +8485,7 @@
 </p:sld>
 </file>
 
-<file path=ppt/slides/slide19.xml><?xml version="1.0" encoding="utf-8"?>
+<file path=ppt/slides/slide16.xml><?xml version="1.0" encoding="utf-8"?>
 <p:sld xmlns:a="http://schemas.openxmlformats.org/drawingml/2006/main" xmlns:r="http://schemas.openxmlformats.org/officeDocument/2006/relationships" xmlns:p="http://schemas.openxmlformats.org/presentationml/2006/main">
   <p:cSld>
     <p:spTree>
@@ -10353,10 +8523,9 @@
           <a:lstStyle/>
           <a:p>
             <a:r>
-              <a:rPr lang="en-US" dirty="0" smtClean="0"/>
+              <a:rPr lang="en-US" dirty="0"/>
               <a:t>Page Fragment Caching Demo</a:t>
             </a:r>
-            <a:endParaRPr lang="en-US" dirty="0"/>
           </a:p>
         </p:txBody>
       </p:sp>
@@ -10437,269 +8606,7 @@
 </p:sld>
 </file>
 
-<file path=ppt/slides/slide2.xml><?xml version="1.0" encoding="utf-8"?>
-<p:sld xmlns:a="http://schemas.openxmlformats.org/drawingml/2006/main" xmlns:r="http://schemas.openxmlformats.org/officeDocument/2006/relationships" xmlns:p="http://schemas.openxmlformats.org/presentationml/2006/main">
-  <p:cSld>
-    <p:spTree>
-      <p:nvGrpSpPr>
-        <p:cNvPr id="1" name=""/>
-        <p:cNvGrpSpPr/>
-        <p:nvPr/>
-      </p:nvGrpSpPr>
-      <p:grpSpPr>
-        <a:xfrm>
-          <a:off x="0" y="0"/>
-          <a:ext cx="0" cy="0"/>
-          <a:chOff x="0" y="0"/>
-          <a:chExt cx="0" cy="0"/>
-        </a:xfrm>
-      </p:grpSpPr>
-      <p:sp>
-        <p:nvSpPr>
-          <p:cNvPr id="2" name="Title 1"/>
-          <p:cNvSpPr>
-            <a:spLocks noGrp="1"/>
-          </p:cNvSpPr>
-          <p:nvPr>
-            <p:ph type="title"/>
-          </p:nvPr>
-        </p:nvSpPr>
-        <p:spPr/>
-        <p:txBody>
-          <a:bodyPr/>
-          <a:lstStyle/>
-          <a:p>
-            <a:r>
-              <a:rPr lang="en-US" dirty="0" smtClean="0"/>
-              <a:t>Table of Contents</a:t>
-            </a:r>
-            <a:endParaRPr lang="en-US" dirty="0"/>
-          </a:p>
-        </p:txBody>
-      </p:sp>
-      <p:sp>
-        <p:nvSpPr>
-          <p:cNvPr id="3" name="Content Placeholder 2"/>
-          <p:cNvSpPr>
-            <a:spLocks noGrp="1"/>
-          </p:cNvSpPr>
-          <p:nvPr>
-            <p:ph idx="1"/>
-          </p:nvPr>
-        </p:nvSpPr>
-        <p:spPr>
-          <a:xfrm>
-            <a:off x="228600" y="838200"/>
-            <a:ext cx="8686800" cy="5791200"/>
-          </a:xfrm>
-        </p:spPr>
-        <p:txBody>
-          <a:bodyPr/>
-          <a:lstStyle/>
-          <a:p>
-            <a:r>
-              <a:rPr lang="en-US" dirty="0" smtClean="0"/>
-              <a:t>Why do we need caching?</a:t>
-            </a:r>
-          </a:p>
-          <a:p>
-            <a:r>
-              <a:rPr lang="en-US" dirty="0" smtClean="0"/>
-              <a:t>ASP.NET Output Caching</a:t>
-            </a:r>
-          </a:p>
-          <a:p>
-            <a:pPr lvl="1"/>
-            <a:r>
-              <a:rPr lang="en-US" dirty="0" err="1" smtClean="0"/>
-              <a:t>OutputCache</a:t>
-            </a:r>
-            <a:r>
-              <a:rPr lang="en-US" dirty="0" smtClean="0"/>
-              <a:t> page directive</a:t>
-            </a:r>
-          </a:p>
-          <a:p>
-            <a:pPr lvl="1"/>
-            <a:r>
-              <a:rPr lang="en-US" dirty="0" smtClean="0"/>
-              <a:t>Cache profiles</a:t>
-            </a:r>
-          </a:p>
-          <a:p>
-            <a:pPr lvl="1"/>
-            <a:r>
-              <a:rPr lang="en-US" dirty="0" smtClean="0"/>
-              <a:t>Post-cache substitution</a:t>
-            </a:r>
-          </a:p>
-          <a:p>
-            <a:pPr lvl="1"/>
-            <a:r>
-              <a:rPr lang="en-US" dirty="0" smtClean="0"/>
-              <a:t>Page fragment caching</a:t>
-            </a:r>
-          </a:p>
-          <a:p>
-            <a:r>
-              <a:rPr lang="en-US" dirty="0" smtClean="0"/>
-              <a:t>Data caching</a:t>
-            </a:r>
-          </a:p>
-          <a:p>
-            <a:pPr lvl="1"/>
-            <a:r>
-              <a:rPr lang="en-US" dirty="0" smtClean="0"/>
-              <a:t>Cache dependencies</a:t>
-            </a:r>
-          </a:p>
-        </p:txBody>
-      </p:sp>
-      <p:sp>
-        <p:nvSpPr>
-          <p:cNvPr id="4" name="Slide Number Placeholder 3"/>
-          <p:cNvSpPr>
-            <a:spLocks noGrp="1"/>
-          </p:cNvSpPr>
-          <p:nvPr>
-            <p:ph type="sldNum" sz="quarter" idx="10"/>
-          </p:nvPr>
-        </p:nvSpPr>
-        <p:spPr/>
-        <p:txBody>
-          <a:bodyPr/>
-          <a:lstStyle/>
-          <a:p>
-            <a:pPr>
-              <a:defRPr/>
-            </a:pPr>
-            <a:fld id="{58452FF4-89E3-4D1B-9927-2DBDC00E58D7}" type="slidenum">
-              <a:rPr lang="en-US" smtClean="0"/>
-              <a:pPr>
-                <a:defRPr/>
-              </a:pPr>
-              <a:t>2</a:t>
-            </a:fld>
-            <a:endParaRPr lang="en-US" dirty="0"/>
-          </a:p>
-        </p:txBody>
-      </p:sp>
-      <p:pic>
-        <p:nvPicPr>
-          <p:cNvPr id="6146" name="Picture 2" descr="C:\PROJECTS\QA-Academy\LOCAL_FILES\Oleg_IMAGES_Archive\FREQUENTLY USED\CONTENT Slide\library.png"/>
-          <p:cNvPicPr>
-            <a:picLocks noChangeAspect="1" noChangeArrowheads="1"/>
-          </p:cNvPicPr>
-          <p:nvPr/>
-        </p:nvPicPr>
-        <p:blipFill>
-          <a:blip r:embed="rId2">
-            <a:extLst>
-              <a:ext uri="{28A0092B-C50C-407E-A947-70E740481C1C}">
-                <a14:useLocalDpi xmlns:a14="http://schemas.microsoft.com/office/drawing/2010/main" val="0"/>
-              </a:ext>
-            </a:extLst>
-          </a:blip>
-          <a:srcRect/>
-          <a:stretch>
-            <a:fillRect/>
-          </a:stretch>
-        </p:blipFill>
-        <p:spPr bwMode="auto">
-          <a:xfrm>
-            <a:off x="6002016" y="3516574"/>
-            <a:ext cx="2458788" cy="2458788"/>
-          </a:xfrm>
-          <a:prstGeom prst="rect">
-            <a:avLst/>
-          </a:prstGeom>
-          <a:noFill/>
-          <a:extLst>
-            <a:ext uri="{909E8E84-426E-40DD-AFC4-6F175D3DCCD1}">
-              <a14:hiddenFill xmlns:a14="http://schemas.microsoft.com/office/drawing/2010/main">
-                <a:solidFill>
-                  <a:srgbClr val="FFFFFF"/>
-                </a:solidFill>
-              </a14:hiddenFill>
-            </a:ext>
-          </a:extLst>
-        </p:spPr>
-      </p:pic>
-      <p:pic>
-        <p:nvPicPr>
-          <p:cNvPr id="6" name="Picture 5" descr="C:\Users\nkostov\Desktop\Untitled.png"/>
-          <p:cNvPicPr>
-            <a:picLocks noChangeAspect="1" noChangeArrowheads="1"/>
-          </p:cNvPicPr>
-          <p:nvPr/>
-        </p:nvPicPr>
-        <p:blipFill>
-          <a:blip r:embed="rId3">
-            <a:extLst>
-              <a:ext uri="{28A0092B-C50C-407E-A947-70E740481C1C}">
-                <a14:useLocalDpi xmlns:a14="http://schemas.microsoft.com/office/drawing/2010/main"/>
-              </a:ext>
-            </a:extLst>
-          </a:blip>
-          <a:srcRect/>
-          <a:stretch>
-            <a:fillRect/>
-          </a:stretch>
-        </p:blipFill>
-        <p:spPr bwMode="auto">
-          <a:xfrm rot="1502284">
-            <a:off x="5672950" y="705872"/>
-            <a:ext cx="3209377" cy="2674482"/>
-          </a:xfrm>
-          <a:prstGeom prst="rect">
-            <a:avLst/>
-          </a:prstGeom>
-          <a:ln>
-            <a:noFill/>
-          </a:ln>
-          <a:effectLst>
-            <a:softEdge rad="112500"/>
-          </a:effectLst>
-          <a:extLst>
-            <a:ext uri="{909E8E84-426E-40DD-AFC4-6F175D3DCCD1}">
-              <a14:hiddenFill xmlns:a14="http://schemas.microsoft.com/office/drawing/2010/main">
-                <a:solidFill>
-                  <a:srgbClr val="FFFFFF"/>
-                </a:solidFill>
-              </a14:hiddenFill>
-            </a:ext>
-          </a:extLst>
-        </p:spPr>
-      </p:pic>
-    </p:spTree>
-    <p:extLst>
-      <p:ext uri="{BB962C8B-B14F-4D97-AF65-F5344CB8AC3E}">
-        <p14:creationId xmlns:p14="http://schemas.microsoft.com/office/powerpoint/2010/main" val="362241634"/>
-      </p:ext>
-    </p:extLst>
-  </p:cSld>
-  <p:clrMapOvr>
-    <a:masterClrMapping/>
-  </p:clrMapOvr>
-  <mc:AlternateContent xmlns:mc="http://schemas.openxmlformats.org/markup-compatibility/2006" xmlns:p14="http://schemas.microsoft.com/office/powerpoint/2010/main">
-    <mc:Choice Requires="p14">
-      <p:transition spd="slow" p14:dur="2000"/>
-    </mc:Choice>
-    <mc:Fallback xmlns="">
-      <p:transition spd="slow"/>
-    </mc:Fallback>
-  </mc:AlternateContent>
-  <p:timing>
-    <p:tnLst>
-      <p:par>
-        <p:cTn id="1" dur="indefinite" restart="never" nodeType="tmRoot"/>
-      </p:par>
-    </p:tnLst>
-  </p:timing>
-</p:sld>
-</file>
-
-<file path=ppt/slides/slide20.xml><?xml version="1.0" encoding="utf-8"?>
+<file path=ppt/slides/slide17.xml><?xml version="1.0" encoding="utf-8"?>
 <p:sld xmlns:a="http://schemas.openxmlformats.org/drawingml/2006/main" xmlns:r="http://schemas.openxmlformats.org/officeDocument/2006/relationships" xmlns:p="http://schemas.openxmlformats.org/presentationml/2006/main">
   <p:cSld>
     <p:spTree>
@@ -10737,10 +8644,9 @@
           <a:lstStyle/>
           <a:p>
             <a:r>
-              <a:rPr lang="en-US" dirty="0" smtClean="0"/>
+              <a:rPr lang="en-US" dirty="0"/>
               <a:t>Data Caching</a:t>
             </a:r>
-            <a:endParaRPr lang="en-US" dirty="0"/>
           </a:p>
         </p:txBody>
       </p:sp>
@@ -10807,7 +8713,7 @@
 </p:sld>
 </file>
 
-<file path=ppt/slides/slide21.xml><?xml version="1.0" encoding="utf-8"?>
+<file path=ppt/slides/slide18.xml><?xml version="1.0" encoding="utf-8"?>
 <p:sld xmlns:a="http://schemas.openxmlformats.org/drawingml/2006/main" xmlns:r="http://schemas.openxmlformats.org/officeDocument/2006/relationships" xmlns:p="http://schemas.openxmlformats.org/presentationml/2006/main">
   <p:cSld>
     <p:spTree>
@@ -10882,32 +8788,16 @@
           <a:p>
             <a:pPr lvl="1"/>
             <a:r>
-              <a:rPr lang="en-US" dirty="0" smtClean="0"/>
-              <a:t>Available </a:t>
-            </a:r>
-            <a:r>
-              <a:rPr lang="en-US" dirty="0"/>
-              <a:t>to you directly </a:t>
-            </a:r>
-            <a:r>
-              <a:rPr lang="en-US" dirty="0" smtClean="0"/>
-              <a:t>through </a:t>
-            </a:r>
-            <a:r>
-              <a:rPr lang="en-US" dirty="0" err="1" smtClean="0"/>
+              <a:rPr lang="en-US" dirty="0"/>
+              <a:t>Available to you directly through </a:t>
+            </a:r>
+            <a:r>
+              <a:rPr lang="en-US" dirty="0" err="1"/>
               <a:t>Page.Cache</a:t>
             </a:r>
             <a:r>
-              <a:rPr lang="en-US" dirty="0" smtClean="0"/>
-              <a:t> </a:t>
-            </a:r>
-            <a:r>
-              <a:rPr lang="en-US" dirty="0"/>
-              <a:t>for your own caching </a:t>
-            </a:r>
-            <a:r>
-              <a:rPr lang="en-US" dirty="0" smtClean="0"/>
-              <a:t>needs</a:t>
+              <a:rPr lang="en-US" dirty="0"/>
+              <a:t> for your own caching needs</a:t>
             </a:r>
           </a:p>
           <a:p>
@@ -10924,7 +8814,7 @@
                 <a:spcPts val="300"/>
               </a:spcBef>
             </a:pPr>
-            <a:endParaRPr lang="en-US" dirty="0" smtClean="0"/>
+            <a:endParaRPr lang="en-US" dirty="0"/>
           </a:p>
           <a:p>
             <a:pPr lvl="1">
@@ -10940,12 +8830,12 @@
                 <a:spcPts val="300"/>
               </a:spcBef>
             </a:pPr>
-            <a:endParaRPr lang="en-US" dirty="0" smtClean="0"/>
+            <a:endParaRPr lang="en-US" dirty="0"/>
           </a:p>
           <a:p>
             <a:pPr lvl="1"/>
             <a:r>
-              <a:rPr lang="en-US" dirty="0" err="1" smtClean="0">
+              <a:rPr lang="en-US" dirty="0" err="1">
                 <a:solidFill>
                   <a:schemeClr val="accent6">
                     <a:lumMod val="20000"/>
@@ -10956,19 +8846,19 @@
               <a:t>this.Cache</a:t>
             </a:r>
             <a:r>
-              <a:rPr lang="en-US" dirty="0" smtClean="0"/>
+              <a:rPr lang="en-US" dirty="0"/>
               <a:t> in ASP.NET </a:t>
             </a:r>
             <a:r>
-              <a:rPr lang="en-US" dirty="0" err="1" smtClean="0"/>
+              <a:rPr lang="en-US" dirty="0" err="1"/>
               <a:t>WebForms</a:t>
             </a:r>
-            <a:endParaRPr lang="en-US" dirty="0" smtClean="0"/>
+            <a:endParaRPr lang="en-US" dirty="0"/>
           </a:p>
           <a:p>
             <a:pPr lvl="1"/>
             <a:r>
-              <a:rPr lang="en-US" dirty="0" err="1" smtClean="0">
+              <a:rPr lang="en-US" dirty="0" err="1">
                 <a:solidFill>
                   <a:schemeClr val="accent6">
                     <a:lumMod val="20000"/>
@@ -10979,7 +8869,7 @@
               <a:t>this.HttpContext.Cache</a:t>
             </a:r>
             <a:r>
-              <a:rPr lang="en-US" dirty="0" smtClean="0"/>
+              <a:rPr lang="en-US" dirty="0"/>
               <a:t> in ASP.NET MVC</a:t>
             </a:r>
           </a:p>
@@ -11286,7 +9176,7 @@
               <a:t>    </a:t>
             </a:r>
             <a:r>
-              <a:rPr lang="en-US" dirty="0" err="1" smtClean="0"/>
+              <a:rPr lang="en-US" dirty="0" err="1"/>
               <a:t>this.Cache</a:t>
             </a:r>
             <a:r>
@@ -11304,10 +9194,9 @@
           </a:p>
           <a:p>
             <a:r>
-              <a:rPr lang="en-US" dirty="0" smtClean="0"/>
+              <a:rPr lang="en-US" dirty="0"/>
               <a:t>}</a:t>
             </a:r>
-            <a:endParaRPr lang="en-US" dirty="0"/>
           </a:p>
           <a:p>
             <a:endParaRPr lang="en-US" dirty="0"/>
@@ -11319,21 +9208,13 @@
             </a:r>
             <a:r>
               <a:rPr lang="en-US" dirty="0"/>
-              <a:t> </a:t>
-            </a:r>
-            <a:r>
-              <a:rPr lang="en-US" dirty="0" smtClean="0"/>
-              <a:t>=</a:t>
-            </a:r>
-          </a:p>
-          <a:p>
-            <a:r>
-              <a:rPr lang="en-US" dirty="0"/>
-              <a:t> </a:t>
-            </a:r>
-            <a:r>
-              <a:rPr lang="en-US" dirty="0" smtClean="0"/>
-              <a:t>   ((</a:t>
+              <a:t> =</a:t>
+            </a:r>
+          </a:p>
+          <a:p>
+            <a:r>
+              <a:rPr lang="en-US" dirty="0"/>
+              <a:t>    ((</a:t>
             </a:r>
             <a:r>
               <a:rPr lang="en-US" dirty="0" err="1"/>
@@ -11385,7 +9266,7 @@
               <a:pPr>
                 <a:defRPr/>
               </a:pPr>
-              <a:t>21</a:t>
+              <a:t>18</a:t>
             </a:fld>
             <a:endParaRPr lang="en-US" dirty="0"/>
           </a:p>
@@ -11404,7 +9285,7 @@
 </p:sld>
 </file>
 
-<file path=ppt/slides/slide22.xml><?xml version="1.0" encoding="utf-8"?>
+<file path=ppt/slides/slide19.xml><?xml version="1.0" encoding="utf-8"?>
 <p:sld xmlns:a="http://schemas.openxmlformats.org/drawingml/2006/main" xmlns:r="http://schemas.openxmlformats.org/officeDocument/2006/relationships" xmlns:p="http://schemas.openxmlformats.org/presentationml/2006/main">
   <p:cSld>
     <p:spTree>
@@ -11438,13 +9319,8 @@
           <a:p>
             <a:r>
               <a:rPr lang="en-US" dirty="0"/>
-              <a:t>Cache </a:t>
-            </a:r>
-            <a:r>
-              <a:rPr lang="en-US" dirty="0" smtClean="0"/>
-              <a:t>Entry Attributes</a:t>
-            </a:r>
-            <a:endParaRPr lang="en-US" dirty="0"/>
+              <a:t>Cache Entry Attributes</a:t>
+            </a:r>
           </a:p>
         </p:txBody>
       </p:sp>
@@ -11491,23 +9367,11 @@
               </a:spcAft>
             </a:pPr>
             <a:r>
-              <a:rPr lang="en-US" dirty="0" smtClean="0"/>
-              <a:t>Each </a:t>
-            </a:r>
-            <a:r>
-              <a:rPr lang="en-US" dirty="0"/>
-              <a:t>insertion </a:t>
-            </a:r>
-            <a:r>
-              <a:rPr lang="en-US" dirty="0" smtClean="0"/>
-              <a:t>creates </a:t>
-            </a:r>
-            <a:r>
-              <a:rPr lang="en-US" dirty="0"/>
-              <a:t>a new </a:t>
-            </a:r>
-            <a:r>
-              <a:rPr lang="en-US" dirty="0" err="1" smtClean="0"/>
+              <a:rPr lang="en-US" dirty="0"/>
+              <a:t>Each insertion creates a new </a:t>
+            </a:r>
+            <a:r>
+              <a:rPr lang="en-US" dirty="0" err="1"/>
               <a:t>CacheEntry</a:t>
             </a:r>
             <a:endParaRPr lang="en-US" dirty="0"/>
@@ -11537,7 +9401,7 @@
               <a:pPr>
                 <a:defRPr/>
               </a:pPr>
-              <a:t>22</a:t>
+              <a:t>19</a:t>
             </a:fld>
             <a:endParaRPr lang="en-US" dirty="0"/>
           </a:p>
@@ -11568,9 +9432,27 @@
                 <a:tableStyleId>{073A0DAA-6AF3-43AB-8588-CEC1D06C72B9}</a:tableStyleId>
               </a:tblPr>
               <a:tblGrid>
-                <a:gridCol w="1905000"/>
-                <a:gridCol w="1905000"/>
-                <a:gridCol w="4724400"/>
+                <a:gridCol w="1905000">
+                  <a:extLst>
+                    <a:ext uri="{9D8B030D-6E8A-4147-A177-3AD203B41FA5}">
+                      <a16:colId xmlns:a16="http://schemas.microsoft.com/office/drawing/2014/main" val="20000"/>
+                    </a:ext>
+                  </a:extLst>
+                </a:gridCol>
+                <a:gridCol w="1905000">
+                  <a:extLst>
+                    <a:ext uri="{9D8B030D-6E8A-4147-A177-3AD203B41FA5}">
+                      <a16:colId xmlns:a16="http://schemas.microsoft.com/office/drawing/2014/main" val="20001"/>
+                    </a:ext>
+                  </a:extLst>
+                </a:gridCol>
+                <a:gridCol w="4724400">
+                  <a:extLst>
+                    <a:ext uri="{9D8B030D-6E8A-4147-A177-3AD203B41FA5}">
+                      <a16:colId xmlns:a16="http://schemas.microsoft.com/office/drawing/2014/main" val="20002"/>
+                    </a:ext>
+                  </a:extLst>
+                </a:gridCol>
               </a:tblGrid>
               <a:tr h="370840">
                 <a:tc>
@@ -11579,10 +9461,9 @@
                     <a:lstStyle/>
                     <a:p>
                       <a:r>
-                        <a:rPr lang="en-US" dirty="0" smtClean="0"/>
+                        <a:rPr lang="en-US" dirty="0"/>
                         <a:t>Property</a:t>
                       </a:r>
-                      <a:endParaRPr lang="en-US" dirty="0"/>
                     </a:p>
                   </a:txBody>
                   <a:tcPr/>
@@ -11593,10 +9474,9 @@
                     <a:lstStyle/>
                     <a:p>
                       <a:r>
-                        <a:rPr lang="en-US" dirty="0" smtClean="0"/>
+                        <a:rPr lang="en-US" dirty="0"/>
                         <a:t>Type</a:t>
                       </a:r>
-                      <a:endParaRPr lang="en-US" dirty="0"/>
                     </a:p>
                   </a:txBody>
                   <a:tcPr/>
@@ -11607,7 +9487,7 @@
                     <a:lstStyle/>
                     <a:p>
                       <a:r>
-                        <a:rPr lang="en-US" smtClean="0"/>
+                        <a:rPr lang="en-US"/>
                         <a:t>Description</a:t>
                       </a:r>
                       <a:endParaRPr lang="en-US" dirty="0"/>
@@ -11615,6 +9495,11 @@
                   </a:txBody>
                   <a:tcPr/>
                 </a:tc>
+                <a:extLst>
+                  <a:ext uri="{0D108BD9-81ED-4DB2-BD59-A6C34878D82A}">
+                    <a16:rowId xmlns:a16="http://schemas.microsoft.com/office/drawing/2014/main" val="10000"/>
+                  </a:ext>
+                </a:extLst>
               </a:tr>
               <a:tr h="370840">
                 <a:tc>
@@ -11623,7 +9508,7 @@
                     <a:lstStyle/>
                     <a:p>
                       <a:r>
-                        <a:rPr lang="en-US" sz="1600" smtClean="0"/>
+                        <a:rPr lang="en-US" sz="1600"/>
                         <a:t>Key</a:t>
                       </a:r>
                       <a:endParaRPr lang="en-US" sz="1600" dirty="0"/>
@@ -11637,7 +9522,7 @@
                     <a:lstStyle/>
                     <a:p>
                       <a:r>
-                        <a:rPr lang="en-US" sz="1600" smtClean="0"/>
+                        <a:rPr lang="en-US" sz="1600"/>
                         <a:t>string</a:t>
                       </a:r>
                       <a:endParaRPr lang="en-US" sz="1600" dirty="0"/>
@@ -11651,14 +9536,18 @@
                     <a:lstStyle/>
                     <a:p>
                       <a:r>
-                        <a:rPr lang="en-US" sz="1600" dirty="0" smtClean="0"/>
+                        <a:rPr lang="en-US" sz="1600" dirty="0"/>
                         <a:t>Unique key used to identify this entry in the cache</a:t>
                       </a:r>
-                      <a:endParaRPr lang="en-US" sz="1600" dirty="0"/>
                     </a:p>
                   </a:txBody>
                   <a:tcPr/>
                 </a:tc>
+                <a:extLst>
+                  <a:ext uri="{0D108BD9-81ED-4DB2-BD59-A6C34878D82A}">
+                    <a16:rowId xmlns:a16="http://schemas.microsoft.com/office/drawing/2014/main" val="10001"/>
+                  </a:ext>
+                </a:extLst>
               </a:tr>
               <a:tr h="370840">
                 <a:tc>
@@ -11667,7 +9556,7 @@
                     <a:lstStyle/>
                     <a:p>
                       <a:r>
-                        <a:rPr lang="en-US" sz="1600" smtClean="0"/>
+                        <a:rPr lang="en-US" sz="1600"/>
                         <a:t>Dependency</a:t>
                       </a:r>
                       <a:endParaRPr lang="en-US" sz="1600" dirty="0"/>
@@ -11681,7 +9570,7 @@
                     <a:lstStyle/>
                     <a:p>
                       <a:r>
-                        <a:rPr lang="en-US" sz="1600" smtClean="0"/>
+                        <a:rPr lang="en-US" sz="1600"/>
                         <a:t>CacheDependency</a:t>
                       </a:r>
                       <a:endParaRPr lang="en-US" sz="1600" dirty="0"/>
@@ -11695,14 +9584,18 @@
                     <a:lstStyle/>
                     <a:p>
                       <a:r>
-                        <a:rPr lang="en-US" sz="1600" dirty="0" smtClean="0"/>
+                        <a:rPr lang="en-US" sz="1600" dirty="0"/>
                         <a:t>A dependency this cache entry has -either on a file, a directory, or another cache entry -which when changed, should cause this entry to be flushed</a:t>
                       </a:r>
-                      <a:endParaRPr lang="en-US" sz="1600" dirty="0"/>
                     </a:p>
                   </a:txBody>
                   <a:tcPr/>
                 </a:tc>
+                <a:extLst>
+                  <a:ext uri="{0D108BD9-81ED-4DB2-BD59-A6C34878D82A}">
+                    <a16:rowId xmlns:a16="http://schemas.microsoft.com/office/drawing/2014/main" val="10002"/>
+                  </a:ext>
+                </a:extLst>
               </a:tr>
               <a:tr h="370840">
                 <a:tc>
@@ -11711,7 +9604,7 @@
                     <a:lstStyle/>
                     <a:p>
                       <a:r>
-                        <a:rPr lang="en-US" sz="1600" smtClean="0"/>
+                        <a:rPr lang="en-US" sz="1600"/>
                         <a:t>Expires</a:t>
                       </a:r>
                       <a:endParaRPr lang="en-US" sz="1600" dirty="0"/>
@@ -11725,7 +9618,7 @@
                     <a:lstStyle/>
                     <a:p>
                       <a:r>
-                        <a:rPr lang="en-US" sz="1600" smtClean="0"/>
+                        <a:rPr lang="en-US" sz="1600"/>
                         <a:t>DateTime</a:t>
                       </a:r>
                       <a:endParaRPr lang="en-US" sz="1600" dirty="0"/>
@@ -11739,7 +9632,7 @@
                     <a:lstStyle/>
                     <a:p>
                       <a:r>
-                        <a:rPr lang="en-US" sz="1600" kern="1200" dirty="0" smtClean="0">
+                        <a:rPr lang="en-US" sz="1600" kern="1200" dirty="0">
                           <a:solidFill>
                             <a:schemeClr val="dk1"/>
                           </a:solidFill>
@@ -11749,18 +9642,15 @@
                         </a:rPr>
                         <a:t>A fixed date and time after which this cache entry should be flushed</a:t>
                       </a:r>
-                      <a:endParaRPr lang="en-US" sz="1600" kern="1200" dirty="0">
-                        <a:solidFill>
-                          <a:schemeClr val="dk1"/>
-                        </a:solidFill>
-                        <a:latin typeface="+mn-lt"/>
-                        <a:ea typeface="+mn-ea"/>
-                        <a:cs typeface="+mn-cs"/>
-                      </a:endParaRPr>
                     </a:p>
                   </a:txBody>
                   <a:tcPr/>
                 </a:tc>
+                <a:extLst>
+                  <a:ext uri="{0D108BD9-81ED-4DB2-BD59-A6C34878D82A}">
+                    <a16:rowId xmlns:a16="http://schemas.microsoft.com/office/drawing/2014/main" val="10003"/>
+                  </a:ext>
+                </a:extLst>
               </a:tr>
               <a:tr h="370840">
                 <a:tc>
@@ -11769,7 +9659,7 @@
                     <a:lstStyle/>
                     <a:p>
                       <a:r>
-                        <a:rPr lang="en-US" sz="1600" smtClean="0"/>
+                        <a:rPr lang="en-US" sz="1600"/>
                         <a:t>SlidingExpiration</a:t>
                       </a:r>
                       <a:endParaRPr lang="en-US" sz="1600" dirty="0"/>
@@ -11783,7 +9673,7 @@
                     <a:lstStyle/>
                     <a:p>
                       <a:r>
-                        <a:rPr lang="en-US" sz="1600" smtClean="0"/>
+                        <a:rPr lang="en-US" sz="1600"/>
                         <a:t>TimeSpan</a:t>
                       </a:r>
                       <a:endParaRPr lang="en-US" sz="1600" dirty="0"/>
@@ -11814,7 +9704,7 @@
                         <a:defRPr/>
                       </a:pPr>
                       <a:r>
-                        <a:rPr lang="en-US" sz="1600" kern="1200" dirty="0" smtClean="0">
+                        <a:rPr lang="en-US" sz="1600" kern="1200" dirty="0">
                           <a:solidFill>
                             <a:schemeClr val="dk1"/>
                           </a:solidFill>
@@ -11824,18 +9714,15 @@
                         </a:rPr>
                         <a:t>The time between which the object was last accessed and when the object should be flushed from the cache</a:t>
                       </a:r>
-                      <a:endParaRPr lang="en-US" sz="1600" kern="1200" dirty="0">
-                        <a:solidFill>
-                          <a:schemeClr val="dk1"/>
-                        </a:solidFill>
-                        <a:latin typeface="+mn-lt"/>
-                        <a:ea typeface="+mn-ea"/>
-                        <a:cs typeface="+mn-cs"/>
-                      </a:endParaRPr>
                     </a:p>
                   </a:txBody>
                   <a:tcPr/>
                 </a:tc>
+                <a:extLst>
+                  <a:ext uri="{0D108BD9-81ED-4DB2-BD59-A6C34878D82A}">
+                    <a16:rowId xmlns:a16="http://schemas.microsoft.com/office/drawing/2014/main" val="10004"/>
+                  </a:ext>
+                </a:extLst>
               </a:tr>
               <a:tr h="370840">
                 <a:tc>
@@ -11844,7 +9731,7 @@
                     <a:lstStyle/>
                     <a:p>
                       <a:r>
-                        <a:rPr lang="en-US" sz="1600" smtClean="0"/>
+                        <a:rPr lang="en-US" sz="1600"/>
                         <a:t>Priority</a:t>
                       </a:r>
                       <a:endParaRPr lang="en-US" sz="1600" dirty="0"/>
@@ -11858,7 +9745,7 @@
                     <a:lstStyle/>
                     <a:p>
                       <a:r>
-                        <a:rPr lang="en-US" sz="1600" smtClean="0"/>
+                        <a:rPr lang="en-US" sz="1600"/>
                         <a:t>CacheItemPriority</a:t>
                       </a:r>
                       <a:endParaRPr lang="en-US" sz="1600" dirty="0"/>
@@ -11872,7 +9759,7 @@
                     <a:lstStyle/>
                     <a:p>
                       <a:r>
-                        <a:rPr lang="en-US" sz="1600" kern="1200" dirty="0" smtClean="0">
+                        <a:rPr lang="en-US" sz="1600" kern="1200" dirty="0">
                           <a:solidFill>
                             <a:schemeClr val="dk1"/>
                           </a:solidFill>
@@ -11882,18 +9769,15 @@
                         </a:rPr>
                         <a:t>How important this item is to keep in the cache compared to other cache entries (used when deciding how to remove cache objects during scavenging)</a:t>
                       </a:r>
-                      <a:endParaRPr lang="en-US" sz="1600" kern="1200" dirty="0">
-                        <a:solidFill>
-                          <a:schemeClr val="dk1"/>
-                        </a:solidFill>
-                        <a:latin typeface="+mn-lt"/>
-                        <a:ea typeface="+mn-ea"/>
-                        <a:cs typeface="+mn-cs"/>
-                      </a:endParaRPr>
                     </a:p>
                   </a:txBody>
                   <a:tcPr/>
                 </a:tc>
+                <a:extLst>
+                  <a:ext uri="{0D108BD9-81ED-4DB2-BD59-A6C34878D82A}">
+                    <a16:rowId xmlns:a16="http://schemas.microsoft.com/office/drawing/2014/main" val="10005"/>
+                  </a:ext>
+                </a:extLst>
               </a:tr>
               <a:tr h="370840">
                 <a:tc>
@@ -11902,7 +9786,7 @@
                     <a:lstStyle/>
                     <a:p>
                       <a:r>
-                        <a:rPr lang="en-US" sz="1600" dirty="0" err="1" smtClean="0"/>
+                        <a:rPr lang="en-US" sz="1600" dirty="0" err="1"/>
                         <a:t>OnRemoveCallback</a:t>
                       </a:r>
                       <a:endParaRPr lang="en-US" sz="1600" dirty="0"/>
@@ -11916,15 +9800,15 @@
                     <a:lstStyle/>
                     <a:p>
                       <a:r>
-                        <a:rPr lang="en-US" sz="1600" smtClean="0"/>
+                        <a:rPr lang="en-US" sz="1600"/>
                         <a:t>CacheItemRemoved</a:t>
                       </a:r>
                       <a:r>
-                        <a:rPr lang="en-US" sz="1600" baseline="0" smtClean="0"/>
+                        <a:rPr lang="en-US" sz="1600" baseline="0"/>
                         <a:t> (</a:t>
                       </a:r>
                       <a:r>
-                        <a:rPr lang="en-US" sz="1600" smtClean="0"/>
+                        <a:rPr lang="en-US" sz="1600"/>
                         <a:t>Callback)</a:t>
                       </a:r>
                       <a:endParaRPr lang="en-US" sz="1600" dirty="0"/>
@@ -11938,7 +9822,7 @@
                     <a:lstStyle/>
                     <a:p>
                       <a:r>
-                        <a:rPr lang="en-US" sz="1600" kern="1200" dirty="0" smtClean="0">
+                        <a:rPr lang="en-US" sz="1600" kern="1200" dirty="0">
                           <a:solidFill>
                             <a:schemeClr val="dk1"/>
                           </a:solidFill>
@@ -11948,18 +9832,15 @@
                         </a:rPr>
                         <a:t>A delegate which can be registered with a cache entry for invocation upon removal</a:t>
                       </a:r>
-                      <a:endParaRPr lang="en-US" sz="1600" kern="1200" dirty="0">
-                        <a:solidFill>
-                          <a:schemeClr val="dk1"/>
-                        </a:solidFill>
-                        <a:latin typeface="+mn-lt"/>
-                        <a:ea typeface="+mn-ea"/>
-                        <a:cs typeface="+mn-cs"/>
-                      </a:endParaRPr>
                     </a:p>
                   </a:txBody>
                   <a:tcPr/>
                 </a:tc>
+                <a:extLst>
+                  <a:ext uri="{0D108BD9-81ED-4DB2-BD59-A6C34878D82A}">
+                    <a16:rowId xmlns:a16="http://schemas.microsoft.com/office/drawing/2014/main" val="10006"/>
+                  </a:ext>
+                </a:extLst>
               </a:tr>
             </a:tbl>
           </a:graphicData>
@@ -11978,7 +9859,7 @@
 </p:sld>
 </file>
 
-<file path=ppt/slides/slide23.xml><?xml version="1.0" encoding="utf-8"?>
+<file path=ppt/slides/slide2.xml><?xml version="1.0" encoding="utf-8"?>
 <p:sld xmlns:a="http://schemas.openxmlformats.org/drawingml/2006/main" xmlns:r="http://schemas.openxmlformats.org/officeDocument/2006/relationships" xmlns:p="http://schemas.openxmlformats.org/presentationml/2006/main">
   <p:cSld>
     <p:spTree>
@@ -12011,11 +9892,257 @@
           <a:lstStyle/>
           <a:p>
             <a:r>
-              <a:rPr lang="en-US" dirty="0" smtClean="0"/>
+              <a:rPr lang="en-US" dirty="0"/>
+              <a:t>Table of Contents</a:t>
+            </a:r>
+          </a:p>
+        </p:txBody>
+      </p:sp>
+      <p:sp>
+        <p:nvSpPr>
+          <p:cNvPr id="3" name="Content Placeholder 2"/>
+          <p:cNvSpPr>
+            <a:spLocks noGrp="1"/>
+          </p:cNvSpPr>
+          <p:nvPr>
+            <p:ph idx="1"/>
+          </p:nvPr>
+        </p:nvSpPr>
+        <p:spPr>
+          <a:xfrm>
+            <a:off x="228600" y="838200"/>
+            <a:ext cx="8686800" cy="5791200"/>
+          </a:xfrm>
+        </p:spPr>
+        <p:txBody>
+          <a:bodyPr/>
+          <a:lstStyle/>
+          <a:p>
+            <a:r>
+              <a:rPr lang="en-US" dirty="0"/>
+              <a:t>Why do we need caching?</a:t>
+            </a:r>
+          </a:p>
+          <a:p>
+            <a:r>
+              <a:rPr lang="en-US" dirty="0"/>
+              <a:t>ASP.NET Output Caching</a:t>
+            </a:r>
+          </a:p>
+          <a:p>
+            <a:pPr lvl="1"/>
+            <a:r>
+              <a:rPr lang="en-US" dirty="0" err="1"/>
+              <a:t>OutputCache</a:t>
+            </a:r>
+            <a:r>
+              <a:rPr lang="en-US" dirty="0"/>
+              <a:t> page directive</a:t>
+            </a:r>
+          </a:p>
+          <a:p>
+            <a:pPr lvl="1"/>
+            <a:r>
+              <a:rPr lang="en-US" dirty="0"/>
+              <a:t>Cache profiles</a:t>
+            </a:r>
+          </a:p>
+          <a:p>
+            <a:pPr lvl="1"/>
+            <a:r>
+              <a:rPr lang="en-US" dirty="0"/>
+              <a:t>Post-cache substitution</a:t>
+            </a:r>
+          </a:p>
+          <a:p>
+            <a:pPr lvl="1"/>
+            <a:r>
+              <a:rPr lang="en-US" dirty="0"/>
+              <a:t>Page fragment caching</a:t>
+            </a:r>
+          </a:p>
+          <a:p>
+            <a:r>
+              <a:rPr lang="en-US" dirty="0"/>
+              <a:t>Data caching</a:t>
+            </a:r>
+          </a:p>
+          <a:p>
+            <a:pPr lvl="1"/>
+            <a:r>
+              <a:rPr lang="en-US" dirty="0"/>
+              <a:t>Cache dependencies</a:t>
+            </a:r>
+          </a:p>
+        </p:txBody>
+      </p:sp>
+      <p:sp>
+        <p:nvSpPr>
+          <p:cNvPr id="4" name="Slide Number Placeholder 3"/>
+          <p:cNvSpPr>
+            <a:spLocks noGrp="1"/>
+          </p:cNvSpPr>
+          <p:nvPr>
+            <p:ph type="sldNum" sz="quarter" idx="10"/>
+          </p:nvPr>
+        </p:nvSpPr>
+        <p:spPr/>
+        <p:txBody>
+          <a:bodyPr/>
+          <a:lstStyle/>
+          <a:p>
+            <a:pPr>
+              <a:defRPr/>
+            </a:pPr>
+            <a:fld id="{58452FF4-89E3-4D1B-9927-2DBDC00E58D7}" type="slidenum">
+              <a:rPr lang="en-US" smtClean="0"/>
+              <a:pPr>
+                <a:defRPr/>
+              </a:pPr>
+              <a:t>2</a:t>
+            </a:fld>
+            <a:endParaRPr lang="en-US" dirty="0"/>
+          </a:p>
+        </p:txBody>
+      </p:sp>
+      <p:pic>
+        <p:nvPicPr>
+          <p:cNvPr id="6146" name="Picture 2" descr="C:\PROJECTS\QA-Academy\LOCAL_FILES\Oleg_IMAGES_Archive\FREQUENTLY USED\CONTENT Slide\library.png"/>
+          <p:cNvPicPr>
+            <a:picLocks noChangeAspect="1" noChangeArrowheads="1"/>
+          </p:cNvPicPr>
+          <p:nvPr/>
+        </p:nvPicPr>
+        <p:blipFill>
+          <a:blip r:embed="rId2">
+            <a:extLst>
+              <a:ext uri="{28A0092B-C50C-407E-A947-70E740481C1C}">
+                <a14:useLocalDpi xmlns:a14="http://schemas.microsoft.com/office/drawing/2010/main" val="0"/>
+              </a:ext>
+            </a:extLst>
+          </a:blip>
+          <a:srcRect/>
+          <a:stretch>
+            <a:fillRect/>
+          </a:stretch>
+        </p:blipFill>
+        <p:spPr bwMode="auto">
+          <a:xfrm>
+            <a:off x="6002016" y="3516574"/>
+            <a:ext cx="2458788" cy="2458788"/>
+          </a:xfrm>
+          <a:prstGeom prst="rect">
+            <a:avLst/>
+          </a:prstGeom>
+          <a:noFill/>
+          <a:extLst>
+            <a:ext uri="{909E8E84-426E-40DD-AFC4-6F175D3DCCD1}">
+              <a14:hiddenFill xmlns:a14="http://schemas.microsoft.com/office/drawing/2010/main">
+                <a:solidFill>
+                  <a:srgbClr val="FFFFFF"/>
+                </a:solidFill>
+              </a14:hiddenFill>
+            </a:ext>
+          </a:extLst>
+        </p:spPr>
+      </p:pic>
+      <p:pic>
+        <p:nvPicPr>
+          <p:cNvPr id="6" name="Picture 5" descr="C:\Users\nkostov\Desktop\Untitled.png"/>
+          <p:cNvPicPr>
+            <a:picLocks noChangeAspect="1" noChangeArrowheads="1"/>
+          </p:cNvPicPr>
+          <p:nvPr/>
+        </p:nvPicPr>
+        <p:blipFill>
+          <a:blip r:embed="rId3">
+            <a:extLst>
+              <a:ext uri="{28A0092B-C50C-407E-A947-70E740481C1C}">
+                <a14:useLocalDpi xmlns:a14="http://schemas.microsoft.com/office/drawing/2010/main"/>
+              </a:ext>
+            </a:extLst>
+          </a:blip>
+          <a:srcRect/>
+          <a:stretch>
+            <a:fillRect/>
+          </a:stretch>
+        </p:blipFill>
+        <p:spPr bwMode="auto">
+          <a:xfrm rot="1502284">
+            <a:off x="5672950" y="705872"/>
+            <a:ext cx="3209377" cy="2674482"/>
+          </a:xfrm>
+          <a:prstGeom prst="rect">
+            <a:avLst/>
+          </a:prstGeom>
+          <a:ln>
+            <a:noFill/>
+          </a:ln>
+          <a:effectLst>
+            <a:softEdge rad="112500"/>
+          </a:effectLst>
+          <a:extLst>
+            <a:ext uri="{909E8E84-426E-40DD-AFC4-6F175D3DCCD1}">
+              <a14:hiddenFill xmlns:a14="http://schemas.microsoft.com/office/drawing/2010/main">
+                <a:solidFill>
+                  <a:srgbClr val="FFFFFF"/>
+                </a:solidFill>
+              </a14:hiddenFill>
+            </a:ext>
+          </a:extLst>
+        </p:spPr>
+      </p:pic>
+    </p:spTree>
+    <p:extLst>
+      <p:ext uri="{BB962C8B-B14F-4D97-AF65-F5344CB8AC3E}">
+        <p14:creationId xmlns:p14="http://schemas.microsoft.com/office/powerpoint/2010/main" val="362241634"/>
+      </p:ext>
+    </p:extLst>
+  </p:cSld>
+  <p:clrMapOvr>
+    <a:masterClrMapping/>
+  </p:clrMapOvr>
+</p:sld>
+</file>
+
+<file path=ppt/slides/slide20.xml><?xml version="1.0" encoding="utf-8"?>
+<p:sld xmlns:a="http://schemas.openxmlformats.org/drawingml/2006/main" xmlns:r="http://schemas.openxmlformats.org/officeDocument/2006/relationships" xmlns:p="http://schemas.openxmlformats.org/presentationml/2006/main">
+  <p:cSld>
+    <p:spTree>
+      <p:nvGrpSpPr>
+        <p:cNvPr id="1" name=""/>
+        <p:cNvGrpSpPr/>
+        <p:nvPr/>
+      </p:nvGrpSpPr>
+      <p:grpSpPr>
+        <a:xfrm>
+          <a:off x="0" y="0"/>
+          <a:ext cx="0" cy="0"/>
+          <a:chOff x="0" y="0"/>
+          <a:chExt cx="0" cy="0"/>
+        </a:xfrm>
+      </p:grpSpPr>
+      <p:sp>
+        <p:nvSpPr>
+          <p:cNvPr id="2" name="Title 1"/>
+          <p:cNvSpPr>
+            <a:spLocks noGrp="1"/>
+          </p:cNvSpPr>
+          <p:nvPr>
+            <p:ph type="title"/>
+          </p:nvPr>
+        </p:nvSpPr>
+        <p:spPr/>
+        <p:txBody>
+          <a:bodyPr/>
+          <a:lstStyle/>
+          <a:p>
+            <a:r>
+              <a:rPr lang="en-US" dirty="0"/>
               <a:t>Setting Cache Entry </a:t>
             </a:r>
             <a:r>
-              <a:rPr lang="en-US" dirty="0" err="1" smtClean="0"/>
+              <a:rPr lang="en-US" dirty="0" err="1"/>
               <a:t>Params</a:t>
             </a:r>
             <a:endParaRPr lang="en-US" dirty="0"/>
@@ -12038,10 +10165,9 @@
           <a:lstStyle/>
           <a:p>
             <a:r>
-              <a:rPr lang="en-US" dirty="0" smtClean="0"/>
+              <a:rPr lang="en-US" dirty="0"/>
               <a:t>Example of setting cache entry parameters</a:t>
             </a:r>
-            <a:endParaRPr lang="en-US" dirty="0"/>
           </a:p>
         </p:txBody>
       </p:sp>
@@ -12068,7 +10194,7 @@
               <a:pPr>
                 <a:defRPr/>
               </a:pPr>
-              <a:t>23</a:t>
+              <a:t>20</a:t>
             </a:fld>
             <a:endParaRPr lang="en-US" dirty="0"/>
           </a:p>
@@ -12404,15 +10530,7 @@
           <a:p>
             <a:r>
               <a:rPr lang="en-US" dirty="0"/>
-              <a:t>        "time",         </a:t>
-            </a:r>
-            <a:r>
-              <a:rPr lang="en-US" dirty="0" smtClean="0"/>
-              <a:t>             // </a:t>
-            </a:r>
-            <a:r>
-              <a:rPr lang="en-US" dirty="0"/>
-              <a:t>key</a:t>
+              <a:t>        "time",                      // key</a:t>
             </a:r>
           </a:p>
           <a:p>
@@ -12426,26 +10544,13 @@
             </a:r>
             <a:r>
               <a:rPr lang="en-US" dirty="0"/>
-              <a:t>,   </a:t>
-            </a:r>
-            <a:r>
-              <a:rPr lang="en-US" dirty="0" smtClean="0"/>
-              <a:t>             // value</a:t>
-            </a:r>
-            <a:endParaRPr lang="en-US" dirty="0"/>
-          </a:p>
-          <a:p>
-            <a:r>
-              <a:rPr lang="en-US" dirty="0"/>
-              <a:t>        null,           </a:t>
-            </a:r>
-            <a:r>
-              <a:rPr lang="en-US" dirty="0" smtClean="0"/>
-              <a:t>             // </a:t>
-            </a:r>
-            <a:r>
-              <a:rPr lang="en-US" dirty="0"/>
-              <a:t>dependencies</a:t>
+              <a:t>,                // value</a:t>
+            </a:r>
+          </a:p>
+          <a:p>
+            <a:r>
+              <a:rPr lang="en-US" dirty="0"/>
+              <a:t>        null,                        // dependencies</a:t>
             </a:r>
           </a:p>
           <a:p>
@@ -12493,15 +10598,7 @@
           <a:p>
             <a:r>
               <a:rPr lang="en-US" dirty="0"/>
-              <a:t>        null);          </a:t>
-            </a:r>
-            <a:r>
-              <a:rPr lang="en-US" dirty="0" smtClean="0"/>
-              <a:t>             // </a:t>
-            </a:r>
-            <a:r>
-              <a:rPr lang="en-US" dirty="0"/>
-              <a:t>callback delegate</a:t>
+              <a:t>        null);                       // callback delegate</a:t>
             </a:r>
           </a:p>
           <a:p>
@@ -12520,21 +10617,13 @@
             </a:r>
             <a:r>
               <a:rPr lang="en-US" dirty="0"/>
-              <a:t> </a:t>
-            </a:r>
-            <a:r>
-              <a:rPr lang="en-US" dirty="0" smtClean="0"/>
-              <a:t>=</a:t>
-            </a:r>
-          </a:p>
-          <a:p>
-            <a:r>
-              <a:rPr lang="en-US" dirty="0"/>
-              <a:t> </a:t>
-            </a:r>
-            <a:r>
-              <a:rPr lang="en-US" dirty="0" smtClean="0"/>
-              <a:t>   ((</a:t>
+              <a:t> =</a:t>
+            </a:r>
+          </a:p>
+          <a:p>
+            <a:r>
+              <a:rPr lang="en-US" dirty="0"/>
+              <a:t>    ((</a:t>
             </a:r>
             <a:r>
               <a:rPr lang="en-US" dirty="0" err="1"/>
@@ -12576,7 +10665,7 @@
 </p:sld>
 </file>
 
-<file path=ppt/slides/slide24.xml><?xml version="1.0" encoding="utf-8"?>
+<file path=ppt/slides/slide21.xml><?xml version="1.0" encoding="utf-8"?>
 <p:sld xmlns:a="http://schemas.openxmlformats.org/drawingml/2006/main" xmlns:r="http://schemas.openxmlformats.org/officeDocument/2006/relationships" xmlns:p="http://schemas.openxmlformats.org/presentationml/2006/main">
   <p:cSld>
     <p:spTree>
@@ -12610,21 +10699,8 @@
           <a:p>
             <a:r>
               <a:rPr lang="en-US" dirty="0"/>
-              <a:t>Removing f</a:t>
-            </a:r>
-            <a:r>
-              <a:rPr lang="en-US" dirty="0" smtClean="0"/>
-              <a:t>rom </a:t>
-            </a:r>
-            <a:r>
-              <a:rPr lang="en-US" dirty="0"/>
-              <a:t>the </a:t>
-            </a:r>
-            <a:r>
-              <a:rPr lang="en-US" dirty="0" smtClean="0"/>
-              <a:t>Cache</a:t>
-            </a:r>
-            <a:endParaRPr lang="en-US" dirty="0"/>
+              <a:t>Removing from the Cache</a:t>
+            </a:r>
           </a:p>
         </p:txBody>
       </p:sp>
@@ -12645,73 +10721,41 @@
           <a:p>
             <a:r>
               <a:rPr lang="en-US" dirty="0"/>
-              <a:t>Objects can be explicitly taken out of the </a:t>
-            </a:r>
-            <a:r>
-              <a:rPr lang="en-US" dirty="0" smtClean="0"/>
-              <a:t>cache</a:t>
+              <a:t>Objects can be explicitly taken out of the cache</a:t>
             </a:r>
           </a:p>
           <a:p>
             <a:pPr lvl="1"/>
             <a:r>
               <a:rPr lang="en-US" dirty="0"/>
-              <a:t>E</a:t>
-            </a:r>
-            <a:r>
-              <a:rPr lang="en-US" dirty="0" smtClean="0"/>
-              <a:t>xplicitly </a:t>
-            </a:r>
-            <a:r>
-              <a:rPr lang="en-US" dirty="0"/>
-              <a:t>by calling </a:t>
-            </a:r>
-            <a:r>
-              <a:rPr lang="en-US" dirty="0" smtClean="0"/>
-              <a:t>Remove</a:t>
+              <a:t>Explicitly by calling Remove</a:t>
             </a:r>
           </a:p>
           <a:p>
             <a:pPr lvl="1"/>
             <a:r>
               <a:rPr lang="en-US" dirty="0"/>
-              <a:t>Cache can remove item implicitly for a variety of reasons (Data </a:t>
-            </a:r>
-            <a:r>
-              <a:rPr lang="en-US" dirty="0" smtClean="0"/>
-              <a:t>expiration,</a:t>
+              <a:t>Cache can remove item implicitly for a variety of reasons (Data expiration,</a:t>
             </a:r>
             <a:br>
-              <a:rPr lang="en-US" dirty="0" smtClean="0"/>
+              <a:rPr lang="en-US" dirty="0"/>
             </a:br>
             <a:r>
-              <a:rPr lang="en-US" dirty="0" smtClean="0"/>
-              <a:t>Memory </a:t>
-            </a:r>
-            <a:r>
-              <a:rPr lang="en-US" dirty="0"/>
-              <a:t>consumption</a:t>
-            </a:r>
-            <a:r>
-              <a:rPr lang="en-US" dirty="0" smtClean="0"/>
-              <a:t>)</a:t>
+              <a:rPr lang="en-US" dirty="0"/>
+              <a:t>Memory consumption)</a:t>
             </a:r>
           </a:p>
           <a:p>
             <a:pPr lvl="2"/>
             <a:r>
               <a:rPr lang="en-US" dirty="0"/>
-              <a:t>Low priority </a:t>
-            </a:r>
-            <a:r>
-              <a:rPr lang="en-US" dirty="0" smtClean="0"/>
-              <a:t>cache data</a:t>
+              <a:t>Low priority cache data</a:t>
             </a:r>
             <a:br>
-              <a:rPr lang="en-US" dirty="0" smtClean="0"/>
+              <a:rPr lang="en-US" dirty="0"/>
             </a:br>
             <a:r>
-              <a:rPr lang="en-US" dirty="0" smtClean="0"/>
+              <a:rPr lang="en-US" dirty="0"/>
               <a:t>will be removed first</a:t>
             </a:r>
           </a:p>
@@ -12719,32 +10763,20 @@
             <a:pPr lvl="1"/>
             <a:r>
               <a:rPr lang="en-US" dirty="0"/>
-              <a:t>Can register for </a:t>
-            </a:r>
-            <a:r>
-              <a:rPr lang="en-US" dirty="0" smtClean="0"/>
-              <a:t>removal</a:t>
+              <a:t>Can register for removal</a:t>
             </a:r>
             <a:br>
-              <a:rPr lang="en-US" dirty="0" smtClean="0"/>
+              <a:rPr lang="en-US" dirty="0"/>
             </a:br>
             <a:r>
-              <a:rPr lang="en-US" dirty="0" smtClean="0"/>
-              <a:t>notification</a:t>
-            </a:r>
-            <a:r>
-              <a:rPr lang="en-US" dirty="0"/>
-              <a:t>, </a:t>
-            </a:r>
-            <a:r>
-              <a:rPr lang="en-US" dirty="0" smtClean="0"/>
-              <a:t>including</a:t>
+              <a:rPr lang="en-US" dirty="0"/>
+              <a:t>notification, including</a:t>
             </a:r>
             <a:br>
-              <a:rPr lang="en-US" dirty="0" smtClean="0"/>
+              <a:rPr lang="en-US" dirty="0"/>
             </a:br>
             <a:r>
-              <a:rPr lang="en-US" dirty="0" smtClean="0"/>
+              <a:rPr lang="en-US" dirty="0"/>
               <a:t>reason</a:t>
             </a:r>
           </a:p>
@@ -12773,7 +10805,7 @@
               <a:pPr>
                 <a:defRPr/>
               </a:pPr>
-              <a:t>24</a:t>
+              <a:t>21</a:t>
             </a:fld>
             <a:endParaRPr lang="en-US" dirty="0"/>
           </a:p>
@@ -12837,7 +10869,7 @@
 </p:sld>
 </file>
 
-<file path=ppt/slides/slide25.xml><?xml version="1.0" encoding="utf-8"?>
+<file path=ppt/slides/slide22.xml><?xml version="1.0" encoding="utf-8"?>
 <p:sld xmlns:a="http://schemas.openxmlformats.org/drawingml/2006/main" xmlns:r="http://schemas.openxmlformats.org/officeDocument/2006/relationships" xmlns:p="http://schemas.openxmlformats.org/presentationml/2006/main">
   <p:cSld>
     <p:spTree>
@@ -12875,10 +10907,9 @@
           <a:lstStyle/>
           <a:p>
             <a:r>
-              <a:rPr lang="en-US" dirty="0" smtClean="0"/>
+              <a:rPr lang="en-US" dirty="0"/>
               <a:t>Data Caching Demo</a:t>
             </a:r>
-            <a:endParaRPr lang="en-US" dirty="0"/>
           </a:p>
         </p:txBody>
       </p:sp>
@@ -12940,7 +10971,7 @@
 </p:sld>
 </file>
 
-<file path=ppt/slides/slide26.xml><?xml version="1.0" encoding="utf-8"?>
+<file path=ppt/slides/slide23.xml><?xml version="1.0" encoding="utf-8"?>
 <p:sld xmlns:a="http://schemas.openxmlformats.org/drawingml/2006/main" xmlns:r="http://schemas.openxmlformats.org/officeDocument/2006/relationships" xmlns:p="http://schemas.openxmlformats.org/presentationml/2006/main">
   <p:cSld>
     <p:spTree>
@@ -12973,10 +11004,9 @@
           <a:lstStyle/>
           <a:p>
             <a:r>
-              <a:rPr lang="en-US" dirty="0" smtClean="0"/>
+              <a:rPr lang="en-US" dirty="0"/>
               <a:t>Cache Dependencies</a:t>
             </a:r>
-            <a:endParaRPr lang="en-US" dirty="0"/>
           </a:p>
         </p:txBody>
       </p:sp>
@@ -12996,51 +11026,50 @@
           <a:lstStyle/>
           <a:p>
             <a:r>
-              <a:rPr lang="en-US" dirty="0" smtClean="0"/>
+              <a:rPr lang="en-US" dirty="0"/>
               <a:t>Cache dependencies can ensure that data is not stale</a:t>
             </a:r>
           </a:p>
           <a:p>
             <a:r>
-              <a:rPr lang="en-US" dirty="0" smtClean="0"/>
+              <a:rPr lang="en-US" dirty="0"/>
               <a:t>Cache entry can be flushed when:</a:t>
             </a:r>
           </a:p>
           <a:p>
             <a:pPr lvl="1"/>
             <a:r>
-              <a:rPr lang="en-US" dirty="0" smtClean="0"/>
+              <a:rPr lang="en-US" dirty="0"/>
               <a:t>A file changes</a:t>
             </a:r>
           </a:p>
           <a:p>
             <a:pPr lvl="1"/>
             <a:r>
-              <a:rPr lang="en-US" dirty="0" smtClean="0"/>
+              <a:rPr lang="en-US" dirty="0"/>
               <a:t>A directory changes</a:t>
             </a:r>
           </a:p>
           <a:p>
             <a:pPr lvl="1"/>
             <a:r>
-              <a:rPr lang="en-US" dirty="0" smtClean="0"/>
+              <a:rPr lang="en-US" dirty="0"/>
               <a:t>Another cache entry is removed</a:t>
             </a:r>
           </a:p>
           <a:p>
             <a:pPr lvl="1"/>
             <a:r>
-              <a:rPr lang="en-US" dirty="0" smtClean="0"/>
+              <a:rPr lang="en-US" dirty="0"/>
               <a:t>Something in the database changes</a:t>
             </a:r>
           </a:p>
           <a:p>
             <a:pPr lvl="2"/>
             <a:r>
-              <a:rPr lang="en-US" dirty="0" smtClean="0"/>
+              <a:rPr lang="en-US" dirty="0"/>
               <a:t>SQL Cache Dependencies</a:t>
             </a:r>
-            <a:endParaRPr lang="en-US" dirty="0"/>
           </a:p>
         </p:txBody>
       </p:sp>
@@ -13067,7 +11096,7 @@
               <a:pPr>
                 <a:defRPr/>
               </a:pPr>
-              <a:t>26</a:t>
+              <a:t>23</a:t>
             </a:fld>
             <a:endParaRPr lang="en-US" dirty="0"/>
           </a:p>
@@ -13086,7 +11115,7 @@
 </p:sld>
 </file>
 
-<file path=ppt/slides/slide27.xml><?xml version="1.0" encoding="utf-8"?>
+<file path=ppt/slides/slide24.xml><?xml version="1.0" encoding="utf-8"?>
 <p:sld xmlns:a="http://schemas.openxmlformats.org/drawingml/2006/main" xmlns:r="http://schemas.openxmlformats.org/officeDocument/2006/relationships" xmlns:p="http://schemas.openxmlformats.org/presentationml/2006/main">
   <p:cSld>
     <p:spTree>
@@ -13125,13 +11154,8 @@
           <a:p>
             <a:r>
               <a:rPr lang="en-US" dirty="0"/>
-              <a:t>Cache </a:t>
-            </a:r>
-            <a:r>
-              <a:rPr lang="en-US" dirty="0" smtClean="0"/>
-              <a:t>Dependencies Demo</a:t>
-            </a:r>
-            <a:endParaRPr lang="en-US" dirty="0"/>
+              <a:t>Cache Dependencies Demo</a:t>
+            </a:r>
           </a:p>
         </p:txBody>
       </p:sp>
@@ -13193,7 +11217,7 @@
 </p:sld>
 </file>
 
-<file path=ppt/slides/slide28.xml><?xml version="1.0" encoding="utf-8"?>
+<file path=ppt/slides/slide25.xml><?xml version="1.0" encoding="utf-8"?>
 <p:sld xmlns:a="http://schemas.openxmlformats.org/drawingml/2006/main" xmlns:r="http://schemas.openxmlformats.org/officeDocument/2006/relationships" xmlns:p="http://schemas.openxmlformats.org/presentationml/2006/main">
   <p:cSld>
     <p:spTree>
@@ -13258,7 +11282,7 @@
           <a:lstStyle/>
           <a:p>
             <a:r>
-              <a:rPr lang="en-US" dirty="0" smtClean="0">
+              <a:rPr lang="en-US" dirty="0">
                 <a:hlinkClick r:id="rId2"/>
               </a:rPr>
               <a:t>http://academy.telerik.com</a:t>
@@ -13277,17 +11301,10 @@
   <p:clrMapOvr>
     <a:masterClrMapping/>
   </p:clrMapOvr>
-  <p:timing>
-    <p:tnLst>
-      <p:par>
-        <p:cTn id="1" dur="indefinite" restart="never" nodeType="tmRoot"/>
-      </p:par>
-    </p:tnLst>
-  </p:timing>
 </p:sld>
 </file>
 
-<file path=ppt/slides/slide29.xml><?xml version="1.0" encoding="utf-8"?>
+<file path=ppt/slides/slide26.xml><?xml version="1.0" encoding="utf-8"?>
 <p:sld xmlns:a="http://schemas.openxmlformats.org/drawingml/2006/main" xmlns:r="http://schemas.openxmlformats.org/officeDocument/2006/relationships" xmlns:p="http://schemas.openxmlformats.org/presentationml/2006/main">
   <p:cSld>
     <p:spTree>
@@ -13320,10 +11337,9 @@
           <a:lstStyle/>
           <a:p>
             <a:r>
-              <a:rPr lang="en-US" sz="3600" dirty="0" smtClean="0"/>
+              <a:rPr lang="en-US" sz="3600" dirty="0"/>
               <a:t>Free Trainings @ Telerik Academy</a:t>
             </a:r>
-            <a:endParaRPr lang="en-US" sz="3600" dirty="0"/>
           </a:p>
         </p:txBody>
       </p:sp>
@@ -13348,7 +11364,7 @@
           <a:lstStyle/>
           <a:p>
             <a:r>
-              <a:rPr lang="en-US" dirty="0" smtClean="0"/>
+              <a:rPr lang="en-US" dirty="0"/>
               <a:t>C# Programming @ Telerik Academy</a:t>
             </a:r>
           </a:p>
@@ -13394,7 +11410,7 @@
               </a:tabLst>
             </a:pPr>
             <a:r>
-              <a:rPr lang="en-US" dirty="0" smtClean="0"/>
+              <a:rPr lang="en-US" dirty="0"/>
               <a:t>Telerik Software Academy</a:t>
             </a:r>
           </a:p>
@@ -13414,12 +11430,12 @@
               </a:tabLst>
             </a:pPr>
             <a:r>
-              <a:rPr lang="en-US" noProof="1" smtClean="0">
+              <a:rPr lang="en-US" noProof="1">
                 <a:hlinkClick r:id="rId3" tooltip="Telerik Software Academy - Free Programming Courses"/>
               </a:rPr>
               <a:t>academy.telerik.com</a:t>
             </a:r>
-            <a:endParaRPr lang="en-US" noProof="1" smtClean="0"/>
+            <a:endParaRPr lang="en-US" noProof="1"/>
           </a:p>
           <a:p>
             <a:pPr marL="282575" lvl="1" indent="-282575">
@@ -13440,7 +11456,7 @@
               </a:tabLst>
             </a:pPr>
             <a:r>
-              <a:rPr lang="en-US" dirty="0" smtClean="0"/>
+              <a:rPr lang="en-US" dirty="0"/>
               <a:t>Telerik Academy @ Facebook</a:t>
             </a:r>
           </a:p>
@@ -13460,12 +11476,12 @@
               </a:tabLst>
             </a:pPr>
             <a:r>
-              <a:rPr lang="en-US" noProof="1" smtClean="0">
+              <a:rPr lang="en-US" noProof="1">
                 <a:hlinkClick r:id="rId4" tooltip="Telerik Softyware Academy @ Facebook"/>
               </a:rPr>
               <a:t>facebook.com/TelerikAcademy</a:t>
             </a:r>
-            <a:endParaRPr lang="en-US" noProof="1" smtClean="0"/>
+            <a:endParaRPr lang="en-US" noProof="1"/>
           </a:p>
           <a:p>
             <a:pPr marL="282575" lvl="1" indent="-282575">
@@ -13486,7 +11502,7 @@
               </a:tabLst>
             </a:pPr>
             <a:r>
-              <a:rPr lang="en-US" dirty="0" smtClean="0"/>
+              <a:rPr lang="en-US" dirty="0"/>
               <a:t>Telerik Software Academy Forums</a:t>
             </a:r>
           </a:p>
@@ -13506,7 +11522,7 @@
               </a:tabLst>
             </a:pPr>
             <a:r>
-              <a:rPr lang="en-US" noProof="1" smtClean="0">
+              <a:rPr lang="en-US" noProof="1">
                 <a:hlinkClick r:id="rId5" tooltip="Telerik Software Academy Forums - Community for Programmers"/>
               </a:rPr>
               <a:t>forums.academy.telerik.com</a:t>
@@ -13750,7 +11766,7 @@
               <a:pPr>
                 <a:defRPr/>
               </a:pPr>
-              <a:t>29</a:t>
+              <a:t>26</a:t>
             </a:fld>
             <a:endParaRPr lang="en-US" dirty="0"/>
           </a:p>
@@ -13766,13 +11782,6 @@
   <p:clrMapOvr>
     <a:masterClrMapping/>
   </p:clrMapOvr>
-  <p:timing>
-    <p:tnLst>
-      <p:par>
-        <p:cTn id="1" dur="indefinite" restart="never" nodeType="tmRoot"/>
-      </p:par>
-    </p:tnLst>
-  </p:timing>
 </p:sld>
 </file>
 
@@ -13809,10 +11818,9 @@
           <a:lstStyle/>
           <a:p>
             <a:r>
-              <a:rPr lang="en-US" dirty="0" smtClean="0"/>
+              <a:rPr lang="en-US" dirty="0"/>
               <a:t>Benefits and Costs of Caching</a:t>
             </a:r>
-            <a:endParaRPr lang="en-US" dirty="0"/>
           </a:p>
         </p:txBody>
       </p:sp>
@@ -13840,10 +11848,10 @@
               </a:spcAft>
             </a:pPr>
             <a:r>
-              <a:rPr lang="en-US" dirty="0" smtClean="0"/>
+              <a:rPr lang="en-US" dirty="0"/>
               <a:t>Benefits of Caching</a:t>
             </a:r>
-            <a:endParaRPr lang="bg-BG" dirty="0" smtClean="0"/>
+            <a:endParaRPr lang="bg-BG" dirty="0"/>
           </a:p>
           <a:p>
             <a:pPr lvl="1">
@@ -13855,7 +11863,7 @@
               </a:spcAft>
             </a:pPr>
             <a:r>
-              <a:rPr lang="en-US" dirty="0" smtClean="0"/>
+              <a:rPr lang="en-US" dirty="0"/>
               <a:t>Performance</a:t>
             </a:r>
           </a:p>
@@ -13869,7 +11877,7 @@
               </a:spcAft>
             </a:pPr>
             <a:r>
-              <a:rPr lang="en-US" dirty="0" smtClean="0"/>
+              <a:rPr lang="en-US" dirty="0"/>
               <a:t>Speed – Reduced response time</a:t>
             </a:r>
           </a:p>
@@ -13883,7 +11891,7 @@
               </a:spcAft>
             </a:pPr>
             <a:r>
-              <a:rPr lang="en-US" dirty="0" smtClean="0"/>
+              <a:rPr lang="en-US" dirty="0"/>
               <a:t>Efficiency – Reduced infrastructure usage</a:t>
             </a:r>
           </a:p>
@@ -13897,7 +11905,7 @@
               </a:spcAft>
             </a:pPr>
             <a:r>
-              <a:rPr lang="en-US" dirty="0" smtClean="0"/>
+              <a:rPr lang="en-US" dirty="0"/>
               <a:t>CPU time, database utilization, network bandwidth</a:t>
             </a:r>
           </a:p>
@@ -13925,7 +11933,7 @@
               </a:spcAft>
             </a:pPr>
             <a:r>
-              <a:rPr lang="en-US" dirty="0" smtClean="0"/>
+              <a:rPr lang="en-US" dirty="0"/>
               <a:t>Costs of Caching</a:t>
             </a:r>
           </a:p>
@@ -13939,7 +11947,7 @@
               </a:spcAft>
             </a:pPr>
             <a:r>
-              <a:rPr lang="en-US" dirty="0" smtClean="0"/>
+              <a:rPr lang="en-US" dirty="0"/>
               <a:t>Staleness (out-of-date)</a:t>
             </a:r>
           </a:p>
@@ -13953,10 +11961,9 @@
               </a:spcAft>
             </a:pPr>
             <a:r>
-              <a:rPr lang="en-US" dirty="0" smtClean="0"/>
+              <a:rPr lang="en-US" dirty="0"/>
               <a:t>Need to check and refresh data</a:t>
             </a:r>
-            <a:endParaRPr lang="en-US" dirty="0"/>
           </a:p>
         </p:txBody>
       </p:sp>
@@ -14041,13 +12048,8 @@
           <a:p>
             <a:r>
               <a:rPr lang="en-US" dirty="0"/>
-              <a:t>ASP.NET Output </a:t>
-            </a:r>
-            <a:r>
-              <a:rPr lang="en-US" dirty="0" smtClean="0"/>
-              <a:t>Caching</a:t>
-            </a:r>
-            <a:endParaRPr lang="en-US" dirty="0"/>
+              <a:t>ASP.NET Output Caching</a:t>
+            </a:r>
           </a:p>
         </p:txBody>
       </p:sp>
@@ -14148,13 +12150,8 @@
           <a:p>
             <a:r>
               <a:rPr lang="en-US" dirty="0"/>
-              <a:t>ASP.NET </a:t>
-            </a:r>
-            <a:r>
-              <a:rPr lang="en-US" dirty="0" smtClean="0"/>
-              <a:t>Output Caching</a:t>
-            </a:r>
-            <a:endParaRPr lang="en-US" dirty="0"/>
+              <a:t>ASP.NET Output Caching</a:t>
+            </a:r>
           </a:p>
         </p:txBody>
       </p:sp>
@@ -14174,7 +12171,7 @@
           <a:lstStyle/>
           <a:p>
             <a:r>
-              <a:rPr lang="en-US" dirty="0" smtClean="0"/>
+              <a:rPr lang="en-US" dirty="0"/>
               <a:t>For relatively static pages, rendered content can be cached</a:t>
             </a:r>
           </a:p>
@@ -14185,31 +12182,14 @@
             </a:r>
             <a:r>
               <a:rPr lang="en-US" dirty="0"/>
-              <a:t> page directive in </a:t>
-            </a:r>
-            <a:r>
-              <a:rPr lang="en-US" dirty="0" smtClean="0"/>
-              <a:t>ASP.NET</a:t>
+              <a:t> action filter in ASP.NET MVC and ASP.NET Web API</a:t>
             </a:r>
           </a:p>
           <a:p>
             <a:endParaRPr lang="en-US" dirty="0"/>
           </a:p>
           <a:p>
-            <a:r>
-              <a:rPr lang="en-US" dirty="0" err="1"/>
-              <a:t>OutputCache</a:t>
-            </a:r>
-            <a:r>
-              <a:rPr lang="en-US" dirty="0"/>
-              <a:t> action filter in ASP.NET MVC and ASP.NET Web API</a:t>
-            </a:r>
-          </a:p>
-          <a:p>
-            <a:endParaRPr lang="en-US" dirty="0" smtClean="0"/>
-          </a:p>
-          <a:p>
-            <a:endParaRPr lang="en-US" dirty="0" smtClean="0"/>
+            <a:endParaRPr lang="en-US" dirty="0"/>
           </a:p>
         </p:txBody>
       </p:sp>
@@ -14244,302 +12224,6 @@
       </p:sp>
       <p:sp>
         <p:nvSpPr>
-          <p:cNvPr id="6" name="Text Placeholder 6"/>
-          <p:cNvSpPr txBox="1">
-            <a:spLocks/>
-          </p:cNvSpPr>
-          <p:nvPr/>
-        </p:nvSpPr>
-        <p:spPr>
-          <a:xfrm>
-            <a:off x="542453" y="2819400"/>
-            <a:ext cx="8077200" cy="400110"/>
-          </a:xfrm>
-          <a:prstGeom prst="rect">
-            <a:avLst/>
-          </a:prstGeom>
-          <a:solidFill>
-            <a:schemeClr val="accent5">
-              <a:lumMod val="40000"/>
-              <a:lumOff val="60000"/>
-              <a:alpha val="15000"/>
-            </a:schemeClr>
-          </a:solidFill>
-          <a:ln w="12700">
-            <a:solidFill>
-              <a:schemeClr val="accent5">
-                <a:lumMod val="60000"/>
-                <a:lumOff val="40000"/>
-              </a:schemeClr>
-            </a:solidFill>
-          </a:ln>
-        </p:spPr>
-        <p:txBody>
-          <a:bodyPr wrap="square">
-            <a:spAutoFit/>
-          </a:bodyPr>
-          <a:lstStyle>
-            <a:lvl1pPr marL="0" indent="0" algn="l" rtl="0" eaLnBrk="0" fontAlgn="base" hangingPunct="0">
-              <a:spcBef>
-                <a:spcPts val="0"/>
-              </a:spcBef>
-              <a:spcAft>
-                <a:spcPct val="0"/>
-              </a:spcAft>
-              <a:buClr>
-                <a:schemeClr val="accent5">
-                  <a:lumMod val="40000"/>
-                  <a:lumOff val="60000"/>
-                </a:schemeClr>
-              </a:buClr>
-              <a:buSzPct val="70000"/>
-              <a:buFont typeface="Wingdings 2" pitchFamily="18" charset="2"/>
-              <a:buNone/>
-              <a:defRPr lang="en-US" sz="2000" b="1" kern="1200" smtClean="0">
-                <a:solidFill>
-                  <a:srgbClr val="8CF4F2"/>
-                </a:solidFill>
-                <a:effectLst>
-                  <a:outerShdw blurRad="38100" dist="38100" dir="2700000" algn="tl">
-                    <a:srgbClr val="000000">
-                      <a:alpha val="43137"/>
-                    </a:srgbClr>
-                  </a:outerShdw>
-                </a:effectLst>
-                <a:latin typeface="Consolas" pitchFamily="49" charset="0"/>
-                <a:ea typeface="+mn-ea"/>
-                <a:cs typeface="Consolas" pitchFamily="49" charset="0"/>
-              </a:defRPr>
-            </a:lvl1pPr>
-            <a:lvl2pPr marL="630238" indent="-273050" algn="l" rtl="0" eaLnBrk="0" fontAlgn="base" hangingPunct="0">
-              <a:spcBef>
-                <a:spcPct val="20000"/>
-              </a:spcBef>
-              <a:spcAft>
-                <a:spcPct val="0"/>
-              </a:spcAft>
-              <a:buClr>
-                <a:schemeClr val="accent2">
-                  <a:lumMod val="60000"/>
-                  <a:lumOff val="40000"/>
-                </a:schemeClr>
-              </a:buClr>
-              <a:buFont typeface="Wingdings 2" pitchFamily="18" charset="2"/>
-              <a:buChar char=""/>
-              <a:defRPr sz="3000" b="1" kern="1200">
-                <a:solidFill>
-                  <a:schemeClr val="tx1">
-                    <a:lumMod val="20000"/>
-                    <a:lumOff val="80000"/>
-                  </a:schemeClr>
-                </a:solidFill>
-                <a:effectLst>
-                  <a:outerShdw blurRad="38100" dist="38100" dir="2700000" algn="tl">
-                    <a:srgbClr val="000000">
-                      <a:alpha val="43137"/>
-                    </a:srgbClr>
-                  </a:outerShdw>
-                </a:effectLst>
-                <a:latin typeface="+mn-lt"/>
-                <a:ea typeface="+mn-ea"/>
-                <a:cs typeface="+mn-cs"/>
-              </a:defRPr>
-            </a:lvl2pPr>
-            <a:lvl3pPr marL="922338" indent="-273050" algn="l" rtl="0" eaLnBrk="0" fontAlgn="base" hangingPunct="0">
-              <a:spcBef>
-                <a:spcPct val="20000"/>
-              </a:spcBef>
-              <a:spcAft>
-                <a:spcPct val="0"/>
-              </a:spcAft>
-              <a:buClr>
-                <a:schemeClr val="tx1">
-                  <a:lumMod val="50000"/>
-                </a:schemeClr>
-              </a:buClr>
-              <a:buFont typeface="Wingdings 2" pitchFamily="18" charset="2"/>
-              <a:buChar char=""/>
-              <a:defRPr sz="2800" b="1" kern="1200">
-                <a:solidFill>
-                  <a:schemeClr val="tx1">
-                    <a:lumMod val="20000"/>
-                    <a:lumOff val="80000"/>
-                  </a:schemeClr>
-                </a:solidFill>
-                <a:effectLst>
-                  <a:outerShdw blurRad="38100" dist="38100" dir="2700000" algn="tl">
-                    <a:srgbClr val="000000">
-                      <a:alpha val="43137"/>
-                    </a:srgbClr>
-                  </a:outerShdw>
-                </a:effectLst>
-                <a:latin typeface="+mn-lt"/>
-                <a:ea typeface="+mn-ea"/>
-                <a:cs typeface="+mn-cs"/>
-              </a:defRPr>
-            </a:lvl3pPr>
-            <a:lvl4pPr marL="1187450" indent="-228600" algn="l" rtl="0" eaLnBrk="0" fontAlgn="base" hangingPunct="0">
-              <a:spcBef>
-                <a:spcPct val="20000"/>
-              </a:spcBef>
-              <a:spcAft>
-                <a:spcPct val="0"/>
-              </a:spcAft>
-              <a:buClr>
-                <a:srgbClr val="F8BD52"/>
-              </a:buClr>
-              <a:buFont typeface="Wingdings 2" pitchFamily="18" charset="2"/>
-              <a:buChar char=""/>
-              <a:defRPr sz="2600" b="1" kern="1200">
-                <a:solidFill>
-                  <a:schemeClr val="tx1">
-                    <a:lumMod val="20000"/>
-                    <a:lumOff val="80000"/>
-                  </a:schemeClr>
-                </a:solidFill>
-                <a:effectLst>
-                  <a:outerShdw blurRad="38100" dist="38100" dir="2700000" algn="tl">
-                    <a:srgbClr val="000000">
-                      <a:alpha val="43137"/>
-                    </a:srgbClr>
-                  </a:outerShdw>
-                </a:effectLst>
-                <a:latin typeface="+mn-lt"/>
-                <a:ea typeface="+mn-ea"/>
-                <a:cs typeface="+mn-cs"/>
-              </a:defRPr>
-            </a:lvl4pPr>
-            <a:lvl5pPr marL="1425575" indent="-228600" algn="l" rtl="0" eaLnBrk="0" fontAlgn="base" hangingPunct="0">
-              <a:spcBef>
-                <a:spcPct val="20000"/>
-              </a:spcBef>
-              <a:spcAft>
-                <a:spcPct val="0"/>
-              </a:spcAft>
-              <a:buClr>
-                <a:srgbClr val="46A6BD"/>
-              </a:buClr>
-              <a:buFont typeface="Wingdings 2" pitchFamily="18" charset="2"/>
-              <a:buChar char=""/>
-              <a:defRPr sz="2400" b="1" kern="1200">
-                <a:solidFill>
-                  <a:schemeClr val="tx1">
-                    <a:lumMod val="20000"/>
-                    <a:lumOff val="80000"/>
-                  </a:schemeClr>
-                </a:solidFill>
-                <a:effectLst>
-                  <a:outerShdw blurRad="38100" dist="38100" dir="2700000" algn="tl">
-                    <a:srgbClr val="000000">
-                      <a:alpha val="43137"/>
-                    </a:srgbClr>
-                  </a:outerShdw>
-                </a:effectLst>
-                <a:latin typeface="+mn-lt"/>
-                <a:ea typeface="+mn-ea"/>
-                <a:cs typeface="+mn-cs"/>
-              </a:defRPr>
-            </a:lvl5pPr>
-            <a:lvl6pPr marL="1673352" indent="-228600" algn="l" rtl="0" eaLnBrk="1" latinLnBrk="0" hangingPunct="1">
-              <a:spcBef>
-                <a:spcPct val="20000"/>
-              </a:spcBef>
-              <a:buClr>
-                <a:schemeClr val="accent6"/>
-              </a:buClr>
-              <a:buFont typeface="Wingdings 2"/>
-              <a:buChar char=""/>
-              <a:defRPr sz="1800" kern="1200">
-                <a:solidFill>
-                  <a:schemeClr val="tx1"/>
-                </a:solidFill>
-                <a:latin typeface="+mn-lt"/>
-                <a:ea typeface="+mn-ea"/>
-                <a:cs typeface="+mn-cs"/>
-              </a:defRPr>
-            </a:lvl6pPr>
-            <a:lvl7pPr marL="1911096" indent="-228600" algn="l" rtl="0" eaLnBrk="1" latinLnBrk="0" hangingPunct="1">
-              <a:spcBef>
-                <a:spcPct val="20000"/>
-              </a:spcBef>
-              <a:buClr>
-                <a:schemeClr val="tx2"/>
-              </a:buClr>
-              <a:buFont typeface="Wingdings 2"/>
-              <a:buChar char=""/>
-              <a:defRPr sz="1600" kern="1200">
-                <a:solidFill>
-                  <a:schemeClr val="tx1"/>
-                </a:solidFill>
-                <a:latin typeface="+mn-lt"/>
-                <a:ea typeface="+mn-ea"/>
-                <a:cs typeface="+mn-cs"/>
-              </a:defRPr>
-            </a:lvl7pPr>
-            <a:lvl8pPr marL="2121408" indent="-182880" algn="l" rtl="0" eaLnBrk="1" latinLnBrk="0" hangingPunct="1">
-              <a:spcBef>
-                <a:spcPct val="20000"/>
-              </a:spcBef>
-              <a:buClr>
-                <a:schemeClr val="tx2"/>
-              </a:buClr>
-              <a:buFont typeface="Wingdings 2"/>
-              <a:buChar char=""/>
-              <a:defRPr sz="1400" kern="1200">
-                <a:solidFill>
-                  <a:schemeClr val="tx1"/>
-                </a:solidFill>
-                <a:latin typeface="+mn-lt"/>
-                <a:ea typeface="+mn-ea"/>
-                <a:cs typeface="+mn-cs"/>
-              </a:defRPr>
-            </a:lvl8pPr>
-            <a:lvl9pPr marL="2322576" indent="-182880" algn="l" rtl="0" eaLnBrk="1" latinLnBrk="0" hangingPunct="1">
-              <a:spcBef>
-                <a:spcPct val="20000"/>
-              </a:spcBef>
-              <a:buClr>
-                <a:schemeClr val="tx2"/>
-              </a:buClr>
-              <a:buFont typeface="Wingdings 2"/>
-              <a:buChar char=""/>
-              <a:defRPr sz="1400" kern="1200">
-                <a:solidFill>
-                  <a:schemeClr val="tx1"/>
-                </a:solidFill>
-                <a:latin typeface="+mn-lt"/>
-                <a:ea typeface="+mn-ea"/>
-                <a:cs typeface="+mn-cs"/>
-              </a:defRPr>
-            </a:lvl9pPr>
-          </a:lstStyle>
-          <a:p>
-            <a:r>
-              <a:rPr lang="en-US" dirty="0" smtClean="0"/>
-              <a:t>&lt;%@ </a:t>
-            </a:r>
-            <a:r>
-              <a:rPr lang="en-US" dirty="0" err="1" smtClean="0"/>
-              <a:t>OutputCache</a:t>
-            </a:r>
-            <a:r>
-              <a:rPr lang="en-US" dirty="0" smtClean="0"/>
-              <a:t> Duration="10" </a:t>
-            </a:r>
-            <a:r>
-              <a:rPr lang="en-US" dirty="0" err="1" smtClean="0"/>
-              <a:t>VaryByParam</a:t>
-            </a:r>
-            <a:r>
-              <a:rPr lang="en-US" dirty="0" smtClean="0"/>
-              <a:t>="none" %&gt;</a:t>
-            </a:r>
-            <a:endParaRPr lang="en-US" dirty="0"/>
-          </a:p>
-        </p:txBody>
-      </p:sp>
-      <p:sp>
-        <p:nvSpPr>
           <p:cNvPr id="7" name="Text Placeholder 6"/>
           <p:cNvSpPr txBox="1">
             <a:spLocks/>
@@ -14548,7 +12232,7 @@
         </p:nvSpPr>
         <p:spPr>
           <a:xfrm>
-            <a:off x="542453" y="4626114"/>
+            <a:off x="609600" y="3379857"/>
             <a:ext cx="8077200" cy="707886"/>
           </a:xfrm>
           <a:prstGeom prst="rect">
@@ -14811,29 +12495,25 @@
           </a:lstStyle>
           <a:p>
             <a:r>
-              <a:rPr lang="en-US" dirty="0" smtClean="0"/>
+              <a:rPr lang="en-US" dirty="0"/>
               <a:t>[</a:t>
             </a:r>
             <a:r>
-              <a:rPr lang="en-US" dirty="0" err="1" smtClean="0"/>
+              <a:rPr lang="en-US" dirty="0" err="1"/>
               <a:t>OutputCache</a:t>
             </a:r>
             <a:r>
-              <a:rPr lang="en-US" dirty="0" smtClean="0"/>
+              <a:rPr lang="en-US" dirty="0"/>
               <a:t>(Duration=10)]</a:t>
             </a:r>
           </a:p>
           <a:p>
             <a:r>
               <a:rPr lang="en-US" dirty="0"/>
-              <a:t>p</a:t>
-            </a:r>
-            <a:r>
-              <a:rPr lang="en-US" dirty="0" smtClean="0"/>
-              <a:t>ublic </a:t>
-            </a:r>
-            <a:r>
-              <a:rPr lang="en-US" dirty="0" err="1" smtClean="0"/>
+              <a:t>public </a:t>
+            </a:r>
+            <a:r>
+              <a:rPr lang="en-US" dirty="0" err="1"/>
               <a:t>ActionResult</a:t>
             </a:r>
             <a:r>
@@ -14841,14 +12521,13 @@
               <a:t> </a:t>
             </a:r>
             <a:r>
-              <a:rPr lang="en-US" dirty="0" err="1" smtClean="0"/>
+              <a:rPr lang="en-US" dirty="0" err="1"/>
               <a:t>MyAction</a:t>
             </a:r>
             <a:r>
-              <a:rPr lang="en-US" dirty="0" smtClean="0"/>
+              <a:rPr lang="en-US" dirty="0"/>
               <a:t>() { ... }</a:t>
             </a:r>
-            <a:endParaRPr lang="en-US" dirty="0"/>
           </a:p>
         </p:txBody>
       </p:sp>
@@ -14903,13 +12582,8 @@
             </a:r>
             <a:r>
               <a:rPr lang="en-US" dirty="0"/>
-              <a:t> </a:t>
-            </a:r>
-            <a:r>
-              <a:rPr lang="en-US" dirty="0" smtClean="0"/>
-              <a:t>Attributes</a:t>
-            </a:r>
-            <a:endParaRPr lang="en-US" dirty="0"/>
+              <a:t> Attributes</a:t>
+            </a:r>
           </a:p>
         </p:txBody>
       </p:sp>
@@ -14939,9 +12613,27 @@
                 <a:tableStyleId>{073A0DAA-6AF3-43AB-8588-CEC1D06C72B9}</a:tableStyleId>
               </a:tblPr>
               <a:tblGrid>
-                <a:gridCol w="1510393"/>
-                <a:gridCol w="1434873"/>
-                <a:gridCol w="5512934"/>
+                <a:gridCol w="1510393">
+                  <a:extLst>
+                    <a:ext uri="{9D8B030D-6E8A-4147-A177-3AD203B41FA5}">
+                      <a16:colId xmlns:a16="http://schemas.microsoft.com/office/drawing/2014/main" val="20000"/>
+                    </a:ext>
+                  </a:extLst>
+                </a:gridCol>
+                <a:gridCol w="1434873">
+                  <a:extLst>
+                    <a:ext uri="{9D8B030D-6E8A-4147-A177-3AD203B41FA5}">
+                      <a16:colId xmlns:a16="http://schemas.microsoft.com/office/drawing/2014/main" val="20001"/>
+                    </a:ext>
+                  </a:extLst>
+                </a:gridCol>
+                <a:gridCol w="5512934">
+                  <a:extLst>
+                    <a:ext uri="{9D8B030D-6E8A-4147-A177-3AD203B41FA5}">
+                      <a16:colId xmlns:a16="http://schemas.microsoft.com/office/drawing/2014/main" val="20002"/>
+                    </a:ext>
+                  </a:extLst>
+                </a:gridCol>
               </a:tblGrid>
               <a:tr h="370840">
                 <a:tc>
@@ -14950,10 +12642,9 @@
                     <a:lstStyle/>
                     <a:p>
                       <a:r>
-                        <a:rPr lang="en-US" dirty="0" smtClean="0"/>
+                        <a:rPr lang="en-US" dirty="0"/>
                         <a:t>Name</a:t>
                       </a:r>
-                      <a:endParaRPr lang="en-US" dirty="0"/>
                     </a:p>
                   </a:txBody>
                   <a:tcPr/>
@@ -14964,10 +12655,9 @@
                     <a:lstStyle/>
                     <a:p>
                       <a:r>
-                        <a:rPr lang="en-US" dirty="0" smtClean="0"/>
+                        <a:rPr lang="en-US" dirty="0"/>
                         <a:t>Values</a:t>
                       </a:r>
-                      <a:endParaRPr lang="en-US" dirty="0"/>
                     </a:p>
                   </a:txBody>
                   <a:tcPr/>
@@ -14978,14 +12668,18 @@
                     <a:lstStyle/>
                     <a:p>
                       <a:r>
-                        <a:rPr lang="en-US" dirty="0" smtClean="0"/>
+                        <a:rPr lang="en-US" dirty="0"/>
                         <a:t>Description</a:t>
                       </a:r>
-                      <a:endParaRPr lang="en-US" dirty="0"/>
                     </a:p>
                   </a:txBody>
                   <a:tcPr/>
                 </a:tc>
+                <a:extLst>
+                  <a:ext uri="{0D108BD9-81ED-4DB2-BD59-A6C34878D82A}">
+                    <a16:rowId xmlns:a16="http://schemas.microsoft.com/office/drawing/2014/main" val="10000"/>
+                  </a:ext>
+                </a:extLst>
               </a:tr>
               <a:tr h="370840">
                 <a:tc>
@@ -14994,10 +12688,9 @@
                     <a:lstStyle/>
                     <a:p>
                       <a:r>
-                        <a:rPr lang="en-US" sz="1600" dirty="0" smtClean="0"/>
+                        <a:rPr lang="en-US" sz="1600" dirty="0"/>
                         <a:t>Duration</a:t>
                       </a:r>
-                      <a:endParaRPr lang="en-US" sz="1600" dirty="0"/>
                     </a:p>
                   </a:txBody>
                   <a:tcPr/>
@@ -15008,10 +12701,9 @@
                     <a:lstStyle/>
                     <a:p>
                       <a:r>
-                        <a:rPr lang="en-US" sz="1600" dirty="0" smtClean="0"/>
+                        <a:rPr lang="en-US" sz="1600" dirty="0"/>
                         <a:t>number</a:t>
                       </a:r>
-                      <a:endParaRPr lang="en-US" sz="1600" dirty="0"/>
                     </a:p>
                   </a:txBody>
                   <a:tcPr/>
@@ -15022,14 +12714,18 @@
                     <a:lstStyle/>
                     <a:p>
                       <a:r>
-                        <a:rPr lang="en-US" sz="1600" dirty="0" smtClean="0"/>
+                        <a:rPr lang="en-US" sz="1600" dirty="0"/>
                         <a:t>Time, in seconds, that the page or user control is cached</a:t>
                       </a:r>
-                      <a:endParaRPr lang="en-US" sz="1600" dirty="0"/>
                     </a:p>
                   </a:txBody>
                   <a:tcPr/>
                 </a:tc>
+                <a:extLst>
+                  <a:ext uri="{0D108BD9-81ED-4DB2-BD59-A6C34878D82A}">
+                    <a16:rowId xmlns:a16="http://schemas.microsoft.com/office/drawing/2014/main" val="10001"/>
+                  </a:ext>
+                </a:extLst>
               </a:tr>
               <a:tr h="370840">
                 <a:tc>
@@ -15038,10 +12734,9 @@
                     <a:lstStyle/>
                     <a:p>
                       <a:r>
-                        <a:rPr lang="en-US" sz="1600" dirty="0" smtClean="0"/>
+                        <a:rPr lang="en-US" sz="1600" dirty="0"/>
                         <a:t>Location</a:t>
                       </a:r>
-                      <a:endParaRPr lang="en-US" sz="1600" dirty="0"/>
                     </a:p>
                   </a:txBody>
                   <a:tcPr/>
@@ -15052,34 +12747,33 @@
                     <a:lstStyle/>
                     <a:p>
                       <a:r>
-                        <a:rPr lang="en-US" sz="1600" dirty="0" smtClean="0"/>
+                        <a:rPr lang="en-US" sz="1600" dirty="0"/>
                         <a:t>'Any'</a:t>
                       </a:r>
                     </a:p>
                     <a:p>
                       <a:r>
-                        <a:rPr lang="en-US" sz="1600" dirty="0" smtClean="0"/>
+                        <a:rPr lang="en-US" sz="1600" dirty="0"/>
                         <a:t>'Client'</a:t>
                       </a:r>
                     </a:p>
                     <a:p>
                       <a:r>
-                        <a:rPr lang="en-US" sz="1600" dirty="0" smtClean="0"/>
+                        <a:rPr lang="en-US" sz="1600" dirty="0"/>
                         <a:t>'Downstream'</a:t>
                       </a:r>
                     </a:p>
                     <a:p>
                       <a:r>
-                        <a:rPr lang="en-US" sz="1600" dirty="0" smtClean="0"/>
+                        <a:rPr lang="en-US" sz="1600" dirty="0"/>
                         <a:t>'Server'</a:t>
                       </a:r>
                     </a:p>
                     <a:p>
                       <a:r>
-                        <a:rPr lang="en-US" sz="1600" dirty="0" smtClean="0"/>
+                        <a:rPr lang="en-US" sz="1600" dirty="0"/>
                         <a:t>'None'</a:t>
                       </a:r>
-                      <a:endParaRPr lang="en-US" sz="1600" dirty="0"/>
                     </a:p>
                   </a:txBody>
                   <a:tcPr/>
@@ -15090,44 +12784,48 @@
                     <a:lstStyle/>
                     <a:p>
                       <a:r>
-                        <a:rPr lang="en-US" sz="1600" dirty="0" smtClean="0"/>
+                        <a:rPr lang="en-US" sz="1600" dirty="0"/>
                         <a:t>Controls the header and meta tags sent to clients indicating where this page can be cached.</a:t>
                       </a:r>
                     </a:p>
                     <a:p>
                       <a:r>
-                        <a:rPr lang="en-US" sz="1600" dirty="0" smtClean="0"/>
+                        <a:rPr lang="en-US" sz="1600" dirty="0"/>
                         <a:t>'Any' means that the page can be cached on the browser client, a downstream server, or the server.</a:t>
                       </a:r>
                     </a:p>
                     <a:p>
                       <a:r>
-                        <a:rPr lang="en-US" sz="1600" dirty="0" smtClean="0"/>
+                        <a:rPr lang="en-US" sz="1600" dirty="0"/>
                         <a:t>'Client' means that the page will be cached on the client browser only.</a:t>
                       </a:r>
                     </a:p>
                     <a:p>
                       <a:r>
-                        <a:rPr lang="en-US" sz="1600" dirty="0" smtClean="0"/>
+                        <a:rPr lang="en-US" sz="1600" dirty="0"/>
                         <a:t>'Downstream' means that the page will be cached on a downstream server and the client.</a:t>
                       </a:r>
                     </a:p>
                     <a:p>
                       <a:r>
-                        <a:rPr lang="en-US" sz="1600" dirty="0" smtClean="0"/>
+                        <a:rPr lang="en-US" sz="1600" dirty="0"/>
                         <a:t>'Server' means that the page will be cached on the server only.</a:t>
                       </a:r>
                     </a:p>
                     <a:p>
                       <a:r>
-                        <a:rPr lang="en-US" sz="1600" dirty="0" smtClean="0"/>
+                        <a:rPr lang="en-US" sz="1600" dirty="0"/>
                         <a:t>'None' disables output caching for this page.</a:t>
                       </a:r>
-                      <a:endParaRPr lang="en-US" sz="1600" dirty="0"/>
                     </a:p>
                   </a:txBody>
                   <a:tcPr/>
                 </a:tc>
+                <a:extLst>
+                  <a:ext uri="{0D108BD9-81ED-4DB2-BD59-A6C34878D82A}">
+                    <a16:rowId xmlns:a16="http://schemas.microsoft.com/office/drawing/2014/main" val="10002"/>
+                  </a:ext>
+                </a:extLst>
               </a:tr>
               <a:tr h="370840">
                 <a:tc>
@@ -15136,7 +12834,7 @@
                     <a:lstStyle/>
                     <a:p>
                       <a:r>
-                        <a:rPr lang="en-US" sz="1600" dirty="0" err="1" smtClean="0"/>
+                        <a:rPr lang="en-US" sz="1600" dirty="0" err="1"/>
                         <a:t>VaryByCustom</a:t>
                       </a:r>
                       <a:endParaRPr lang="en-US" sz="1600" dirty="0"/>
@@ -15150,16 +12848,15 @@
                     <a:lstStyle/>
                     <a:p>
                       <a:r>
-                        <a:rPr lang="en-US" sz="1600" dirty="0" smtClean="0"/>
+                        <a:rPr lang="en-US" sz="1600" dirty="0"/>
                         <a:t>'Browser'</a:t>
                       </a:r>
                     </a:p>
                     <a:p>
                       <a:r>
-                        <a:rPr lang="en-US" sz="1600" dirty="0" smtClean="0"/>
+                        <a:rPr lang="en-US" sz="1600" dirty="0"/>
                         <a:t>custom string</a:t>
                       </a:r>
-                      <a:endParaRPr lang="en-US" sz="1600" dirty="0"/>
                     </a:p>
                   </a:txBody>
                   <a:tcPr/>
@@ -15170,7 +12867,7 @@
                     <a:lstStyle/>
                     <a:p>
                       <a:r>
-                        <a:rPr lang="en-US" sz="1600" kern="1200" dirty="0" smtClean="0">
+                        <a:rPr lang="en-US" sz="1600" kern="1200" dirty="0">
                           <a:solidFill>
                             <a:schemeClr val="dk1"/>
                           </a:solidFill>
@@ -15181,7 +12878,7 @@
                         <a:t>Either vary the output cache by browser name and version, or by a custom string, which must be handled in an overridden version of </a:t>
                       </a:r>
                       <a:r>
-                        <a:rPr lang="en-US" sz="1600" kern="1200" dirty="0" err="1" smtClean="0">
+                        <a:rPr lang="en-US" sz="1600" kern="1200" dirty="0" err="1">
                           <a:solidFill>
                             <a:schemeClr val="dk1"/>
                           </a:solidFill>
@@ -15192,7 +12889,7 @@
                         <a:t>GetVaryByCustomString</a:t>
                       </a:r>
                       <a:r>
-                        <a:rPr lang="en-US" sz="1600" kern="1200" dirty="0" smtClean="0">
+                        <a:rPr lang="en-US" sz="1600" kern="1200" dirty="0">
                           <a:solidFill>
                             <a:schemeClr val="dk1"/>
                           </a:solidFill>
@@ -15202,18 +12899,15 @@
                         </a:rPr>
                         <a:t>().</a:t>
                       </a:r>
-                      <a:endParaRPr lang="en-US" sz="1600" kern="1200" dirty="0">
-                        <a:solidFill>
-                          <a:schemeClr val="dk1"/>
-                        </a:solidFill>
-                        <a:latin typeface="+mn-lt"/>
-                        <a:ea typeface="+mn-ea"/>
-                        <a:cs typeface="+mn-cs"/>
-                      </a:endParaRPr>
                     </a:p>
                   </a:txBody>
                   <a:tcPr/>
                 </a:tc>
+                <a:extLst>
+                  <a:ext uri="{0D108BD9-81ED-4DB2-BD59-A6C34878D82A}">
+                    <a16:rowId xmlns:a16="http://schemas.microsoft.com/office/drawing/2014/main" val="10003"/>
+                  </a:ext>
+                </a:extLst>
               </a:tr>
               <a:tr h="370840">
                 <a:tc>
@@ -15222,7 +12916,7 @@
                     <a:lstStyle/>
                     <a:p>
                       <a:r>
-                        <a:rPr lang="en-US" sz="1600" dirty="0" err="1" smtClean="0"/>
+                        <a:rPr lang="en-US" sz="1600" dirty="0" err="1"/>
                         <a:t>VaryByHeader</a:t>
                       </a:r>
                       <a:endParaRPr lang="en-US" sz="1600" dirty="0"/>
@@ -15236,13 +12930,13 @@
                     <a:lstStyle/>
                     <a:p>
                       <a:r>
-                        <a:rPr lang="en-US" sz="1600" smtClean="0"/>
+                        <a:rPr lang="en-US" sz="1600"/>
                         <a:t>'*'</a:t>
                       </a:r>
                     </a:p>
                     <a:p>
                       <a:r>
-                        <a:rPr lang="en-US" sz="1600" smtClean="0"/>
+                        <a:rPr lang="en-US" sz="1600"/>
                         <a:t>header names</a:t>
                       </a:r>
                       <a:endParaRPr lang="en-US" sz="1600" dirty="0"/>
@@ -15273,7 +12967,7 @@
                         <a:defRPr/>
                       </a:pPr>
                       <a:r>
-                        <a:rPr lang="en-US" sz="1600" kern="1200" dirty="0" smtClean="0">
+                        <a:rPr lang="en-US" sz="1600" kern="1200" dirty="0">
                           <a:solidFill>
                             <a:schemeClr val="dk1"/>
                           </a:solidFill>
@@ -15283,18 +12977,15 @@
                         </a:rPr>
                         <a:t>A semi-colon separated list of strings representing headers submitted by a client.</a:t>
                       </a:r>
-                      <a:endParaRPr lang="en-US" sz="1600" kern="1200" dirty="0">
-                        <a:solidFill>
-                          <a:schemeClr val="dk1"/>
-                        </a:solidFill>
-                        <a:latin typeface="+mn-lt"/>
-                        <a:ea typeface="+mn-ea"/>
-                        <a:cs typeface="+mn-cs"/>
-                      </a:endParaRPr>
                     </a:p>
                   </a:txBody>
                   <a:tcPr/>
                 </a:tc>
+                <a:extLst>
+                  <a:ext uri="{0D108BD9-81ED-4DB2-BD59-A6C34878D82A}">
+                    <a16:rowId xmlns:a16="http://schemas.microsoft.com/office/drawing/2014/main" val="10004"/>
+                  </a:ext>
+                </a:extLst>
               </a:tr>
               <a:tr h="370840">
                 <a:tc>
@@ -15303,7 +12994,7 @@
                     <a:lstStyle/>
                     <a:p>
                       <a:r>
-                        <a:rPr lang="en-US" sz="1600" dirty="0" err="1" smtClean="0"/>
+                        <a:rPr lang="en-US" sz="1600" dirty="0" err="1"/>
                         <a:t>VaryByParam</a:t>
                       </a:r>
                       <a:endParaRPr lang="en-US" sz="1600" dirty="0"/>
@@ -15317,26 +13008,25 @@
                     <a:lstStyle/>
                     <a:p>
                       <a:r>
-                        <a:rPr lang="en-US" sz="1600" dirty="0" smtClean="0"/>
+                        <a:rPr lang="en-US" sz="1600" dirty="0"/>
                         <a:t>'none'</a:t>
                       </a:r>
                     </a:p>
                     <a:p>
                       <a:r>
-                        <a:rPr lang="en-US" sz="1600" dirty="0" smtClean="0"/>
+                        <a:rPr lang="en-US" sz="1600" dirty="0"/>
                         <a:t>'*'</a:t>
                       </a:r>
                     </a:p>
                     <a:p>
                       <a:r>
-                        <a:rPr lang="en-US" sz="1600" dirty="0" err="1" smtClean="0"/>
+                        <a:rPr lang="en-US" sz="1600" dirty="0" err="1"/>
                         <a:t>param</a:t>
                       </a:r>
                       <a:r>
-                        <a:rPr lang="en-US" sz="1600" dirty="0" smtClean="0"/>
+                        <a:rPr lang="en-US" sz="1600" dirty="0"/>
                         <a:t> name</a:t>
                       </a:r>
-                      <a:endParaRPr lang="en-US" sz="1600" dirty="0"/>
                     </a:p>
                   </a:txBody>
                   <a:tcPr/>
@@ -15347,7 +13037,7 @@
                     <a:lstStyle/>
                     <a:p>
                       <a:r>
-                        <a:rPr lang="en-US" sz="1600" kern="1200" dirty="0" smtClean="0">
+                        <a:rPr lang="en-US" sz="1600" kern="1200" dirty="0">
                           <a:solidFill>
                             <a:schemeClr val="dk1"/>
                           </a:solidFill>
@@ -15357,18 +13047,15 @@
                         </a:rPr>
                         <a:t>A semi-colon separated list of strings representing query string values in a GET request, or variables in a POST request.</a:t>
                       </a:r>
-                      <a:endParaRPr lang="en-US" sz="1600" kern="1200" dirty="0">
-                        <a:solidFill>
-                          <a:schemeClr val="dk1"/>
-                        </a:solidFill>
-                        <a:latin typeface="+mn-lt"/>
-                        <a:ea typeface="+mn-ea"/>
-                        <a:cs typeface="+mn-cs"/>
-                      </a:endParaRPr>
                     </a:p>
                   </a:txBody>
                   <a:tcPr/>
                 </a:tc>
+                <a:extLst>
+                  <a:ext uri="{0D108BD9-81ED-4DB2-BD59-A6C34878D82A}">
+                    <a16:rowId xmlns:a16="http://schemas.microsoft.com/office/drawing/2014/main" val="10005"/>
+                  </a:ext>
+                </a:extLst>
               </a:tr>
             </a:tbl>
           </a:graphicData>
@@ -15485,11 +13172,7 @@
             </a:pPr>
             <a:r>
               <a:rPr lang="en-US" dirty="0"/>
-              <a:t>3 types of </a:t>
-            </a:r>
-            <a:r>
-              <a:rPr lang="en-US" dirty="0" smtClean="0"/>
-              <a:t>caching with the 'location' attribute:</a:t>
+              <a:t>3 types of caching with the 'location' attribute:</a:t>
             </a:r>
           </a:p>
           <a:p>
@@ -15503,19 +13186,7 @@
             </a:pPr>
             <a:r>
               <a:rPr lang="en-US" dirty="0"/>
-              <a:t>server </a:t>
-            </a:r>
-            <a:r>
-              <a:rPr lang="en-US" dirty="0" smtClean="0"/>
-              <a:t>– pages </a:t>
-            </a:r>
-            <a:r>
-              <a:rPr lang="en-US" dirty="0"/>
-              <a:t>are cached in the worker </a:t>
-            </a:r>
-            <a:r>
-              <a:rPr lang="en-US" dirty="0" smtClean="0"/>
-              <a:t>process</a:t>
+              <a:t>server – pages are cached in the worker process</a:t>
             </a:r>
           </a:p>
           <a:p>
@@ -15529,19 +13200,7 @@
             </a:pPr>
             <a:r>
               <a:rPr lang="en-US" dirty="0"/>
-              <a:t>client </a:t>
-            </a:r>
-            <a:r>
-              <a:rPr lang="en-US" dirty="0" smtClean="0"/>
-              <a:t>– pages </a:t>
-            </a:r>
-            <a:r>
-              <a:rPr lang="en-US" dirty="0"/>
-              <a:t>are cached in client browsers that support </a:t>
-            </a:r>
-            <a:r>
-              <a:rPr lang="en-US" dirty="0" smtClean="0"/>
-              <a:t>it</a:t>
+              <a:t>client – pages are cached in client browsers that support it</a:t>
             </a:r>
           </a:p>
           <a:p>
@@ -15555,36 +13214,15 @@
             </a:pPr>
             <a:r>
               <a:rPr lang="en-US" dirty="0"/>
-              <a:t>proxy </a:t>
-            </a:r>
-            <a:r>
-              <a:rPr lang="en-US" dirty="0" smtClean="0"/>
-              <a:t>– pages </a:t>
-            </a:r>
-            <a:r>
-              <a:rPr lang="en-US" dirty="0"/>
-              <a:t>are </a:t>
-            </a:r>
-            <a:r>
-              <a:rPr lang="en-US" dirty="0" smtClean="0"/>
-              <a:t>potentially</a:t>
+              <a:t>proxy – pages are potentially</a:t>
             </a:r>
             <a:br>
-              <a:rPr lang="en-US" dirty="0" smtClean="0"/>
+              <a:rPr lang="en-US" dirty="0"/>
             </a:br>
             <a:r>
-              <a:rPr lang="en-US" dirty="0" smtClean="0"/>
-              <a:t>cached </a:t>
-            </a:r>
-            <a:r>
-              <a:rPr lang="en-US" dirty="0"/>
-              <a:t>by downstream </a:t>
-            </a:r>
-            <a:r>
-              <a:rPr lang="en-US" dirty="0" smtClean="0"/>
-              <a:t>proxies</a:t>
-            </a:r>
-            <a:endParaRPr lang="en-US" dirty="0"/>
+              <a:rPr lang="en-US" dirty="0"/>
+              <a:t>cached by downstream proxies</a:t>
+            </a:r>
           </a:p>
         </p:txBody>
       </p:sp>
@@ -15642,10 +13280,34 @@
                 <a:tableStyleId>{073A0DAA-6AF3-43AB-8588-CEC1D06C72B9}</a:tableStyleId>
               </a:tblPr>
               <a:tblGrid>
-                <a:gridCol w="1371600"/>
-                <a:gridCol w="2365828"/>
-                <a:gridCol w="1868714"/>
-                <a:gridCol w="2013858"/>
+                <a:gridCol w="1371600">
+                  <a:extLst>
+                    <a:ext uri="{9D8B030D-6E8A-4147-A177-3AD203B41FA5}">
+                      <a16:colId xmlns:a16="http://schemas.microsoft.com/office/drawing/2014/main" val="20000"/>
+                    </a:ext>
+                  </a:extLst>
+                </a:gridCol>
+                <a:gridCol w="2365828">
+                  <a:extLst>
+                    <a:ext uri="{9D8B030D-6E8A-4147-A177-3AD203B41FA5}">
+                      <a16:colId xmlns:a16="http://schemas.microsoft.com/office/drawing/2014/main" val="20001"/>
+                    </a:ext>
+                  </a:extLst>
+                </a:gridCol>
+                <a:gridCol w="1868714">
+                  <a:extLst>
+                    <a:ext uri="{9D8B030D-6E8A-4147-A177-3AD203B41FA5}">
+                      <a16:colId xmlns:a16="http://schemas.microsoft.com/office/drawing/2014/main" val="20002"/>
+                    </a:ext>
+                  </a:extLst>
+                </a:gridCol>
+                <a:gridCol w="2013858">
+                  <a:extLst>
+                    <a:ext uri="{9D8B030D-6E8A-4147-A177-3AD203B41FA5}">
+                      <a16:colId xmlns:a16="http://schemas.microsoft.com/office/drawing/2014/main" val="20003"/>
+                    </a:ext>
+                  </a:extLst>
+                </a:gridCol>
               </a:tblGrid>
               <a:tr h="322580">
                 <a:tc>
@@ -15654,10 +13316,9 @@
                     <a:lstStyle/>
                     <a:p>
                       <a:r>
-                        <a:rPr lang="en-US" dirty="0" smtClean="0"/>
+                        <a:rPr lang="en-US" dirty="0"/>
                         <a:t>Value</a:t>
                       </a:r>
-                      <a:endParaRPr lang="en-US" dirty="0"/>
                     </a:p>
                   </a:txBody>
                   <a:tcPr/>
@@ -15668,10 +13329,9 @@
                     <a:lstStyle/>
                     <a:p>
                       <a:r>
-                        <a:rPr lang="en-US" dirty="0" smtClean="0"/>
+                        <a:rPr lang="en-US" dirty="0"/>
                         <a:t>Cache-Control header</a:t>
                       </a:r>
-                      <a:endParaRPr lang="en-US" dirty="0"/>
                     </a:p>
                   </a:txBody>
                   <a:tcPr/>
@@ -15682,10 +13342,9 @@
                     <a:lstStyle/>
                     <a:p>
                       <a:r>
-                        <a:rPr lang="en-US" dirty="0" smtClean="0"/>
+                        <a:rPr lang="en-US" dirty="0"/>
                         <a:t>Expires header?</a:t>
                       </a:r>
-                      <a:endParaRPr lang="en-US" dirty="0"/>
                     </a:p>
                   </a:txBody>
                   <a:tcPr/>
@@ -15696,14 +13355,18 @@
                     <a:lstStyle/>
                     <a:p>
                       <a:r>
-                        <a:rPr lang="en-US" dirty="0" smtClean="0"/>
+                        <a:rPr lang="en-US" dirty="0"/>
                         <a:t>Cached on server?</a:t>
                       </a:r>
-                      <a:endParaRPr lang="en-US" dirty="0"/>
                     </a:p>
                   </a:txBody>
                   <a:tcPr/>
                 </a:tc>
+                <a:extLst>
+                  <a:ext uri="{0D108BD9-81ED-4DB2-BD59-A6C34878D82A}">
+                    <a16:rowId xmlns:a16="http://schemas.microsoft.com/office/drawing/2014/main" val="10000"/>
+                  </a:ext>
+                </a:extLst>
               </a:tr>
               <a:tr h="370840">
                 <a:tc>
@@ -15712,10 +13375,9 @@
                     <a:lstStyle/>
                     <a:p>
                       <a:r>
-                        <a:rPr lang="en-US" sz="1600" dirty="0" smtClean="0"/>
+                        <a:rPr lang="en-US" sz="1600" dirty="0"/>
                         <a:t>'Any'</a:t>
                       </a:r>
-                      <a:endParaRPr lang="en-US" sz="1600" dirty="0"/>
                     </a:p>
                   </a:txBody>
                   <a:tcPr/>
@@ -15726,10 +13388,9 @@
                     <a:lstStyle/>
                     <a:p>
                       <a:r>
-                        <a:rPr lang="en-US" sz="1600" dirty="0" smtClean="0"/>
+                        <a:rPr lang="en-US" sz="1600" dirty="0"/>
                         <a:t>public</a:t>
                       </a:r>
-                      <a:endParaRPr lang="en-US" sz="1600" dirty="0"/>
                     </a:p>
                   </a:txBody>
                   <a:tcPr/>
@@ -15740,10 +13401,9 @@
                     <a:lstStyle/>
                     <a:p>
                       <a:r>
-                        <a:rPr lang="en-US" sz="1600" dirty="0" smtClean="0"/>
+                        <a:rPr lang="en-US" sz="1600" dirty="0"/>
                         <a:t>Yes</a:t>
                       </a:r>
-                      <a:endParaRPr lang="en-US" sz="1600" dirty="0"/>
                     </a:p>
                   </a:txBody>
                   <a:tcPr/>
@@ -15754,14 +13414,18 @@
                     <a:lstStyle/>
                     <a:p>
                       <a:r>
-                        <a:rPr lang="en-US" sz="1600" dirty="0" smtClean="0"/>
+                        <a:rPr lang="en-US" sz="1600" dirty="0"/>
                         <a:t>Yes</a:t>
                       </a:r>
-                      <a:endParaRPr lang="en-US" sz="1600" dirty="0"/>
                     </a:p>
                   </a:txBody>
                   <a:tcPr/>
                 </a:tc>
+                <a:extLst>
+                  <a:ext uri="{0D108BD9-81ED-4DB2-BD59-A6C34878D82A}">
+                    <a16:rowId xmlns:a16="http://schemas.microsoft.com/office/drawing/2014/main" val="10001"/>
+                  </a:ext>
+                </a:extLst>
               </a:tr>
               <a:tr h="370840">
                 <a:tc>
@@ -15770,10 +13434,9 @@
                     <a:lstStyle/>
                     <a:p>
                       <a:r>
-                        <a:rPr lang="en-US" sz="1600" dirty="0" smtClean="0"/>
+                        <a:rPr lang="en-US" sz="1600" dirty="0"/>
                         <a:t>'Client'</a:t>
                       </a:r>
-                      <a:endParaRPr lang="en-US" sz="1600" dirty="0"/>
                     </a:p>
                   </a:txBody>
                   <a:tcPr/>
@@ -15784,10 +13447,9 @@
                     <a:lstStyle/>
                     <a:p>
                       <a:r>
-                        <a:rPr lang="en-US" sz="1600" dirty="0" smtClean="0"/>
+                        <a:rPr lang="en-US" sz="1600" dirty="0"/>
                         <a:t>private</a:t>
                       </a:r>
-                      <a:endParaRPr lang="en-US" sz="1600" dirty="0"/>
                     </a:p>
                   </a:txBody>
                   <a:tcPr/>
@@ -15798,10 +13460,9 @@
                     <a:lstStyle/>
                     <a:p>
                       <a:r>
-                        <a:rPr lang="en-US" sz="1600" dirty="0" smtClean="0"/>
+                        <a:rPr lang="en-US" sz="1600" dirty="0"/>
                         <a:t>Yes</a:t>
                       </a:r>
-                      <a:endParaRPr lang="en-US" sz="1600" dirty="0"/>
                     </a:p>
                   </a:txBody>
                   <a:tcPr/>
@@ -15812,14 +13473,18 @@
                     <a:lstStyle/>
                     <a:p>
                       <a:r>
-                        <a:rPr lang="en-US" sz="1600" dirty="0" smtClean="0"/>
+                        <a:rPr lang="en-US" sz="1600" dirty="0"/>
                         <a:t>No</a:t>
                       </a:r>
-                      <a:endParaRPr lang="en-US" sz="1600" dirty="0"/>
                     </a:p>
                   </a:txBody>
                   <a:tcPr/>
                 </a:tc>
+                <a:extLst>
+                  <a:ext uri="{0D108BD9-81ED-4DB2-BD59-A6C34878D82A}">
+                    <a16:rowId xmlns:a16="http://schemas.microsoft.com/office/drawing/2014/main" val="10002"/>
+                  </a:ext>
+                </a:extLst>
               </a:tr>
               <a:tr h="370840">
                 <a:tc>
@@ -15828,10 +13493,9 @@
                     <a:lstStyle/>
                     <a:p>
                       <a:r>
-                        <a:rPr lang="en-US" sz="1600" dirty="0" smtClean="0"/>
+                        <a:rPr lang="en-US" sz="1600" dirty="0"/>
                         <a:t>'Downstream'</a:t>
                       </a:r>
-                      <a:endParaRPr lang="en-US" sz="1600" dirty="0"/>
                     </a:p>
                   </a:txBody>
                   <a:tcPr/>
@@ -15842,10 +13506,9 @@
                     <a:lstStyle/>
                     <a:p>
                       <a:r>
-                        <a:rPr lang="en-US" sz="1600" dirty="0" smtClean="0"/>
+                        <a:rPr lang="en-US" sz="1600" dirty="0"/>
                         <a:t>public</a:t>
                       </a:r>
-                      <a:endParaRPr lang="en-US" sz="1600" dirty="0"/>
                     </a:p>
                   </a:txBody>
                   <a:tcPr/>
@@ -15856,7 +13519,7 @@
                     <a:lstStyle/>
                     <a:p>
                       <a:r>
-                        <a:rPr lang="en-US" sz="1600" kern="1200" dirty="0" smtClean="0">
+                        <a:rPr lang="en-US" sz="1600" kern="1200" dirty="0">
                           <a:solidFill>
                             <a:schemeClr val="dk1"/>
                           </a:solidFill>
@@ -15866,14 +13529,6 @@
                         </a:rPr>
                         <a:t>Yes</a:t>
                       </a:r>
-                      <a:endParaRPr lang="en-US" sz="1600" kern="1200" dirty="0">
-                        <a:solidFill>
-                          <a:schemeClr val="dk1"/>
-                        </a:solidFill>
-                        <a:latin typeface="+mn-lt"/>
-                        <a:ea typeface="+mn-ea"/>
-                        <a:cs typeface="+mn-cs"/>
-                      </a:endParaRPr>
                     </a:p>
                   </a:txBody>
                   <a:tcPr/>
@@ -15884,7 +13539,7 @@
                     <a:lstStyle/>
                     <a:p>
                       <a:r>
-                        <a:rPr lang="en-US" sz="1600" kern="1200" dirty="0" smtClean="0">
+                        <a:rPr lang="en-US" sz="1600" kern="1200" dirty="0">
                           <a:solidFill>
                             <a:schemeClr val="dk1"/>
                           </a:solidFill>
@@ -15894,18 +13549,15 @@
                         </a:rPr>
                         <a:t>No</a:t>
                       </a:r>
-                      <a:endParaRPr lang="en-US" sz="1600" kern="1200" dirty="0">
-                        <a:solidFill>
-                          <a:schemeClr val="dk1"/>
-                        </a:solidFill>
-                        <a:latin typeface="+mn-lt"/>
-                        <a:ea typeface="+mn-ea"/>
-                        <a:cs typeface="+mn-cs"/>
-                      </a:endParaRPr>
                     </a:p>
                   </a:txBody>
                   <a:tcPr/>
                 </a:tc>
+                <a:extLst>
+                  <a:ext uri="{0D108BD9-81ED-4DB2-BD59-A6C34878D82A}">
+                    <a16:rowId xmlns:a16="http://schemas.microsoft.com/office/drawing/2014/main" val="10003"/>
+                  </a:ext>
+                </a:extLst>
               </a:tr>
               <a:tr h="370840">
                 <a:tc>
@@ -15914,10 +13566,9 @@
                     <a:lstStyle/>
                     <a:p>
                       <a:r>
-                        <a:rPr lang="en-US" sz="1600" dirty="0" smtClean="0"/>
+                        <a:rPr lang="en-US" sz="1600" dirty="0"/>
                         <a:t>'Server'</a:t>
                       </a:r>
-                      <a:endParaRPr lang="en-US" sz="1600" dirty="0"/>
                     </a:p>
                   </a:txBody>
                   <a:tcPr/>
@@ -15928,10 +13579,9 @@
                     <a:lstStyle/>
                     <a:p>
                       <a:r>
-                        <a:rPr lang="en-US" sz="1600" dirty="0" smtClean="0"/>
+                        <a:rPr lang="en-US" sz="1600" dirty="0"/>
                         <a:t>no-cache</a:t>
                       </a:r>
-                      <a:endParaRPr lang="en-US" sz="1600" dirty="0"/>
                     </a:p>
                   </a:txBody>
                   <a:tcPr/>
@@ -15959,7 +13609,7 @@
                         <a:defRPr/>
                       </a:pPr>
                       <a:r>
-                        <a:rPr lang="en-US" sz="1600" kern="1200" dirty="0" smtClean="0">
+                        <a:rPr lang="en-US" sz="1600" kern="1200" dirty="0">
                           <a:solidFill>
                             <a:schemeClr val="dk1"/>
                           </a:solidFill>
@@ -15969,14 +13619,6 @@
                         </a:rPr>
                         <a:t>No</a:t>
                       </a:r>
-                      <a:endParaRPr lang="en-US" sz="1600" kern="1200" dirty="0">
-                        <a:solidFill>
-                          <a:schemeClr val="dk1"/>
-                        </a:solidFill>
-                        <a:latin typeface="+mn-lt"/>
-                        <a:ea typeface="+mn-ea"/>
-                        <a:cs typeface="+mn-cs"/>
-                      </a:endParaRPr>
                     </a:p>
                   </a:txBody>
                   <a:tcPr/>
@@ -16004,7 +13646,7 @@
                         <a:defRPr/>
                       </a:pPr>
                       <a:r>
-                        <a:rPr lang="en-US" sz="1600" kern="1200" dirty="0" smtClean="0">
+                        <a:rPr lang="en-US" sz="1600" kern="1200" dirty="0">
                           <a:solidFill>
                             <a:schemeClr val="dk1"/>
                           </a:solidFill>
@@ -16014,18 +13656,15 @@
                         </a:rPr>
                         <a:t>Yes</a:t>
                       </a:r>
-                      <a:endParaRPr lang="en-US" sz="1600" kern="1200" dirty="0">
-                        <a:solidFill>
-                          <a:schemeClr val="dk1"/>
-                        </a:solidFill>
-                        <a:latin typeface="+mn-lt"/>
-                        <a:ea typeface="+mn-ea"/>
-                        <a:cs typeface="+mn-cs"/>
-                      </a:endParaRPr>
                     </a:p>
                   </a:txBody>
                   <a:tcPr/>
                 </a:tc>
+                <a:extLst>
+                  <a:ext uri="{0D108BD9-81ED-4DB2-BD59-A6C34878D82A}">
+                    <a16:rowId xmlns:a16="http://schemas.microsoft.com/office/drawing/2014/main" val="10004"/>
+                  </a:ext>
+                </a:extLst>
               </a:tr>
               <a:tr h="370840">
                 <a:tc>
@@ -16034,10 +13673,9 @@
                     <a:lstStyle/>
                     <a:p>
                       <a:r>
-                        <a:rPr lang="en-US" sz="1600" dirty="0" smtClean="0"/>
+                        <a:rPr lang="en-US" sz="1600" dirty="0"/>
                         <a:t>'None'</a:t>
                       </a:r>
-                      <a:endParaRPr lang="en-US" sz="1600" dirty="0"/>
                     </a:p>
                   </a:txBody>
                   <a:tcPr/>
@@ -16048,10 +13686,9 @@
                     <a:lstStyle/>
                     <a:p>
                       <a:r>
-                        <a:rPr lang="en-US" sz="1600" dirty="0" smtClean="0"/>
+                        <a:rPr lang="en-US" sz="1600" dirty="0"/>
                         <a:t>no-cache</a:t>
                       </a:r>
-                      <a:endParaRPr lang="en-US" sz="1600" dirty="0"/>
                     </a:p>
                   </a:txBody>
                   <a:tcPr/>
@@ -16062,7 +13699,7 @@
                     <a:lstStyle/>
                     <a:p>
                       <a:r>
-                        <a:rPr lang="en-US" sz="1600" kern="1200" dirty="0" smtClean="0">
+                        <a:rPr lang="en-US" sz="1600" kern="1200" dirty="0">
                           <a:solidFill>
                             <a:schemeClr val="dk1"/>
                           </a:solidFill>
@@ -16072,14 +13709,6 @@
                         </a:rPr>
                         <a:t>No</a:t>
                       </a:r>
-                      <a:endParaRPr lang="en-US" sz="1600" kern="1200" dirty="0">
-                        <a:solidFill>
-                          <a:schemeClr val="dk1"/>
-                        </a:solidFill>
-                        <a:latin typeface="+mn-lt"/>
-                        <a:ea typeface="+mn-ea"/>
-                        <a:cs typeface="+mn-cs"/>
-                      </a:endParaRPr>
                     </a:p>
                   </a:txBody>
                   <a:tcPr/>
@@ -16090,7 +13719,7 @@
                     <a:lstStyle/>
                     <a:p>
                       <a:r>
-                        <a:rPr lang="en-US" sz="1600" kern="1200" dirty="0" smtClean="0">
+                        <a:rPr lang="en-US" sz="1600" kern="1200" dirty="0">
                           <a:solidFill>
                             <a:schemeClr val="dk1"/>
                           </a:solidFill>
@@ -16100,18 +13729,15 @@
                         </a:rPr>
                         <a:t>No</a:t>
                       </a:r>
-                      <a:endParaRPr lang="en-US" sz="1600" kern="1200" dirty="0">
-                        <a:solidFill>
-                          <a:schemeClr val="dk1"/>
-                        </a:solidFill>
-                        <a:latin typeface="+mn-lt"/>
-                        <a:ea typeface="+mn-ea"/>
-                        <a:cs typeface="+mn-cs"/>
-                      </a:endParaRPr>
                     </a:p>
                   </a:txBody>
                   <a:tcPr/>
                 </a:tc>
+                <a:extLst>
+                  <a:ext uri="{0D108BD9-81ED-4DB2-BD59-A6C34878D82A}">
+                    <a16:rowId xmlns:a16="http://schemas.microsoft.com/office/drawing/2014/main" val="10005"/>
+                  </a:ext>
+                </a:extLst>
               </a:tr>
             </a:tbl>
           </a:graphicData>
@@ -16210,22 +13836,14 @@
           <a:p>
             <a:r>
               <a:rPr lang="en-US" dirty="0"/>
-              <a:t>Caching </a:t>
-            </a:r>
-            <a:r>
-              <a:rPr lang="en-US" dirty="0" smtClean="0"/>
-              <a:t>multiple</a:t>
+              <a:t>Caching multiple</a:t>
             </a:r>
             <a:br>
-              <a:rPr lang="en-US" dirty="0" smtClean="0"/>
+              <a:rPr lang="en-US" dirty="0"/>
             </a:br>
             <a:r>
-              <a:rPr lang="en-US" dirty="0" smtClean="0"/>
-              <a:t>versions </a:t>
-            </a:r>
-            <a:r>
-              <a:rPr lang="en-US" dirty="0"/>
-              <a:t>of a page</a:t>
+              <a:rPr lang="en-US" dirty="0"/>
+              <a:t>versions of a page</a:t>
             </a:r>
           </a:p>
         </p:txBody>
@@ -16277,12 +13895,8 @@
               </a:spcAft>
             </a:pPr>
             <a:r>
-              <a:rPr lang="en-US" dirty="0" smtClean="0"/>
-              <a:t>One </a:t>
-            </a:r>
-            <a:r>
-              <a:rPr lang="en-US" dirty="0"/>
-              <a:t>for GET, one for POST</a:t>
+              <a:rPr lang="en-US" dirty="0"/>
+              <a:t>One for GET, one for POST</a:t>
             </a:r>
           </a:p>
           <a:p>
@@ -16295,12 +13909,8 @@
               </a:spcAft>
             </a:pPr>
             <a:r>
-              <a:rPr lang="en-US" dirty="0" smtClean="0"/>
-              <a:t>If </a:t>
-            </a:r>
-            <a:r>
-              <a:rPr lang="en-US" dirty="0"/>
-              <a:t>your page changes rendering based on query string or post body, you can use </a:t>
+              <a:rPr lang="en-US" dirty="0"/>
+              <a:t>If your page changes rendering based on query string or post body, you can use </a:t>
             </a:r>
             <a:r>
               <a:rPr lang="en-US" dirty="0" err="1"/>
@@ -16321,12 +13931,8 @@
               </a:spcAft>
             </a:pPr>
             <a:r>
-              <a:rPr lang="en-US" dirty="0" smtClean="0"/>
-              <a:t>"*" </a:t>
-            </a:r>
-            <a:r>
-              <a:rPr lang="en-US" dirty="0"/>
-              <a:t>means cache a unique page for each different post body and/or query string (beware)</a:t>
+              <a:rPr lang="en-US" dirty="0"/>
+              <a:t>"*" means cache a unique page for each different post body and/or query string (beware)</a:t>
             </a:r>
           </a:p>
           <a:p>
@@ -16339,7 +13945,7 @@
               </a:spcAft>
             </a:pPr>
             <a:r>
-              <a:rPr lang="en-US" dirty="0" smtClean="0"/>
+              <a:rPr lang="en-US" dirty="0"/>
               <a:t>"</a:t>
             </a:r>
             <a:r>
@@ -16517,8 +14123,20 @@
                 <a:tableStyleId>{073A0DAA-6AF3-43AB-8588-CEC1D06C72B9}</a:tableStyleId>
               </a:tblPr>
               <a:tblGrid>
-                <a:gridCol w="1371600"/>
-                <a:gridCol w="5715000"/>
+                <a:gridCol w="1371600">
+                  <a:extLst>
+                    <a:ext uri="{9D8B030D-6E8A-4147-A177-3AD203B41FA5}">
+                      <a16:colId xmlns:a16="http://schemas.microsoft.com/office/drawing/2014/main" val="20000"/>
+                    </a:ext>
+                  </a:extLst>
+                </a:gridCol>
+                <a:gridCol w="5715000">
+                  <a:extLst>
+                    <a:ext uri="{9D8B030D-6E8A-4147-A177-3AD203B41FA5}">
+                      <a16:colId xmlns:a16="http://schemas.microsoft.com/office/drawing/2014/main" val="20001"/>
+                    </a:ext>
+                  </a:extLst>
+                </a:gridCol>
               </a:tblGrid>
               <a:tr h="370840">
                 <a:tc>
@@ -16527,10 +14145,9 @@
                     <a:lstStyle/>
                     <a:p>
                       <a:r>
-                        <a:rPr lang="en-US" dirty="0" smtClean="0"/>
+                        <a:rPr lang="en-US" dirty="0"/>
                         <a:t>Value</a:t>
                       </a:r>
-                      <a:endParaRPr lang="en-US" dirty="0"/>
                     </a:p>
                   </a:txBody>
                   <a:tcPr/>
@@ -16541,14 +14158,18 @@
                     <a:lstStyle/>
                     <a:p>
                       <a:r>
-                        <a:rPr lang="en-US" dirty="0" smtClean="0"/>
+                        <a:rPr lang="en-US" dirty="0"/>
                         <a:t>Description</a:t>
                       </a:r>
-                      <a:endParaRPr lang="en-US" dirty="0"/>
                     </a:p>
                   </a:txBody>
                   <a:tcPr/>
                 </a:tc>
+                <a:extLst>
+                  <a:ext uri="{0D108BD9-81ED-4DB2-BD59-A6C34878D82A}">
+                    <a16:rowId xmlns:a16="http://schemas.microsoft.com/office/drawing/2014/main" val="10000"/>
+                  </a:ext>
+                </a:extLst>
               </a:tr>
               <a:tr h="370840">
                 <a:tc>
@@ -16557,10 +14178,9 @@
                     <a:lstStyle/>
                     <a:p>
                       <a:r>
-                        <a:rPr lang="en-US" sz="1600" dirty="0" smtClean="0"/>
+                        <a:rPr lang="en-US" sz="1600" dirty="0"/>
                         <a:t>'none'</a:t>
                       </a:r>
-                      <a:endParaRPr lang="en-US" sz="1600" dirty="0"/>
                     </a:p>
                   </a:txBody>
                   <a:tcPr/>
@@ -16571,14 +14191,18 @@
                     <a:lstStyle/>
                     <a:p>
                       <a:r>
-                        <a:rPr lang="en-US" sz="1600" dirty="0" smtClean="0"/>
+                        <a:rPr lang="en-US" sz="1600" dirty="0"/>
                         <a:t>One version of page cached per request type (GET, POST, HEAD)</a:t>
                       </a:r>
-                      <a:endParaRPr lang="en-US" sz="1600" dirty="0"/>
                     </a:p>
                   </a:txBody>
                   <a:tcPr/>
                 </a:tc>
+                <a:extLst>
+                  <a:ext uri="{0D108BD9-81ED-4DB2-BD59-A6C34878D82A}">
+                    <a16:rowId xmlns:a16="http://schemas.microsoft.com/office/drawing/2014/main" val="10001"/>
+                  </a:ext>
+                </a:extLst>
               </a:tr>
               <a:tr h="370840">
                 <a:tc>
@@ -16587,10 +14211,9 @@
                     <a:lstStyle/>
                     <a:p>
                       <a:r>
-                        <a:rPr lang="en-US" sz="1600" dirty="0" smtClean="0"/>
+                        <a:rPr lang="en-US" sz="1600" dirty="0"/>
                         <a:t>'*'</a:t>
                       </a:r>
-                      <a:endParaRPr lang="en-US" sz="1600" dirty="0"/>
                     </a:p>
                   </a:txBody>
                   <a:tcPr/>
@@ -16601,14 +14224,18 @@
                     <a:lstStyle/>
                     <a:p>
                       <a:r>
-                        <a:rPr lang="en-US" sz="1600" dirty="0" smtClean="0"/>
+                        <a:rPr lang="en-US" sz="1600" dirty="0"/>
                         <a:t>N versions of page cached based on query string and/or POST body variables</a:t>
                       </a:r>
-                      <a:endParaRPr lang="en-US" sz="1600" dirty="0"/>
                     </a:p>
                   </a:txBody>
                   <a:tcPr/>
                 </a:tc>
+                <a:extLst>
+                  <a:ext uri="{0D108BD9-81ED-4DB2-BD59-A6C34878D82A}">
+                    <a16:rowId xmlns:a16="http://schemas.microsoft.com/office/drawing/2014/main" val="10002"/>
+                  </a:ext>
+                </a:extLst>
               </a:tr>
               <a:tr h="370840">
                 <a:tc>
@@ -16617,10 +14244,9 @@
                     <a:lstStyle/>
                     <a:p>
                       <a:r>
-                        <a:rPr lang="en-US" sz="1600" dirty="0" smtClean="0"/>
+                        <a:rPr lang="en-US" sz="1600" dirty="0"/>
                         <a:t>'v1'</a:t>
                       </a:r>
-                      <a:endParaRPr lang="en-US" sz="1600" dirty="0"/>
                     </a:p>
                   </a:txBody>
                   <a:tcPr/>
@@ -16631,14 +14257,18 @@
                     <a:lstStyle/>
                     <a:p>
                       <a:r>
-                        <a:rPr lang="en-US" sz="1600" dirty="0" smtClean="0"/>
+                        <a:rPr lang="en-US" sz="1600" dirty="0"/>
                         <a:t>N versions of page cached based on value of v1 variable in query string or POST body</a:t>
                       </a:r>
-                      <a:endParaRPr lang="en-US" sz="1600" dirty="0"/>
                     </a:p>
                   </a:txBody>
                   <a:tcPr/>
                 </a:tc>
+                <a:extLst>
+                  <a:ext uri="{0D108BD9-81ED-4DB2-BD59-A6C34878D82A}">
+                    <a16:rowId xmlns:a16="http://schemas.microsoft.com/office/drawing/2014/main" val="10003"/>
+                  </a:ext>
+                </a:extLst>
               </a:tr>
               <a:tr h="370840">
                 <a:tc>
@@ -16647,10 +14277,9 @@
                     <a:lstStyle/>
                     <a:p>
                       <a:r>
-                        <a:rPr lang="en-US" sz="1600" dirty="0" smtClean="0"/>
+                        <a:rPr lang="en-US" sz="1600" dirty="0"/>
                         <a:t>'v1;v2'</a:t>
                       </a:r>
-                      <a:endParaRPr lang="en-US" sz="1600" dirty="0"/>
                     </a:p>
                   </a:txBody>
                   <a:tcPr/>
@@ -16661,14 +14290,18 @@
                     <a:lstStyle/>
                     <a:p>
                       <a:r>
-                        <a:rPr lang="en-US" sz="1600" dirty="0" smtClean="0"/>
+                        <a:rPr lang="en-US" sz="1600" dirty="0"/>
                         <a:t>N versions of page cached based on value of v1 and v2 variables in query string or POST body</a:t>
                       </a:r>
-                      <a:endParaRPr lang="en-US" sz="1600" dirty="0"/>
                     </a:p>
                   </a:txBody>
                   <a:tcPr/>
                 </a:tc>
+                <a:extLst>
+                  <a:ext uri="{0D108BD9-81ED-4DB2-BD59-A6C34878D82A}">
+                    <a16:rowId xmlns:a16="http://schemas.microsoft.com/office/drawing/2014/main" val="10004"/>
+                  </a:ext>
+                </a:extLst>
               </a:tr>
             </a:tbl>
           </a:graphicData>
